--- a/docs/planningdocuments/sql_tables.pptx
+++ b/docs/planningdocuments/sql_tables.pptx
@@ -104,6 +104,11 @@
       </a:defRPr>
     </a:lvl9pPr>
   </p:defaultTextStyle>
+  <p:extLst>
+    <p:ext uri="{EFAFB233-063F-42B5-8137-9DF3F51BA10A}">
+      <p15:sldGuideLst xmlns:p15="http://schemas.microsoft.com/office/powerpoint/2012/main"/>
+    </p:ext>
+  </p:extLst>
 </p:presentation>
 </file>
 
@@ -254,7 +259,7 @@
           <a:p>
             <a:fld id="{D1E294F7-EB46-49F9-8C0F-71C30717E95B}" type="datetimeFigureOut">
               <a:rPr lang="en-US" smtClean="0"/>
-              <a:t>9/26/2023</a:t>
+              <a:t>10/2/2023</a:t>
             </a:fld>
             <a:endParaRPr lang="en-US"/>
           </a:p>
@@ -452,7 +457,7 @@
           <a:p>
             <a:fld id="{D1E294F7-EB46-49F9-8C0F-71C30717E95B}" type="datetimeFigureOut">
               <a:rPr lang="en-US" smtClean="0"/>
-              <a:t>9/26/2023</a:t>
+              <a:t>10/2/2023</a:t>
             </a:fld>
             <a:endParaRPr lang="en-US"/>
           </a:p>
@@ -660,7 +665,7 @@
           <a:p>
             <a:fld id="{D1E294F7-EB46-49F9-8C0F-71C30717E95B}" type="datetimeFigureOut">
               <a:rPr lang="en-US" smtClean="0"/>
-              <a:t>9/26/2023</a:t>
+              <a:t>10/2/2023</a:t>
             </a:fld>
             <a:endParaRPr lang="en-US"/>
           </a:p>
@@ -858,7 +863,7 @@
           <a:p>
             <a:fld id="{D1E294F7-EB46-49F9-8C0F-71C30717E95B}" type="datetimeFigureOut">
               <a:rPr lang="en-US" smtClean="0"/>
-              <a:t>9/26/2023</a:t>
+              <a:t>10/2/2023</a:t>
             </a:fld>
             <a:endParaRPr lang="en-US"/>
           </a:p>
@@ -1133,7 +1138,7 @@
           <a:p>
             <a:fld id="{D1E294F7-EB46-49F9-8C0F-71C30717E95B}" type="datetimeFigureOut">
               <a:rPr lang="en-US" smtClean="0"/>
-              <a:t>9/26/2023</a:t>
+              <a:t>10/2/2023</a:t>
             </a:fld>
             <a:endParaRPr lang="en-US"/>
           </a:p>
@@ -1398,7 +1403,7 @@
           <a:p>
             <a:fld id="{D1E294F7-EB46-49F9-8C0F-71C30717E95B}" type="datetimeFigureOut">
               <a:rPr lang="en-US" smtClean="0"/>
-              <a:t>9/26/2023</a:t>
+              <a:t>10/2/2023</a:t>
             </a:fld>
             <a:endParaRPr lang="en-US"/>
           </a:p>
@@ -1810,7 +1815,7 @@
           <a:p>
             <a:fld id="{D1E294F7-EB46-49F9-8C0F-71C30717E95B}" type="datetimeFigureOut">
               <a:rPr lang="en-US" smtClean="0"/>
-              <a:t>9/26/2023</a:t>
+              <a:t>10/2/2023</a:t>
             </a:fld>
             <a:endParaRPr lang="en-US"/>
           </a:p>
@@ -1951,7 +1956,7 @@
           <a:p>
             <a:fld id="{D1E294F7-EB46-49F9-8C0F-71C30717E95B}" type="datetimeFigureOut">
               <a:rPr lang="en-US" smtClean="0"/>
-              <a:t>9/26/2023</a:t>
+              <a:t>10/2/2023</a:t>
             </a:fld>
             <a:endParaRPr lang="en-US"/>
           </a:p>
@@ -2064,7 +2069,7 @@
           <a:p>
             <a:fld id="{D1E294F7-EB46-49F9-8C0F-71C30717E95B}" type="datetimeFigureOut">
               <a:rPr lang="en-US" smtClean="0"/>
-              <a:t>9/26/2023</a:t>
+              <a:t>10/2/2023</a:t>
             </a:fld>
             <a:endParaRPr lang="en-US"/>
           </a:p>
@@ -2375,7 +2380,7 @@
           <a:p>
             <a:fld id="{D1E294F7-EB46-49F9-8C0F-71C30717E95B}" type="datetimeFigureOut">
               <a:rPr lang="en-US" smtClean="0"/>
-              <a:t>9/26/2023</a:t>
+              <a:t>10/2/2023</a:t>
             </a:fld>
             <a:endParaRPr lang="en-US"/>
           </a:p>
@@ -2663,7 +2668,7 @@
           <a:p>
             <a:fld id="{D1E294F7-EB46-49F9-8C0F-71C30717E95B}" type="datetimeFigureOut">
               <a:rPr lang="en-US" smtClean="0"/>
-              <a:t>9/26/2023</a:t>
+              <a:t>10/2/2023</a:t>
             </a:fld>
             <a:endParaRPr lang="en-US"/>
           </a:p>
@@ -2904,7 +2909,7 @@
           <a:p>
             <a:fld id="{D1E294F7-EB46-49F9-8C0F-71C30717E95B}" type="datetimeFigureOut">
               <a:rPr lang="en-US" smtClean="0"/>
-              <a:t>9/26/2023</a:t>
+              <a:t>10/2/2023</a:t>
             </a:fld>
             <a:endParaRPr lang="en-US"/>
           </a:p>
@@ -3336,14 +3341,14 @@
           <p:nvPr>
             <p:extLst>
               <p:ext uri="{D42A27DB-BD31-4B8C-83A1-F6EECF244321}">
-                <p14:modId xmlns:p14="http://schemas.microsoft.com/office/powerpoint/2010/main" val="936642285"/>
+                <p14:modId xmlns:p14="http://schemas.microsoft.com/office/powerpoint/2010/main" val="1815487378"/>
               </p:ext>
             </p:extLst>
           </p:nvPr>
         </p:nvGraphicFramePr>
         <p:xfrm>
           <a:off x="679063" y="514393"/>
-          <a:ext cx="3053182" cy="5359400"/>
+          <a:ext cx="3053182" cy="4820920"/>
         </p:xfrm>
         <a:graphic>
           <a:graphicData uri="http://schemas.openxmlformats.org/drawingml/2006/table">
@@ -3422,7 +3427,7 @@
                     <a:p>
                       <a:r>
                         <a:rPr lang="en-US" dirty="0"/>
-                        <a:t>int (primary)</a:t>
+                        <a:t>int(Primary)</a:t>
                       </a:r>
                     </a:p>
                   </a:txBody>
@@ -3441,22 +3446,21 @@
                     <a:lstStyle/>
                     <a:p>
                       <a:r>
-                        <a:rPr lang="en-US" dirty="0" err="1"/>
-                        <a:t>departure_APID</a:t>
-                      </a:r>
-                      <a:endParaRPr lang="en-US" dirty="0"/>
-                    </a:p>
-                  </a:txBody>
-                  <a:tcPr/>
-                </a:tc>
-                <a:tc>
-                  <a:txBody>
-                    <a:bodyPr/>
-                    <a:lstStyle/>
-                    <a:p>
-                      <a:r>
-                        <a:rPr lang="en-US" dirty="0"/>
-                        <a:t>Int (index)</a:t>
+                        <a:rPr lang="en-US" dirty="0"/>
+                        <a:t>ALID</a:t>
+                      </a:r>
+                    </a:p>
+                  </a:txBody>
+                  <a:tcPr/>
+                </a:tc>
+                <a:tc>
+                  <a:txBody>
+                    <a:bodyPr/>
+                    <a:lstStyle/>
+                    <a:p>
+                      <a:r>
+                        <a:rPr lang="en-US" dirty="0"/>
+                        <a:t>int(Index)</a:t>
                       </a:r>
                     </a:p>
                   </a:txBody>
@@ -3475,22 +3479,21 @@
                     <a:lstStyle/>
                     <a:p>
                       <a:r>
-                        <a:rPr lang="en-US" dirty="0" err="1"/>
-                        <a:t>arrival_APID</a:t>
-                      </a:r>
-                      <a:endParaRPr lang="en-US" dirty="0"/>
-                    </a:p>
-                  </a:txBody>
-                  <a:tcPr/>
-                </a:tc>
-                <a:tc>
-                  <a:txBody>
-                    <a:bodyPr/>
-                    <a:lstStyle/>
-                    <a:p>
-                      <a:r>
-                        <a:rPr lang="en-US" dirty="0"/>
-                        <a:t>Int (index)</a:t>
+                        <a:rPr lang="en-US" dirty="0"/>
+                        <a:t>APID_D</a:t>
+                      </a:r>
+                    </a:p>
+                  </a:txBody>
+                  <a:tcPr/>
+                </a:tc>
+                <a:tc>
+                  <a:txBody>
+                    <a:bodyPr/>
+                    <a:lstStyle/>
+                    <a:p>
+                      <a:r>
+                        <a:rPr lang="en-US" dirty="0"/>
+                        <a:t>int(Index)</a:t>
                       </a:r>
                     </a:p>
                   </a:txBody>
@@ -3509,22 +3512,21 @@
                     <a:lstStyle/>
                     <a:p>
                       <a:r>
-                        <a:rPr lang="en-US" dirty="0" err="1"/>
-                        <a:t>departure_time</a:t>
-                      </a:r>
-                      <a:endParaRPr lang="en-US" dirty="0"/>
-                    </a:p>
-                  </a:txBody>
-                  <a:tcPr/>
-                </a:tc>
-                <a:tc>
-                  <a:txBody>
-                    <a:bodyPr/>
-                    <a:lstStyle/>
-                    <a:p>
-                      <a:r>
-                        <a:rPr lang="en-US" dirty="0"/>
-                        <a:t>Datetime (25)</a:t>
+                        <a:rPr lang="en-US" dirty="0"/>
+                        <a:t>APID_A</a:t>
+                      </a:r>
+                    </a:p>
+                  </a:txBody>
+                  <a:tcPr/>
+                </a:tc>
+                <a:tc>
+                  <a:txBody>
+                    <a:bodyPr/>
+                    <a:lstStyle/>
+                    <a:p>
+                      <a:r>
+                        <a:rPr lang="en-US" dirty="0"/>
+                        <a:t>int(Index)</a:t>
                       </a:r>
                     </a:p>
                   </a:txBody>
@@ -3544,7 +3546,7 @@
                     <a:p>
                       <a:r>
                         <a:rPr lang="en-US" dirty="0" err="1"/>
-                        <a:t>arrival_time</a:t>
+                        <a:t>departure_time</a:t>
                       </a:r>
                       <a:endParaRPr lang="en-US" dirty="0"/>
                     </a:p>
@@ -3558,7 +3560,7 @@
                     <a:p>
                       <a:r>
                         <a:rPr lang="en-US" dirty="0"/>
-                        <a:t>Datetime (25)</a:t>
+                        <a:t>datetime</a:t>
                       </a:r>
                     </a:p>
                   </a:txBody>
@@ -3577,21 +3579,22 @@
                     <a:lstStyle/>
                     <a:p>
                       <a:r>
-                        <a:rPr lang="en-US" dirty="0"/>
-                        <a:t>Capacity</a:t>
-                      </a:r>
-                    </a:p>
-                  </a:txBody>
-                  <a:tcPr/>
-                </a:tc>
-                <a:tc>
-                  <a:txBody>
-                    <a:bodyPr/>
-                    <a:lstStyle/>
-                    <a:p>
-                      <a:r>
-                        <a:rPr lang="en-US" dirty="0"/>
-                        <a:t>Int (25)</a:t>
+                        <a:rPr lang="en-US" dirty="0" err="1"/>
+                        <a:t>arrival_time</a:t>
+                      </a:r>
+                      <a:endParaRPr lang="en-US" dirty="0"/>
+                    </a:p>
+                  </a:txBody>
+                  <a:tcPr/>
+                </a:tc>
+                <a:tc>
+                  <a:txBody>
+                    <a:bodyPr/>
+                    <a:lstStyle/>
+                    <a:p>
+                      <a:r>
+                        <a:rPr lang="en-US" dirty="0"/>
+                        <a:t>datetime</a:t>
                       </a:r>
                     </a:p>
                   </a:txBody>
@@ -3610,22 +3613,21 @@
                     <a:lstStyle/>
                     <a:p>
                       <a:r>
-                        <a:rPr lang="en-US" dirty="0" err="1"/>
-                        <a:t>Plane_model</a:t>
-                      </a:r>
-                      <a:endParaRPr lang="en-US" dirty="0"/>
-                    </a:p>
-                  </a:txBody>
-                  <a:tcPr/>
-                </a:tc>
-                <a:tc>
-                  <a:txBody>
-                    <a:bodyPr/>
-                    <a:lstStyle/>
-                    <a:p>
-                      <a:r>
-                        <a:rPr lang="en-US" dirty="0"/>
-                        <a:t>Varchar (25)</a:t>
+                        <a:rPr lang="en-US" dirty="0"/>
+                        <a:t>capacity</a:t>
+                      </a:r>
+                    </a:p>
+                  </a:txBody>
+                  <a:tcPr/>
+                </a:tc>
+                <a:tc>
+                  <a:txBody>
+                    <a:bodyPr/>
+                    <a:lstStyle/>
+                    <a:p>
+                      <a:r>
+                        <a:rPr lang="en-US" dirty="0"/>
+                        <a:t>int(25)</a:t>
                       </a:r>
                     </a:p>
                   </a:txBody>
@@ -3645,7 +3647,7 @@
                     <a:p>
                       <a:r>
                         <a:rPr lang="en-US" dirty="0" err="1"/>
-                        <a:t>Flight_number</a:t>
+                        <a:t>plane_model</a:t>
                       </a:r>
                       <a:endParaRPr lang="en-US" dirty="0"/>
                     </a:p>
@@ -3659,7 +3661,7 @@
                     <a:p>
                       <a:r>
                         <a:rPr lang="en-US" dirty="0"/>
-                        <a:t>Varchar (25)</a:t>
+                        <a:t>varchar(25)</a:t>
                       </a:r>
                     </a:p>
                   </a:txBody>
@@ -3678,21 +3680,22 @@
                     <a:lstStyle/>
                     <a:p>
                       <a:r>
-                        <a:rPr lang="en-US" dirty="0"/>
-                        <a:t>ALID</a:t>
-                      </a:r>
-                    </a:p>
-                  </a:txBody>
-                  <a:tcPr/>
-                </a:tc>
-                <a:tc>
-                  <a:txBody>
-                    <a:bodyPr/>
-                    <a:lstStyle/>
-                    <a:p>
-                      <a:r>
-                        <a:rPr lang="en-US" dirty="0"/>
-                        <a:t>Int (index)</a:t>
+                        <a:rPr lang="en-US" dirty="0" err="1"/>
+                        <a:t>flight_number</a:t>
+                      </a:r>
+                      <a:endParaRPr lang="en-US" dirty="0"/>
+                    </a:p>
+                  </a:txBody>
+                  <a:tcPr/>
+                </a:tc>
+                <a:tc>
+                  <a:txBody>
+                    <a:bodyPr/>
+                    <a:lstStyle/>
+                    <a:p>
+                      <a:r>
+                        <a:rPr lang="en-US" dirty="0"/>
+                        <a:t>varchar(25)</a:t>
                       </a:r>
                     </a:p>
                   </a:txBody>
@@ -3712,7 +3715,7 @@
                     <a:p>
                       <a:r>
                         <a:rPr lang="en-US" dirty="0" err="1"/>
-                        <a:t>Ticket_cost</a:t>
+                        <a:t>ticket_cost</a:t>
                       </a:r>
                       <a:endParaRPr lang="en-US" dirty="0"/>
                     </a:p>
@@ -3726,7 +3729,7 @@
                     <a:p>
                       <a:r>
                         <a:rPr lang="en-US" dirty="0"/>
-                        <a:t>Double (25)</a:t>
+                        <a:t>double(25)</a:t>
                       </a:r>
                     </a:p>
                   </a:txBody>
@@ -3746,7 +3749,7 @@
                     <a:p>
                       <a:r>
                         <a:rPr lang="en-US" dirty="0" err="1"/>
-                        <a:t>Is_available</a:t>
+                        <a:t>is_available</a:t>
                       </a:r>
                       <a:endParaRPr lang="en-US" dirty="0"/>
                     </a:p>
@@ -3760,7 +3763,7 @@
                     <a:p>
                       <a:r>
                         <a:rPr lang="en-US" dirty="0"/>
-                        <a:t>Int (1)</a:t>
+                        <a:t>int(1)</a:t>
                       </a:r>
                     </a:p>
                   </a:txBody>
@@ -3780,7 +3783,7 @@
                     <a:p>
                       <a:r>
                         <a:rPr lang="en-US" dirty="0" err="1"/>
-                        <a:t>Num_of_stops</a:t>
+                        <a:t>num_of_stops</a:t>
                       </a:r>
                       <a:endParaRPr lang="en-US" dirty="0"/>
                     </a:p>
@@ -3794,7 +3797,7 @@
                     <a:p>
                       <a:r>
                         <a:rPr lang="en-US" dirty="0"/>
-                        <a:t>Int (1)</a:t>
+                        <a:t>int(1)</a:t>
                       </a:r>
                     </a:p>
                   </a:txBody>
@@ -3825,14 +3828,14 @@
           <p:nvPr>
             <p:extLst>
               <p:ext uri="{D42A27DB-BD31-4B8C-83A1-F6EECF244321}">
-                <p14:modId xmlns:p14="http://schemas.microsoft.com/office/powerpoint/2010/main" val="3892344172"/>
+                <p14:modId xmlns:p14="http://schemas.microsoft.com/office/powerpoint/2010/main" val="3978035281"/>
               </p:ext>
             </p:extLst>
           </p:nvPr>
         </p:nvGraphicFramePr>
         <p:xfrm>
-          <a:off x="4551266" y="728997"/>
-          <a:ext cx="8128000" cy="2225040"/>
+          <a:off x="6417389" y="1603242"/>
+          <a:ext cx="2605314" cy="2225040"/>
         </p:xfrm>
         <a:graphic>
           <a:graphicData uri="http://schemas.openxmlformats.org/drawingml/2006/table">
@@ -3841,14 +3844,14 @@
                 <a:tableStyleId>{5C22544A-7EE6-4342-B048-85BDC9FD1C3A}</a:tableStyleId>
               </a:tblPr>
               <a:tblGrid>
-                <a:gridCol w="4064000">
+                <a:gridCol w="1000448">
                   <a:extLst>
                     <a:ext uri="{9D8B030D-6E8A-4147-A177-3AD203B41FA5}">
                       <a16:colId xmlns:a16="http://schemas.microsoft.com/office/drawing/2014/main" val="1987791246"/>
                     </a:ext>
                   </a:extLst>
                 </a:gridCol>
-                <a:gridCol w="4064000">
+                <a:gridCol w="1604866">
                   <a:extLst>
                     <a:ext uri="{9D8B030D-6E8A-4147-A177-3AD203B41FA5}">
                       <a16:colId xmlns:a16="http://schemas.microsoft.com/office/drawing/2014/main" val="1932338259"/>
@@ -3910,7 +3913,7 @@
                     <a:p>
                       <a:r>
                         <a:rPr lang="en-US" dirty="0"/>
-                        <a:t>int (primary)</a:t>
+                        <a:t>int (Primary)</a:t>
                       </a:r>
                     </a:p>
                   </a:txBody>
@@ -3943,7 +3946,7 @@
                     <a:p>
                       <a:r>
                         <a:rPr lang="en-US" dirty="0"/>
-                        <a:t>Varchar (3)</a:t>
+                        <a:t>varchar (3)</a:t>
                       </a:r>
                     </a:p>
                   </a:txBody>
@@ -3963,20 +3966,20 @@
                     <a:p>
                       <a:r>
                         <a:rPr lang="en-US" dirty="0"/>
-                        <a:t>City</a:t>
-                      </a:r>
-                    </a:p>
-                  </a:txBody>
-                  <a:tcPr/>
-                </a:tc>
-                <a:tc>
-                  <a:txBody>
-                    <a:bodyPr/>
-                    <a:lstStyle/>
-                    <a:p>
-                      <a:r>
-                        <a:rPr lang="en-US" dirty="0"/>
-                        <a:t>Varchar (25)</a:t>
+                        <a:t>city</a:t>
+                      </a:r>
+                    </a:p>
+                  </a:txBody>
+                  <a:tcPr/>
+                </a:tc>
+                <a:tc>
+                  <a:txBody>
+                    <a:bodyPr/>
+                    <a:lstStyle/>
+                    <a:p>
+                      <a:r>
+                        <a:rPr lang="en-US" dirty="0"/>
+                        <a:t>varchar (25)</a:t>
                       </a:r>
                     </a:p>
                   </a:txBody>
@@ -3996,20 +3999,20 @@
                     <a:p>
                       <a:r>
                         <a:rPr lang="en-US" dirty="0"/>
-                        <a:t>State</a:t>
-                      </a:r>
-                    </a:p>
-                  </a:txBody>
-                  <a:tcPr/>
-                </a:tc>
-                <a:tc>
-                  <a:txBody>
-                    <a:bodyPr/>
-                    <a:lstStyle/>
-                    <a:p>
-                      <a:r>
-                        <a:rPr lang="en-US" dirty="0"/>
-                        <a:t>Varchar (25)</a:t>
+                        <a:t>state</a:t>
+                      </a:r>
+                    </a:p>
+                  </a:txBody>
+                  <a:tcPr/>
+                </a:tc>
+                <a:tc>
+                  <a:txBody>
+                    <a:bodyPr/>
+                    <a:lstStyle/>
+                    <a:p>
+                      <a:r>
+                        <a:rPr lang="en-US" dirty="0"/>
+                        <a:t>varchar (25)</a:t>
                       </a:r>
                     </a:p>
                   </a:txBody>
@@ -4029,20 +4032,20 @@
                     <a:p>
                       <a:r>
                         <a:rPr lang="en-US" dirty="0"/>
-                        <a:t>Country</a:t>
-                      </a:r>
-                    </a:p>
-                  </a:txBody>
-                  <a:tcPr/>
-                </a:tc>
-                <a:tc>
-                  <a:txBody>
-                    <a:bodyPr/>
-                    <a:lstStyle/>
-                    <a:p>
-                      <a:r>
-                        <a:rPr lang="en-US" dirty="0"/>
-                        <a:t>Varchar (25)</a:t>
+                        <a:t>country</a:t>
+                      </a:r>
+                    </a:p>
+                  </a:txBody>
+                  <a:tcPr/>
+                </a:tc>
+                <a:tc>
+                  <a:txBody>
+                    <a:bodyPr/>
+                    <a:lstStyle/>
+                    <a:p>
+                      <a:r>
+                        <a:rPr lang="en-US" dirty="0"/>
+                        <a:t>varchar (25)</a:t>
                       </a:r>
                     </a:p>
                   </a:txBody>
@@ -4058,12 +4061,2015 @@
           </a:graphicData>
         </a:graphic>
       </p:graphicFrame>
+      <p:graphicFrame>
+        <p:nvGraphicFramePr>
+          <p:cNvPr id="17" name="Table 17">
+            <a:extLst>
+              <a:ext uri="{FF2B5EF4-FFF2-40B4-BE49-F238E27FC236}">
+                <a16:creationId xmlns:a16="http://schemas.microsoft.com/office/drawing/2014/main" id="{BD3AA4E1-3516-7A51-8EE8-00CAFCFB47FD}"/>
+              </a:ext>
+            </a:extLst>
+          </p:cNvPr>
+          <p:cNvGraphicFramePr>
+            <a:graphicFrameLocks noGrp="1"/>
+          </p:cNvGraphicFramePr>
+          <p:nvPr>
+            <p:extLst>
+              <p:ext uri="{D42A27DB-BD31-4B8C-83A1-F6EECF244321}">
+                <p14:modId xmlns:p14="http://schemas.microsoft.com/office/powerpoint/2010/main" val="4160581036"/>
+              </p:ext>
+            </p:extLst>
+          </p:nvPr>
+        </p:nvGraphicFramePr>
+        <p:xfrm>
+          <a:off x="4383315" y="514393"/>
+          <a:ext cx="2464318" cy="741680"/>
+        </p:xfrm>
+        <a:graphic>
+          <a:graphicData uri="http://schemas.openxmlformats.org/drawingml/2006/table">
+            <a:tbl>
+              <a:tblPr firstRow="1" bandRow="1">
+                <a:tableStyleId>{5C22544A-7EE6-4342-B048-85BDC9FD1C3A}</a:tableStyleId>
+              </a:tblPr>
+              <a:tblGrid>
+                <a:gridCol w="1084424">
+                  <a:extLst>
+                    <a:ext uri="{9D8B030D-6E8A-4147-A177-3AD203B41FA5}">
+                      <a16:colId xmlns:a16="http://schemas.microsoft.com/office/drawing/2014/main" val="4286480281"/>
+                    </a:ext>
+                  </a:extLst>
+                </a:gridCol>
+                <a:gridCol w="1379894">
+                  <a:extLst>
+                    <a:ext uri="{9D8B030D-6E8A-4147-A177-3AD203B41FA5}">
+                      <a16:colId xmlns:a16="http://schemas.microsoft.com/office/drawing/2014/main" val="885165231"/>
+                    </a:ext>
+                  </a:extLst>
+                </a:gridCol>
+              </a:tblGrid>
+              <a:tr h="370840">
+                <a:tc>
+                  <a:txBody>
+                    <a:bodyPr/>
+                    <a:lstStyle/>
+                    <a:p>
+                      <a:r>
+                        <a:rPr lang="en-US" dirty="0"/>
+                        <a:t>airline</a:t>
+                      </a:r>
+                    </a:p>
+                  </a:txBody>
+                  <a:tcPr/>
+                </a:tc>
+                <a:tc>
+                  <a:txBody>
+                    <a:bodyPr/>
+                    <a:lstStyle/>
+                    <a:p>
+                      <a:r>
+                        <a:rPr lang="en-US" dirty="0"/>
+                        <a:t>Data type</a:t>
+                      </a:r>
+                    </a:p>
+                  </a:txBody>
+                  <a:tcPr/>
+                </a:tc>
+                <a:extLst>
+                  <a:ext uri="{0D108BD9-81ED-4DB2-BD59-A6C34878D82A}">
+                    <a16:rowId xmlns:a16="http://schemas.microsoft.com/office/drawing/2014/main" val="2814877316"/>
+                  </a:ext>
+                </a:extLst>
+              </a:tr>
+              <a:tr h="370840">
+                <a:tc>
+                  <a:txBody>
+                    <a:bodyPr/>
+                    <a:lstStyle/>
+                    <a:p>
+                      <a:r>
+                        <a:rPr lang="en-US" dirty="0"/>
+                        <a:t>ALID</a:t>
+                      </a:r>
+                    </a:p>
+                  </a:txBody>
+                  <a:tcPr/>
+                </a:tc>
+                <a:tc>
+                  <a:txBody>
+                    <a:bodyPr/>
+                    <a:lstStyle/>
+                    <a:p>
+                      <a:r>
+                        <a:rPr lang="en-US" dirty="0"/>
+                        <a:t>int (Primary)</a:t>
+                      </a:r>
+                    </a:p>
+                  </a:txBody>
+                  <a:tcPr/>
+                </a:tc>
+                <a:extLst>
+                  <a:ext uri="{0D108BD9-81ED-4DB2-BD59-A6C34878D82A}">
+                    <a16:rowId xmlns:a16="http://schemas.microsoft.com/office/drawing/2014/main" val="2325399729"/>
+                  </a:ext>
+                </a:extLst>
+              </a:tr>
+            </a:tbl>
+          </a:graphicData>
+        </a:graphic>
+      </p:graphicFrame>
+      <p:graphicFrame>
+        <p:nvGraphicFramePr>
+          <p:cNvPr id="2" name="Table 2">
+            <a:extLst>
+              <a:ext uri="{FF2B5EF4-FFF2-40B4-BE49-F238E27FC236}">
+                <a16:creationId xmlns:a16="http://schemas.microsoft.com/office/drawing/2014/main" id="{54252076-BE1A-610B-12E8-41D9F2FA095B}"/>
+              </a:ext>
+            </a:extLst>
+          </p:cNvPr>
+          <p:cNvGraphicFramePr>
+            <a:graphicFrameLocks noGrp="1"/>
+          </p:cNvGraphicFramePr>
+          <p:nvPr>
+            <p:extLst>
+              <p:ext uri="{D42A27DB-BD31-4B8C-83A1-F6EECF244321}">
+                <p14:modId xmlns:p14="http://schemas.microsoft.com/office/powerpoint/2010/main" val="4096896880"/>
+              </p:ext>
+            </p:extLst>
+          </p:nvPr>
+        </p:nvGraphicFramePr>
+        <p:xfrm>
+          <a:off x="4531048" y="4016207"/>
+          <a:ext cx="3129903" cy="1483360"/>
+        </p:xfrm>
+        <a:graphic>
+          <a:graphicData uri="http://schemas.openxmlformats.org/drawingml/2006/table">
+            <a:tbl>
+              <a:tblPr firstRow="1" bandRow="1">
+                <a:tableStyleId>{5C22544A-7EE6-4342-B048-85BDC9FD1C3A}</a:tableStyleId>
+              </a:tblPr>
+              <a:tblGrid>
+                <a:gridCol w="1804955">
+                  <a:extLst>
+                    <a:ext uri="{9D8B030D-6E8A-4147-A177-3AD203B41FA5}">
+                      <a16:colId xmlns:a16="http://schemas.microsoft.com/office/drawing/2014/main" val="658989903"/>
+                    </a:ext>
+                  </a:extLst>
+                </a:gridCol>
+                <a:gridCol w="1324948">
+                  <a:extLst>
+                    <a:ext uri="{9D8B030D-6E8A-4147-A177-3AD203B41FA5}">
+                      <a16:colId xmlns:a16="http://schemas.microsoft.com/office/drawing/2014/main" val="1069804979"/>
+                    </a:ext>
+                  </a:extLst>
+                </a:gridCol>
+              </a:tblGrid>
+              <a:tr h="370840">
+                <a:tc>
+                  <a:txBody>
+                    <a:bodyPr/>
+                    <a:lstStyle/>
+                    <a:p>
+                      <a:r>
+                        <a:rPr lang="en-US" dirty="0" err="1"/>
+                        <a:t>reservation_data</a:t>
+                      </a:r>
+                      <a:endParaRPr lang="en-US" dirty="0"/>
+                    </a:p>
+                  </a:txBody>
+                  <a:tcPr/>
+                </a:tc>
+                <a:tc>
+                  <a:txBody>
+                    <a:bodyPr/>
+                    <a:lstStyle/>
+                    <a:p>
+                      <a:r>
+                        <a:rPr lang="en-US" dirty="0"/>
+                        <a:t>data type</a:t>
+                      </a:r>
+                    </a:p>
+                  </a:txBody>
+                  <a:tcPr/>
+                </a:tc>
+                <a:extLst>
+                  <a:ext uri="{0D108BD9-81ED-4DB2-BD59-A6C34878D82A}">
+                    <a16:rowId xmlns:a16="http://schemas.microsoft.com/office/drawing/2014/main" val="2191641030"/>
+                  </a:ext>
+                </a:extLst>
+              </a:tr>
+              <a:tr h="370840">
+                <a:tc>
+                  <a:txBody>
+                    <a:bodyPr/>
+                    <a:lstStyle/>
+                    <a:p>
+                      <a:r>
+                        <a:rPr lang="en-US" dirty="0"/>
+                        <a:t>RSID</a:t>
+                      </a:r>
+                    </a:p>
+                  </a:txBody>
+                  <a:tcPr/>
+                </a:tc>
+                <a:tc>
+                  <a:txBody>
+                    <a:bodyPr/>
+                    <a:lstStyle/>
+                    <a:p>
+                      <a:r>
+                        <a:rPr lang="en-US" dirty="0"/>
+                        <a:t>int(Primary)</a:t>
+                      </a:r>
+                    </a:p>
+                  </a:txBody>
+                  <a:tcPr/>
+                </a:tc>
+                <a:extLst>
+                  <a:ext uri="{0D108BD9-81ED-4DB2-BD59-A6C34878D82A}">
+                    <a16:rowId xmlns:a16="http://schemas.microsoft.com/office/drawing/2014/main" val="2022441216"/>
+                  </a:ext>
+                </a:extLst>
+              </a:tr>
+              <a:tr h="370840">
+                <a:tc>
+                  <a:txBody>
+                    <a:bodyPr/>
+                    <a:lstStyle/>
+                    <a:p>
+                      <a:r>
+                        <a:rPr lang="en-US" dirty="0"/>
+                        <a:t>UPID</a:t>
+                      </a:r>
+                    </a:p>
+                  </a:txBody>
+                  <a:tcPr/>
+                </a:tc>
+                <a:tc>
+                  <a:txBody>
+                    <a:bodyPr/>
+                    <a:lstStyle/>
+                    <a:p>
+                      <a:r>
+                        <a:rPr lang="en-US" dirty="0"/>
+                        <a:t>int(Index)</a:t>
+                      </a:r>
+                    </a:p>
+                  </a:txBody>
+                  <a:tcPr/>
+                </a:tc>
+                <a:extLst>
+                  <a:ext uri="{0D108BD9-81ED-4DB2-BD59-A6C34878D82A}">
+                    <a16:rowId xmlns:a16="http://schemas.microsoft.com/office/drawing/2014/main" val="3662866244"/>
+                  </a:ext>
+                </a:extLst>
+              </a:tr>
+              <a:tr h="370840">
+                <a:tc>
+                  <a:txBody>
+                    <a:bodyPr/>
+                    <a:lstStyle/>
+                    <a:p>
+                      <a:r>
+                        <a:rPr lang="en-US" dirty="0"/>
+                        <a:t>FDID</a:t>
+                      </a:r>
+                    </a:p>
+                  </a:txBody>
+                  <a:tcPr/>
+                </a:tc>
+                <a:tc>
+                  <a:txBody>
+                    <a:bodyPr/>
+                    <a:lstStyle/>
+                    <a:p>
+                      <a:r>
+                        <a:rPr lang="en-US" dirty="0"/>
+                        <a:t>int(Index)</a:t>
+                      </a:r>
+                    </a:p>
+                  </a:txBody>
+                  <a:tcPr/>
+                </a:tc>
+                <a:extLst>
+                  <a:ext uri="{0D108BD9-81ED-4DB2-BD59-A6C34878D82A}">
+                    <a16:rowId xmlns:a16="http://schemas.microsoft.com/office/drawing/2014/main" val="4061489904"/>
+                  </a:ext>
+                </a:extLst>
+              </a:tr>
+            </a:tbl>
+          </a:graphicData>
+        </a:graphic>
+      </p:graphicFrame>
+      <p:graphicFrame>
+        <p:nvGraphicFramePr>
+          <p:cNvPr id="3" name="Table 5">
+            <a:extLst>
+              <a:ext uri="{FF2B5EF4-FFF2-40B4-BE49-F238E27FC236}">
+                <a16:creationId xmlns:a16="http://schemas.microsoft.com/office/drawing/2014/main" id="{F29AF612-EE7E-1890-C584-6FD29533FF67}"/>
+              </a:ext>
+            </a:extLst>
+          </p:cNvPr>
+          <p:cNvGraphicFramePr>
+            <a:graphicFrameLocks noGrp="1"/>
+          </p:cNvGraphicFramePr>
+          <p:nvPr>
+            <p:extLst>
+              <p:ext uri="{D42A27DB-BD31-4B8C-83A1-F6EECF244321}">
+                <p14:modId xmlns:p14="http://schemas.microsoft.com/office/powerpoint/2010/main" val="3628846411"/>
+              </p:ext>
+            </p:extLst>
+          </p:nvPr>
+        </p:nvGraphicFramePr>
+        <p:xfrm>
+          <a:off x="679063" y="5701004"/>
+          <a:ext cx="2992534" cy="4820920"/>
+        </p:xfrm>
+        <a:graphic>
+          <a:graphicData uri="http://schemas.openxmlformats.org/drawingml/2006/table">
+            <a:tbl>
+              <a:tblPr firstRow="1" bandRow="1">
+                <a:tableStyleId>{5C22544A-7EE6-4342-B048-85BDC9FD1C3A}</a:tableStyleId>
+              </a:tblPr>
+              <a:tblGrid>
+                <a:gridCol w="1452983">
+                  <a:extLst>
+                    <a:ext uri="{9D8B030D-6E8A-4147-A177-3AD203B41FA5}">
+                      <a16:colId xmlns:a16="http://schemas.microsoft.com/office/drawing/2014/main" val="3794955777"/>
+                    </a:ext>
+                  </a:extLst>
+                </a:gridCol>
+                <a:gridCol w="1539551">
+                  <a:extLst>
+                    <a:ext uri="{9D8B030D-6E8A-4147-A177-3AD203B41FA5}">
+                      <a16:colId xmlns:a16="http://schemas.microsoft.com/office/drawing/2014/main" val="3872846874"/>
+                    </a:ext>
+                  </a:extLst>
+                </a:gridCol>
+              </a:tblGrid>
+              <a:tr h="370840">
+                <a:tc>
+                  <a:txBody>
+                    <a:bodyPr/>
+                    <a:lstStyle/>
+                    <a:p>
+                      <a:r>
+                        <a:rPr lang="en-US" dirty="0" err="1"/>
+                        <a:t>user_profile</a:t>
+                      </a:r>
+                      <a:endParaRPr lang="en-US" dirty="0"/>
+                    </a:p>
+                  </a:txBody>
+                  <a:tcPr/>
+                </a:tc>
+                <a:tc>
+                  <a:txBody>
+                    <a:bodyPr/>
+                    <a:lstStyle/>
+                    <a:p>
+                      <a:r>
+                        <a:rPr lang="en-US" dirty="0"/>
+                        <a:t>data type</a:t>
+                      </a:r>
+                    </a:p>
+                  </a:txBody>
+                  <a:tcPr/>
+                </a:tc>
+                <a:extLst>
+                  <a:ext uri="{0D108BD9-81ED-4DB2-BD59-A6C34878D82A}">
+                    <a16:rowId xmlns:a16="http://schemas.microsoft.com/office/drawing/2014/main" val="4219996104"/>
+                  </a:ext>
+                </a:extLst>
+              </a:tr>
+              <a:tr h="370840">
+                <a:tc>
+                  <a:txBody>
+                    <a:bodyPr/>
+                    <a:lstStyle/>
+                    <a:p>
+                      <a:r>
+                        <a:rPr lang="en-US" dirty="0"/>
+                        <a:t>UPID</a:t>
+                      </a:r>
+                    </a:p>
+                  </a:txBody>
+                  <a:tcPr/>
+                </a:tc>
+                <a:tc>
+                  <a:txBody>
+                    <a:bodyPr/>
+                    <a:lstStyle/>
+                    <a:p>
+                      <a:r>
+                        <a:rPr lang="en-US" dirty="0"/>
+                        <a:t>int(Primary)</a:t>
+                      </a:r>
+                    </a:p>
+                  </a:txBody>
+                  <a:tcPr/>
+                </a:tc>
+                <a:extLst>
+                  <a:ext uri="{0D108BD9-81ED-4DB2-BD59-A6C34878D82A}">
+                    <a16:rowId xmlns:a16="http://schemas.microsoft.com/office/drawing/2014/main" val="2542109864"/>
+                  </a:ext>
+                </a:extLst>
+              </a:tr>
+              <a:tr h="370840">
+                <a:tc>
+                  <a:txBody>
+                    <a:bodyPr/>
+                    <a:lstStyle/>
+                    <a:p>
+                      <a:r>
+                        <a:rPr lang="en-US" dirty="0"/>
+                        <a:t>ULID</a:t>
+                      </a:r>
+                    </a:p>
+                  </a:txBody>
+                  <a:tcPr/>
+                </a:tc>
+                <a:tc>
+                  <a:txBody>
+                    <a:bodyPr/>
+                    <a:lstStyle/>
+                    <a:p>
+                      <a:r>
+                        <a:rPr lang="en-US" dirty="0"/>
+                        <a:t>int(Index)</a:t>
+                      </a:r>
+                    </a:p>
+                  </a:txBody>
+                  <a:tcPr/>
+                </a:tc>
+                <a:extLst>
+                  <a:ext uri="{0D108BD9-81ED-4DB2-BD59-A6C34878D82A}">
+                    <a16:rowId xmlns:a16="http://schemas.microsoft.com/office/drawing/2014/main" val="107301630"/>
+                  </a:ext>
+                </a:extLst>
+              </a:tr>
+              <a:tr h="370840">
+                <a:tc>
+                  <a:txBody>
+                    <a:bodyPr/>
+                    <a:lstStyle/>
+                    <a:p>
+                      <a:r>
+                        <a:rPr lang="en-US" dirty="0"/>
+                        <a:t>UPEID</a:t>
+                      </a:r>
+                    </a:p>
+                  </a:txBody>
+                  <a:tcPr/>
+                </a:tc>
+                <a:tc>
+                  <a:txBody>
+                    <a:bodyPr/>
+                    <a:lstStyle/>
+                    <a:p>
+                      <a:r>
+                        <a:rPr lang="en-US" dirty="0"/>
+                        <a:t>int(Index)</a:t>
+                      </a:r>
+                    </a:p>
+                  </a:txBody>
+                  <a:tcPr/>
+                </a:tc>
+                <a:extLst>
+                  <a:ext uri="{0D108BD9-81ED-4DB2-BD59-A6C34878D82A}">
+                    <a16:rowId xmlns:a16="http://schemas.microsoft.com/office/drawing/2014/main" val="3980017628"/>
+                  </a:ext>
+                </a:extLst>
+              </a:tr>
+              <a:tr h="370840">
+                <a:tc>
+                  <a:txBody>
+                    <a:bodyPr/>
+                    <a:lstStyle/>
+                    <a:p>
+                      <a:r>
+                        <a:rPr lang="en-US" dirty="0" err="1"/>
+                        <a:t>user_email</a:t>
+                      </a:r>
+                      <a:endParaRPr lang="en-US" dirty="0"/>
+                    </a:p>
+                  </a:txBody>
+                  <a:tcPr/>
+                </a:tc>
+                <a:tc>
+                  <a:txBody>
+                    <a:bodyPr/>
+                    <a:lstStyle/>
+                    <a:p>
+                      <a:r>
+                        <a:rPr lang="en-US" dirty="0"/>
+                        <a:t>varchar(25)</a:t>
+                      </a:r>
+                    </a:p>
+                  </a:txBody>
+                  <a:tcPr/>
+                </a:tc>
+                <a:extLst>
+                  <a:ext uri="{0D108BD9-81ED-4DB2-BD59-A6C34878D82A}">
+                    <a16:rowId xmlns:a16="http://schemas.microsoft.com/office/drawing/2014/main" val="2508936618"/>
+                  </a:ext>
+                </a:extLst>
+              </a:tr>
+              <a:tr h="370840">
+                <a:tc>
+                  <a:txBody>
+                    <a:bodyPr/>
+                    <a:lstStyle/>
+                    <a:p>
+                      <a:r>
+                        <a:rPr lang="en-US" dirty="0" err="1"/>
+                        <a:t>f_name</a:t>
+                      </a:r>
+                      <a:endParaRPr lang="en-US" dirty="0"/>
+                    </a:p>
+                  </a:txBody>
+                  <a:tcPr/>
+                </a:tc>
+                <a:tc>
+                  <a:txBody>
+                    <a:bodyPr/>
+                    <a:lstStyle/>
+                    <a:p>
+                      <a:r>
+                        <a:rPr lang="en-US" dirty="0"/>
+                        <a:t>varchar(25)</a:t>
+                      </a:r>
+                    </a:p>
+                  </a:txBody>
+                  <a:tcPr/>
+                </a:tc>
+                <a:extLst>
+                  <a:ext uri="{0D108BD9-81ED-4DB2-BD59-A6C34878D82A}">
+                    <a16:rowId xmlns:a16="http://schemas.microsoft.com/office/drawing/2014/main" val="890986800"/>
+                  </a:ext>
+                </a:extLst>
+              </a:tr>
+              <a:tr h="370840">
+                <a:tc>
+                  <a:txBody>
+                    <a:bodyPr/>
+                    <a:lstStyle/>
+                    <a:p>
+                      <a:r>
+                        <a:rPr lang="en-US" dirty="0" err="1"/>
+                        <a:t>l_name</a:t>
+                      </a:r>
+                      <a:endParaRPr lang="en-US" dirty="0"/>
+                    </a:p>
+                  </a:txBody>
+                  <a:tcPr/>
+                </a:tc>
+                <a:tc>
+                  <a:txBody>
+                    <a:bodyPr/>
+                    <a:lstStyle/>
+                    <a:p>
+                      <a:r>
+                        <a:rPr lang="en-US" dirty="0"/>
+                        <a:t>varchar(25)</a:t>
+                      </a:r>
+                    </a:p>
+                  </a:txBody>
+                  <a:tcPr/>
+                </a:tc>
+                <a:extLst>
+                  <a:ext uri="{0D108BD9-81ED-4DB2-BD59-A6C34878D82A}">
+                    <a16:rowId xmlns:a16="http://schemas.microsoft.com/office/drawing/2014/main" val="1404857654"/>
+                  </a:ext>
+                </a:extLst>
+              </a:tr>
+              <a:tr h="370840">
+                <a:tc>
+                  <a:txBody>
+                    <a:bodyPr/>
+                    <a:lstStyle/>
+                    <a:p>
+                      <a:r>
+                        <a:rPr lang="en-US" dirty="0"/>
+                        <a:t>address1</a:t>
+                      </a:r>
+                    </a:p>
+                  </a:txBody>
+                  <a:tcPr/>
+                </a:tc>
+                <a:tc>
+                  <a:txBody>
+                    <a:bodyPr/>
+                    <a:lstStyle/>
+                    <a:p>
+                      <a:r>
+                        <a:rPr lang="en-US" dirty="0"/>
+                        <a:t>varchar(25)</a:t>
+                      </a:r>
+                    </a:p>
+                  </a:txBody>
+                  <a:tcPr/>
+                </a:tc>
+                <a:extLst>
+                  <a:ext uri="{0D108BD9-81ED-4DB2-BD59-A6C34878D82A}">
+                    <a16:rowId xmlns:a16="http://schemas.microsoft.com/office/drawing/2014/main" val="677207371"/>
+                  </a:ext>
+                </a:extLst>
+              </a:tr>
+              <a:tr h="370840">
+                <a:tc>
+                  <a:txBody>
+                    <a:bodyPr/>
+                    <a:lstStyle/>
+                    <a:p>
+                      <a:r>
+                        <a:rPr lang="en-US" dirty="0"/>
+                        <a:t>address2</a:t>
+                      </a:r>
+                    </a:p>
+                  </a:txBody>
+                  <a:tcPr/>
+                </a:tc>
+                <a:tc>
+                  <a:txBody>
+                    <a:bodyPr/>
+                    <a:lstStyle/>
+                    <a:p>
+                      <a:r>
+                        <a:rPr lang="en-US" dirty="0"/>
+                        <a:t>varchar(25)</a:t>
+                      </a:r>
+                    </a:p>
+                  </a:txBody>
+                  <a:tcPr/>
+                </a:tc>
+                <a:extLst>
+                  <a:ext uri="{0D108BD9-81ED-4DB2-BD59-A6C34878D82A}">
+                    <a16:rowId xmlns:a16="http://schemas.microsoft.com/office/drawing/2014/main" val="2815872472"/>
+                  </a:ext>
+                </a:extLst>
+              </a:tr>
+              <a:tr h="370840">
+                <a:tc>
+                  <a:txBody>
+                    <a:bodyPr/>
+                    <a:lstStyle/>
+                    <a:p>
+                      <a:r>
+                        <a:rPr lang="en-US" dirty="0"/>
+                        <a:t>city</a:t>
+                      </a:r>
+                    </a:p>
+                  </a:txBody>
+                  <a:tcPr/>
+                </a:tc>
+                <a:tc>
+                  <a:txBody>
+                    <a:bodyPr/>
+                    <a:lstStyle/>
+                    <a:p>
+                      <a:r>
+                        <a:rPr lang="en-US" dirty="0"/>
+                        <a:t>varchar(25)</a:t>
+                      </a:r>
+                    </a:p>
+                  </a:txBody>
+                  <a:tcPr/>
+                </a:tc>
+                <a:extLst>
+                  <a:ext uri="{0D108BD9-81ED-4DB2-BD59-A6C34878D82A}">
+                    <a16:rowId xmlns:a16="http://schemas.microsoft.com/office/drawing/2014/main" val="3871355782"/>
+                  </a:ext>
+                </a:extLst>
+              </a:tr>
+              <a:tr h="370840">
+                <a:tc>
+                  <a:txBody>
+                    <a:bodyPr/>
+                    <a:lstStyle/>
+                    <a:p>
+                      <a:r>
+                        <a:rPr lang="en-US" dirty="0"/>
+                        <a:t>state</a:t>
+                      </a:r>
+                    </a:p>
+                  </a:txBody>
+                  <a:tcPr/>
+                </a:tc>
+                <a:tc>
+                  <a:txBody>
+                    <a:bodyPr/>
+                    <a:lstStyle/>
+                    <a:p>
+                      <a:r>
+                        <a:rPr lang="en-US" dirty="0"/>
+                        <a:t>varchar(25)</a:t>
+                      </a:r>
+                    </a:p>
+                  </a:txBody>
+                  <a:tcPr/>
+                </a:tc>
+                <a:extLst>
+                  <a:ext uri="{0D108BD9-81ED-4DB2-BD59-A6C34878D82A}">
+                    <a16:rowId xmlns:a16="http://schemas.microsoft.com/office/drawing/2014/main" val="2987742536"/>
+                  </a:ext>
+                </a:extLst>
+              </a:tr>
+              <a:tr h="370840">
+                <a:tc>
+                  <a:txBody>
+                    <a:bodyPr/>
+                    <a:lstStyle/>
+                    <a:p>
+                      <a:r>
+                        <a:rPr lang="en-US" dirty="0"/>
+                        <a:t>zip</a:t>
+                      </a:r>
+                    </a:p>
+                  </a:txBody>
+                  <a:tcPr/>
+                </a:tc>
+                <a:tc>
+                  <a:txBody>
+                    <a:bodyPr/>
+                    <a:lstStyle/>
+                    <a:p>
+                      <a:r>
+                        <a:rPr lang="en-US" dirty="0"/>
+                        <a:t>varchar(15)</a:t>
+                      </a:r>
+                    </a:p>
+                  </a:txBody>
+                  <a:tcPr/>
+                </a:tc>
+                <a:extLst>
+                  <a:ext uri="{0D108BD9-81ED-4DB2-BD59-A6C34878D82A}">
+                    <a16:rowId xmlns:a16="http://schemas.microsoft.com/office/drawing/2014/main" val="2544776199"/>
+                  </a:ext>
+                </a:extLst>
+              </a:tr>
+              <a:tr h="370840">
+                <a:tc>
+                  <a:txBody>
+                    <a:bodyPr/>
+                    <a:lstStyle/>
+                    <a:p>
+                      <a:r>
+                        <a:rPr lang="en-US" dirty="0"/>
+                        <a:t>phone</a:t>
+                      </a:r>
+                    </a:p>
+                  </a:txBody>
+                  <a:tcPr/>
+                </a:tc>
+                <a:tc>
+                  <a:txBody>
+                    <a:bodyPr/>
+                    <a:lstStyle/>
+                    <a:p>
+                      <a:r>
+                        <a:rPr lang="en-US" dirty="0"/>
+                        <a:t>varchar(15)</a:t>
+                      </a:r>
+                    </a:p>
+                  </a:txBody>
+                  <a:tcPr/>
+                </a:tc>
+                <a:extLst>
+                  <a:ext uri="{0D108BD9-81ED-4DB2-BD59-A6C34878D82A}">
+                    <a16:rowId xmlns:a16="http://schemas.microsoft.com/office/drawing/2014/main" val="2000711348"/>
+                  </a:ext>
+                </a:extLst>
+              </a:tr>
+            </a:tbl>
+          </a:graphicData>
+        </a:graphic>
+      </p:graphicFrame>
+      <p:graphicFrame>
+        <p:nvGraphicFramePr>
+          <p:cNvPr id="6" name="Table 6">
+            <a:extLst>
+              <a:ext uri="{FF2B5EF4-FFF2-40B4-BE49-F238E27FC236}">
+                <a16:creationId xmlns:a16="http://schemas.microsoft.com/office/drawing/2014/main" id="{4F76FFDE-C781-C180-1127-E3BB9EDBC9BA}"/>
+              </a:ext>
+            </a:extLst>
+          </p:cNvPr>
+          <p:cNvGraphicFramePr>
+            <a:graphicFrameLocks noGrp="1"/>
+          </p:cNvGraphicFramePr>
+          <p:nvPr>
+            <p:extLst>
+              <p:ext uri="{D42A27DB-BD31-4B8C-83A1-F6EECF244321}">
+                <p14:modId xmlns:p14="http://schemas.microsoft.com/office/powerpoint/2010/main" val="1376154481"/>
+              </p:ext>
+            </p:extLst>
+          </p:nvPr>
+        </p:nvGraphicFramePr>
+        <p:xfrm>
+          <a:off x="4383315" y="6231674"/>
+          <a:ext cx="3152450" cy="2225040"/>
+        </p:xfrm>
+        <a:graphic>
+          <a:graphicData uri="http://schemas.openxmlformats.org/drawingml/2006/table">
+            <a:tbl>
+              <a:tblPr firstRow="1" bandRow="1">
+                <a:tableStyleId>{5C22544A-7EE6-4342-B048-85BDC9FD1C3A}</a:tableStyleId>
+              </a:tblPr>
+              <a:tblGrid>
+                <a:gridCol w="1793551">
+                  <a:extLst>
+                    <a:ext uri="{9D8B030D-6E8A-4147-A177-3AD203B41FA5}">
+                      <a16:colId xmlns:a16="http://schemas.microsoft.com/office/drawing/2014/main" val="3542483669"/>
+                    </a:ext>
+                  </a:extLst>
+                </a:gridCol>
+                <a:gridCol w="1358899">
+                  <a:extLst>
+                    <a:ext uri="{9D8B030D-6E8A-4147-A177-3AD203B41FA5}">
+                      <a16:colId xmlns:a16="http://schemas.microsoft.com/office/drawing/2014/main" val="988426307"/>
+                    </a:ext>
+                  </a:extLst>
+                </a:gridCol>
+              </a:tblGrid>
+              <a:tr h="370840">
+                <a:tc>
+                  <a:txBody>
+                    <a:bodyPr/>
+                    <a:lstStyle/>
+                    <a:p>
+                      <a:r>
+                        <a:rPr lang="en-US" dirty="0" err="1"/>
+                        <a:t>User_permission</a:t>
+                      </a:r>
+                      <a:endParaRPr lang="en-US" dirty="0"/>
+                    </a:p>
+                  </a:txBody>
+                  <a:tcPr/>
+                </a:tc>
+                <a:tc>
+                  <a:txBody>
+                    <a:bodyPr/>
+                    <a:lstStyle/>
+                    <a:p>
+                      <a:r>
+                        <a:rPr lang="en-US" dirty="0"/>
+                        <a:t>Data type</a:t>
+                      </a:r>
+                    </a:p>
+                  </a:txBody>
+                  <a:tcPr/>
+                </a:tc>
+                <a:extLst>
+                  <a:ext uri="{0D108BD9-81ED-4DB2-BD59-A6C34878D82A}">
+                    <a16:rowId xmlns:a16="http://schemas.microsoft.com/office/drawing/2014/main" val="2237834150"/>
+                  </a:ext>
+                </a:extLst>
+              </a:tr>
+              <a:tr h="370840">
+                <a:tc>
+                  <a:txBody>
+                    <a:bodyPr/>
+                    <a:lstStyle/>
+                    <a:p>
+                      <a:r>
+                        <a:rPr lang="en-US" dirty="0"/>
+                        <a:t>UPEID</a:t>
+                      </a:r>
+                    </a:p>
+                  </a:txBody>
+                  <a:tcPr/>
+                </a:tc>
+                <a:tc>
+                  <a:txBody>
+                    <a:bodyPr/>
+                    <a:lstStyle/>
+                    <a:p>
+                      <a:r>
+                        <a:rPr lang="en-US" dirty="0"/>
+                        <a:t>int(Primary)</a:t>
+                      </a:r>
+                    </a:p>
+                  </a:txBody>
+                  <a:tcPr/>
+                </a:tc>
+                <a:extLst>
+                  <a:ext uri="{0D108BD9-81ED-4DB2-BD59-A6C34878D82A}">
+                    <a16:rowId xmlns:a16="http://schemas.microsoft.com/office/drawing/2014/main" val="1958313167"/>
+                  </a:ext>
+                </a:extLst>
+              </a:tr>
+              <a:tr h="370840">
+                <a:tc>
+                  <a:txBody>
+                    <a:bodyPr/>
+                    <a:lstStyle/>
+                    <a:p>
+                      <a:r>
+                        <a:rPr lang="en-US" dirty="0"/>
+                        <a:t>ULID</a:t>
+                      </a:r>
+                    </a:p>
+                  </a:txBody>
+                  <a:tcPr/>
+                </a:tc>
+                <a:tc>
+                  <a:txBody>
+                    <a:bodyPr/>
+                    <a:lstStyle/>
+                    <a:p>
+                      <a:r>
+                        <a:rPr lang="en-US" dirty="0"/>
+                        <a:t>int(Index)</a:t>
+                      </a:r>
+                    </a:p>
+                  </a:txBody>
+                  <a:tcPr/>
+                </a:tc>
+                <a:extLst>
+                  <a:ext uri="{0D108BD9-81ED-4DB2-BD59-A6C34878D82A}">
+                    <a16:rowId xmlns:a16="http://schemas.microsoft.com/office/drawing/2014/main" val="2495166594"/>
+                  </a:ext>
+                </a:extLst>
+              </a:tr>
+              <a:tr h="370840">
+                <a:tc>
+                  <a:txBody>
+                    <a:bodyPr/>
+                    <a:lstStyle/>
+                    <a:p>
+                      <a:r>
+                        <a:rPr lang="en-US" dirty="0" err="1"/>
+                        <a:t>is_admin</a:t>
+                      </a:r>
+                      <a:endParaRPr lang="en-US" dirty="0"/>
+                    </a:p>
+                  </a:txBody>
+                  <a:tcPr/>
+                </a:tc>
+                <a:tc>
+                  <a:txBody>
+                    <a:bodyPr/>
+                    <a:lstStyle/>
+                    <a:p>
+                      <a:r>
+                        <a:rPr lang="en-US" dirty="0"/>
+                        <a:t>int(1)</a:t>
+                      </a:r>
+                    </a:p>
+                  </a:txBody>
+                  <a:tcPr/>
+                </a:tc>
+                <a:extLst>
+                  <a:ext uri="{0D108BD9-81ED-4DB2-BD59-A6C34878D82A}">
+                    <a16:rowId xmlns:a16="http://schemas.microsoft.com/office/drawing/2014/main" val="2243630787"/>
+                  </a:ext>
+                </a:extLst>
+              </a:tr>
+              <a:tr h="370840">
+                <a:tc>
+                  <a:txBody>
+                    <a:bodyPr/>
+                    <a:lstStyle/>
+                    <a:p>
+                      <a:r>
+                        <a:rPr lang="en-US" dirty="0" err="1"/>
+                        <a:t>is_employee</a:t>
+                      </a:r>
+                      <a:endParaRPr lang="en-US" dirty="0"/>
+                    </a:p>
+                  </a:txBody>
+                  <a:tcPr/>
+                </a:tc>
+                <a:tc>
+                  <a:txBody>
+                    <a:bodyPr/>
+                    <a:lstStyle/>
+                    <a:p>
+                      <a:r>
+                        <a:rPr lang="en-US" dirty="0"/>
+                        <a:t>int(1)</a:t>
+                      </a:r>
+                    </a:p>
+                  </a:txBody>
+                  <a:tcPr/>
+                </a:tc>
+                <a:extLst>
+                  <a:ext uri="{0D108BD9-81ED-4DB2-BD59-A6C34878D82A}">
+                    <a16:rowId xmlns:a16="http://schemas.microsoft.com/office/drawing/2014/main" val="487719233"/>
+                  </a:ext>
+                </a:extLst>
+              </a:tr>
+              <a:tr h="370840">
+                <a:tc>
+                  <a:txBody>
+                    <a:bodyPr/>
+                    <a:lstStyle/>
+                    <a:p>
+                      <a:r>
+                        <a:rPr lang="en-US" dirty="0" err="1"/>
+                        <a:t>is_customer</a:t>
+                      </a:r>
+                      <a:endParaRPr lang="en-US" dirty="0"/>
+                    </a:p>
+                  </a:txBody>
+                  <a:tcPr/>
+                </a:tc>
+                <a:tc>
+                  <a:txBody>
+                    <a:bodyPr/>
+                    <a:lstStyle/>
+                    <a:p>
+                      <a:r>
+                        <a:rPr lang="en-US" dirty="0"/>
+                        <a:t>int(1)</a:t>
+                      </a:r>
+                    </a:p>
+                  </a:txBody>
+                  <a:tcPr/>
+                </a:tc>
+                <a:extLst>
+                  <a:ext uri="{0D108BD9-81ED-4DB2-BD59-A6C34878D82A}">
+                    <a16:rowId xmlns:a16="http://schemas.microsoft.com/office/drawing/2014/main" val="1018454559"/>
+                  </a:ext>
+                </a:extLst>
+              </a:tr>
+            </a:tbl>
+          </a:graphicData>
+        </a:graphic>
+      </p:graphicFrame>
+      <p:graphicFrame>
+        <p:nvGraphicFramePr>
+          <p:cNvPr id="7" name="Table 7">
+            <a:extLst>
+              <a:ext uri="{FF2B5EF4-FFF2-40B4-BE49-F238E27FC236}">
+                <a16:creationId xmlns:a16="http://schemas.microsoft.com/office/drawing/2014/main" id="{EEDE6FC4-519F-55F0-4A19-5F1A35B5FF0C}"/>
+              </a:ext>
+            </a:extLst>
+          </p:cNvPr>
+          <p:cNvGraphicFramePr>
+            <a:graphicFrameLocks noGrp="1"/>
+          </p:cNvGraphicFramePr>
+          <p:nvPr>
+            <p:extLst>
+              <p:ext uri="{D42A27DB-BD31-4B8C-83A1-F6EECF244321}">
+                <p14:modId xmlns:p14="http://schemas.microsoft.com/office/powerpoint/2010/main" val="2143261708"/>
+              </p:ext>
+            </p:extLst>
+          </p:nvPr>
+        </p:nvGraphicFramePr>
+        <p:xfrm>
+          <a:off x="7956938" y="5701004"/>
+          <a:ext cx="2633306" cy="1483360"/>
+        </p:xfrm>
+        <a:graphic>
+          <a:graphicData uri="http://schemas.openxmlformats.org/drawingml/2006/table">
+            <a:tbl>
+              <a:tblPr firstRow="1" bandRow="1">
+                <a:tableStyleId>{5C22544A-7EE6-4342-B048-85BDC9FD1C3A}</a:tableStyleId>
+              </a:tblPr>
+              <a:tblGrid>
+                <a:gridCol w="1299029">
+                  <a:extLst>
+                    <a:ext uri="{9D8B030D-6E8A-4147-A177-3AD203B41FA5}">
+                      <a16:colId xmlns:a16="http://schemas.microsoft.com/office/drawing/2014/main" val="3903826809"/>
+                    </a:ext>
+                  </a:extLst>
+                </a:gridCol>
+                <a:gridCol w="1334277">
+                  <a:extLst>
+                    <a:ext uri="{9D8B030D-6E8A-4147-A177-3AD203B41FA5}">
+                      <a16:colId xmlns:a16="http://schemas.microsoft.com/office/drawing/2014/main" val="3654029320"/>
+                    </a:ext>
+                  </a:extLst>
+                </a:gridCol>
+              </a:tblGrid>
+              <a:tr h="370840">
+                <a:tc>
+                  <a:txBody>
+                    <a:bodyPr/>
+                    <a:lstStyle/>
+                    <a:p>
+                      <a:r>
+                        <a:rPr lang="en-US" dirty="0" err="1"/>
+                        <a:t>user_login</a:t>
+                      </a:r>
+                      <a:endParaRPr lang="en-US" dirty="0"/>
+                    </a:p>
+                  </a:txBody>
+                  <a:tcPr/>
+                </a:tc>
+                <a:tc>
+                  <a:txBody>
+                    <a:bodyPr/>
+                    <a:lstStyle/>
+                    <a:p>
+                      <a:r>
+                        <a:rPr lang="en-US" dirty="0"/>
+                        <a:t>data type</a:t>
+                      </a:r>
+                    </a:p>
+                  </a:txBody>
+                  <a:tcPr/>
+                </a:tc>
+                <a:extLst>
+                  <a:ext uri="{0D108BD9-81ED-4DB2-BD59-A6C34878D82A}">
+                    <a16:rowId xmlns:a16="http://schemas.microsoft.com/office/drawing/2014/main" val="2308025643"/>
+                  </a:ext>
+                </a:extLst>
+              </a:tr>
+              <a:tr h="370840">
+                <a:tc>
+                  <a:txBody>
+                    <a:bodyPr/>
+                    <a:lstStyle/>
+                    <a:p>
+                      <a:r>
+                        <a:rPr lang="en-US" dirty="0"/>
+                        <a:t>ULID</a:t>
+                      </a:r>
+                    </a:p>
+                  </a:txBody>
+                  <a:tcPr/>
+                </a:tc>
+                <a:tc>
+                  <a:txBody>
+                    <a:bodyPr/>
+                    <a:lstStyle/>
+                    <a:p>
+                      <a:r>
+                        <a:rPr lang="en-US" dirty="0"/>
+                        <a:t>int(Primary)</a:t>
+                      </a:r>
+                    </a:p>
+                  </a:txBody>
+                  <a:tcPr/>
+                </a:tc>
+                <a:extLst>
+                  <a:ext uri="{0D108BD9-81ED-4DB2-BD59-A6C34878D82A}">
+                    <a16:rowId xmlns:a16="http://schemas.microsoft.com/office/drawing/2014/main" val="3303360643"/>
+                  </a:ext>
+                </a:extLst>
+              </a:tr>
+              <a:tr h="370840">
+                <a:tc>
+                  <a:txBody>
+                    <a:bodyPr/>
+                    <a:lstStyle/>
+                    <a:p>
+                      <a:r>
+                        <a:rPr lang="en-US" dirty="0"/>
+                        <a:t>username</a:t>
+                      </a:r>
+                    </a:p>
+                  </a:txBody>
+                  <a:tcPr/>
+                </a:tc>
+                <a:tc>
+                  <a:txBody>
+                    <a:bodyPr/>
+                    <a:lstStyle/>
+                    <a:p>
+                      <a:r>
+                        <a:rPr lang="en-US" dirty="0"/>
+                        <a:t>varchar(25)</a:t>
+                      </a:r>
+                    </a:p>
+                  </a:txBody>
+                  <a:tcPr/>
+                </a:tc>
+                <a:extLst>
+                  <a:ext uri="{0D108BD9-81ED-4DB2-BD59-A6C34878D82A}">
+                    <a16:rowId xmlns:a16="http://schemas.microsoft.com/office/drawing/2014/main" val="2161674857"/>
+                  </a:ext>
+                </a:extLst>
+              </a:tr>
+              <a:tr h="370840">
+                <a:tc>
+                  <a:txBody>
+                    <a:bodyPr/>
+                    <a:lstStyle/>
+                    <a:p>
+                      <a:r>
+                        <a:rPr lang="en-US" dirty="0"/>
+                        <a:t>password</a:t>
+                      </a:r>
+                    </a:p>
+                  </a:txBody>
+                  <a:tcPr/>
+                </a:tc>
+                <a:tc>
+                  <a:txBody>
+                    <a:bodyPr/>
+                    <a:lstStyle/>
+                    <a:p>
+                      <a:r>
+                        <a:rPr lang="en-US" dirty="0"/>
+                        <a:t>varchar(25)</a:t>
+                      </a:r>
+                    </a:p>
+                  </a:txBody>
+                  <a:tcPr/>
+                </a:tc>
+                <a:extLst>
+                  <a:ext uri="{0D108BD9-81ED-4DB2-BD59-A6C34878D82A}">
+                    <a16:rowId xmlns:a16="http://schemas.microsoft.com/office/drawing/2014/main" val="3156127345"/>
+                  </a:ext>
+                </a:extLst>
+              </a:tr>
+            </a:tbl>
+          </a:graphicData>
+        </a:graphic>
+      </p:graphicFrame>
+      <p:graphicFrame>
+        <p:nvGraphicFramePr>
+          <p:cNvPr id="8" name="Table 8">
+            <a:extLst>
+              <a:ext uri="{FF2B5EF4-FFF2-40B4-BE49-F238E27FC236}">
+                <a16:creationId xmlns:a16="http://schemas.microsoft.com/office/drawing/2014/main" id="{FFC28B27-9E69-1953-375D-697549E4DD16}"/>
+              </a:ext>
+            </a:extLst>
+          </p:cNvPr>
+          <p:cNvGraphicFramePr>
+            <a:graphicFrameLocks noGrp="1"/>
+          </p:cNvGraphicFramePr>
+          <p:nvPr>
+            <p:extLst>
+              <p:ext uri="{D42A27DB-BD31-4B8C-83A1-F6EECF244321}">
+                <p14:modId xmlns:p14="http://schemas.microsoft.com/office/powerpoint/2010/main" val="3516900749"/>
+              </p:ext>
+            </p:extLst>
+          </p:nvPr>
+        </p:nvGraphicFramePr>
+        <p:xfrm>
+          <a:off x="10686921" y="1254450"/>
+          <a:ext cx="3010158" cy="2225040"/>
+        </p:xfrm>
+        <a:graphic>
+          <a:graphicData uri="http://schemas.openxmlformats.org/drawingml/2006/table">
+            <a:tbl>
+              <a:tblPr firstRow="1" bandRow="1">
+                <a:tableStyleId>{5C22544A-7EE6-4342-B048-85BDC9FD1C3A}</a:tableStyleId>
+              </a:tblPr>
+              <a:tblGrid>
+                <a:gridCol w="1578947">
+                  <a:extLst>
+                    <a:ext uri="{9D8B030D-6E8A-4147-A177-3AD203B41FA5}">
+                      <a16:colId xmlns:a16="http://schemas.microsoft.com/office/drawing/2014/main" val="1102153295"/>
+                    </a:ext>
+                  </a:extLst>
+                </a:gridCol>
+                <a:gridCol w="1431211">
+                  <a:extLst>
+                    <a:ext uri="{9D8B030D-6E8A-4147-A177-3AD203B41FA5}">
+                      <a16:colId xmlns:a16="http://schemas.microsoft.com/office/drawing/2014/main" val="308434641"/>
+                    </a:ext>
+                  </a:extLst>
+                </a:gridCol>
+              </a:tblGrid>
+              <a:tr h="370840">
+                <a:tc>
+                  <a:txBody>
+                    <a:bodyPr/>
+                    <a:lstStyle/>
+                    <a:p>
+                      <a:r>
+                        <a:rPr lang="en-US" dirty="0" err="1"/>
+                        <a:t>status_logs</a:t>
+                      </a:r>
+                      <a:endParaRPr lang="en-US" dirty="0"/>
+                    </a:p>
+                  </a:txBody>
+                  <a:tcPr/>
+                </a:tc>
+                <a:tc>
+                  <a:txBody>
+                    <a:bodyPr/>
+                    <a:lstStyle/>
+                    <a:p>
+                      <a:r>
+                        <a:rPr lang="en-US" dirty="0"/>
+                        <a:t>data type</a:t>
+                      </a:r>
+                    </a:p>
+                  </a:txBody>
+                  <a:tcPr/>
+                </a:tc>
+                <a:extLst>
+                  <a:ext uri="{0D108BD9-81ED-4DB2-BD59-A6C34878D82A}">
+                    <a16:rowId xmlns:a16="http://schemas.microsoft.com/office/drawing/2014/main" val="1247854374"/>
+                  </a:ext>
+                </a:extLst>
+              </a:tr>
+              <a:tr h="370840">
+                <a:tc>
+                  <a:txBody>
+                    <a:bodyPr/>
+                    <a:lstStyle/>
+                    <a:p>
+                      <a:r>
+                        <a:rPr lang="en-US" dirty="0"/>
+                        <a:t>STID</a:t>
+                      </a:r>
+                    </a:p>
+                  </a:txBody>
+                  <a:tcPr/>
+                </a:tc>
+                <a:tc>
+                  <a:txBody>
+                    <a:bodyPr/>
+                    <a:lstStyle/>
+                    <a:p>
+                      <a:r>
+                        <a:rPr lang="en-US" dirty="0"/>
+                        <a:t>int(Primary)</a:t>
+                      </a:r>
+                    </a:p>
+                  </a:txBody>
+                  <a:tcPr/>
+                </a:tc>
+                <a:extLst>
+                  <a:ext uri="{0D108BD9-81ED-4DB2-BD59-A6C34878D82A}">
+                    <a16:rowId xmlns:a16="http://schemas.microsoft.com/office/drawing/2014/main" val="3257223458"/>
+                  </a:ext>
+                </a:extLst>
+              </a:tr>
+              <a:tr h="370840">
+                <a:tc>
+                  <a:txBody>
+                    <a:bodyPr/>
+                    <a:lstStyle/>
+                    <a:p>
+                      <a:r>
+                        <a:rPr lang="en-US" dirty="0"/>
+                        <a:t>UPID</a:t>
+                      </a:r>
+                    </a:p>
+                  </a:txBody>
+                  <a:tcPr/>
+                </a:tc>
+                <a:tc>
+                  <a:txBody>
+                    <a:bodyPr/>
+                    <a:lstStyle/>
+                    <a:p>
+                      <a:r>
+                        <a:rPr lang="en-US" dirty="0"/>
+                        <a:t>int(Index)</a:t>
+                      </a:r>
+                    </a:p>
+                  </a:txBody>
+                  <a:tcPr/>
+                </a:tc>
+                <a:extLst>
+                  <a:ext uri="{0D108BD9-81ED-4DB2-BD59-A6C34878D82A}">
+                    <a16:rowId xmlns:a16="http://schemas.microsoft.com/office/drawing/2014/main" val="2607703530"/>
+                  </a:ext>
+                </a:extLst>
+              </a:tr>
+              <a:tr h="370840">
+                <a:tc>
+                  <a:txBody>
+                    <a:bodyPr/>
+                    <a:lstStyle/>
+                    <a:p>
+                      <a:r>
+                        <a:rPr lang="en-US" dirty="0" err="1"/>
+                        <a:t>time_stamp</a:t>
+                      </a:r>
+                      <a:endParaRPr lang="en-US" dirty="0"/>
+                    </a:p>
+                  </a:txBody>
+                  <a:tcPr/>
+                </a:tc>
+                <a:tc>
+                  <a:txBody>
+                    <a:bodyPr/>
+                    <a:lstStyle/>
+                    <a:p>
+                      <a:r>
+                        <a:rPr lang="en-US" dirty="0"/>
+                        <a:t>varchar(25)</a:t>
+                      </a:r>
+                    </a:p>
+                  </a:txBody>
+                  <a:tcPr/>
+                </a:tc>
+                <a:extLst>
+                  <a:ext uri="{0D108BD9-81ED-4DB2-BD59-A6C34878D82A}">
+                    <a16:rowId xmlns:a16="http://schemas.microsoft.com/office/drawing/2014/main" val="3093091020"/>
+                  </a:ext>
+                </a:extLst>
+              </a:tr>
+              <a:tr h="370840">
+                <a:tc>
+                  <a:txBody>
+                    <a:bodyPr/>
+                    <a:lstStyle/>
+                    <a:p>
+                      <a:r>
+                        <a:rPr lang="en-US" dirty="0" err="1"/>
+                        <a:t>is_error</a:t>
+                      </a:r>
+                      <a:endParaRPr lang="en-US" dirty="0"/>
+                    </a:p>
+                  </a:txBody>
+                  <a:tcPr/>
+                </a:tc>
+                <a:tc>
+                  <a:txBody>
+                    <a:bodyPr/>
+                    <a:lstStyle/>
+                    <a:p>
+                      <a:r>
+                        <a:rPr lang="en-US" dirty="0"/>
+                        <a:t>int(1)</a:t>
+                      </a:r>
+                    </a:p>
+                  </a:txBody>
+                  <a:tcPr/>
+                </a:tc>
+                <a:extLst>
+                  <a:ext uri="{0D108BD9-81ED-4DB2-BD59-A6C34878D82A}">
+                    <a16:rowId xmlns:a16="http://schemas.microsoft.com/office/drawing/2014/main" val="107545834"/>
+                  </a:ext>
+                </a:extLst>
+              </a:tr>
+              <a:tr h="370840">
+                <a:tc>
+                  <a:txBody>
+                    <a:bodyPr/>
+                    <a:lstStyle/>
+                    <a:p>
+                      <a:r>
+                        <a:rPr lang="en-US" dirty="0"/>
+                        <a:t>log</a:t>
+                      </a:r>
+                    </a:p>
+                  </a:txBody>
+                  <a:tcPr/>
+                </a:tc>
+                <a:tc>
+                  <a:txBody>
+                    <a:bodyPr/>
+                    <a:lstStyle/>
+                    <a:p>
+                      <a:r>
+                        <a:rPr lang="en-US" dirty="0"/>
+                        <a:t>text</a:t>
+                      </a:r>
+                    </a:p>
+                  </a:txBody>
+                  <a:tcPr/>
+                </a:tc>
+                <a:extLst>
+                  <a:ext uri="{0D108BD9-81ED-4DB2-BD59-A6C34878D82A}">
+                    <a16:rowId xmlns:a16="http://schemas.microsoft.com/office/drawing/2014/main" val="2996599428"/>
+                  </a:ext>
+                </a:extLst>
+              </a:tr>
+            </a:tbl>
+          </a:graphicData>
+        </a:graphic>
+      </p:graphicFrame>
+      <p:graphicFrame>
+        <p:nvGraphicFramePr>
+          <p:cNvPr id="9" name="Table 9">
+            <a:extLst>
+              <a:ext uri="{FF2B5EF4-FFF2-40B4-BE49-F238E27FC236}">
+                <a16:creationId xmlns:a16="http://schemas.microsoft.com/office/drawing/2014/main" id="{79BD921B-077E-F544-8405-46FF9929A182}"/>
+              </a:ext>
+            </a:extLst>
+          </p:cNvPr>
+          <p:cNvGraphicFramePr>
+            <a:graphicFrameLocks noGrp="1"/>
+          </p:cNvGraphicFramePr>
+          <p:nvPr>
+            <p:extLst>
+              <p:ext uri="{D42A27DB-BD31-4B8C-83A1-F6EECF244321}">
+                <p14:modId xmlns:p14="http://schemas.microsoft.com/office/powerpoint/2010/main" val="3920826632"/>
+              </p:ext>
+            </p:extLst>
+          </p:nvPr>
+        </p:nvGraphicFramePr>
+        <p:xfrm>
+          <a:off x="10686921" y="3724123"/>
+          <a:ext cx="3146490" cy="2595880"/>
+        </p:xfrm>
+        <a:graphic>
+          <a:graphicData uri="http://schemas.openxmlformats.org/drawingml/2006/table">
+            <a:tbl>
+              <a:tblPr firstRow="1" bandRow="1">
+                <a:tableStyleId>{5C22544A-7EE6-4342-B048-85BDC9FD1C3A}</a:tableStyleId>
+              </a:tblPr>
+              <a:tblGrid>
+                <a:gridCol w="1709576">
+                  <a:extLst>
+                    <a:ext uri="{9D8B030D-6E8A-4147-A177-3AD203B41FA5}">
+                      <a16:colId xmlns:a16="http://schemas.microsoft.com/office/drawing/2014/main" val="754863761"/>
+                    </a:ext>
+                  </a:extLst>
+                </a:gridCol>
+                <a:gridCol w="1436914">
+                  <a:extLst>
+                    <a:ext uri="{9D8B030D-6E8A-4147-A177-3AD203B41FA5}">
+                      <a16:colId xmlns:a16="http://schemas.microsoft.com/office/drawing/2014/main" val="2201775827"/>
+                    </a:ext>
+                  </a:extLst>
+                </a:gridCol>
+              </a:tblGrid>
+              <a:tr h="370840">
+                <a:tc>
+                  <a:txBody>
+                    <a:bodyPr/>
+                    <a:lstStyle/>
+                    <a:p>
+                      <a:r>
+                        <a:rPr lang="en-US" dirty="0"/>
+                        <a:t>tickets</a:t>
+                      </a:r>
+                    </a:p>
+                  </a:txBody>
+                  <a:tcPr/>
+                </a:tc>
+                <a:tc>
+                  <a:txBody>
+                    <a:bodyPr/>
+                    <a:lstStyle/>
+                    <a:p>
+                      <a:r>
+                        <a:rPr lang="en-US" dirty="0"/>
+                        <a:t>data type</a:t>
+                      </a:r>
+                    </a:p>
+                  </a:txBody>
+                  <a:tcPr/>
+                </a:tc>
+                <a:extLst>
+                  <a:ext uri="{0D108BD9-81ED-4DB2-BD59-A6C34878D82A}">
+                    <a16:rowId xmlns:a16="http://schemas.microsoft.com/office/drawing/2014/main" val="1628885258"/>
+                  </a:ext>
+                </a:extLst>
+              </a:tr>
+              <a:tr h="370840">
+                <a:tc>
+                  <a:txBody>
+                    <a:bodyPr/>
+                    <a:lstStyle/>
+                    <a:p>
+                      <a:r>
+                        <a:rPr lang="en-US" dirty="0"/>
+                        <a:t>TKID</a:t>
+                      </a:r>
+                    </a:p>
+                  </a:txBody>
+                  <a:tcPr/>
+                </a:tc>
+                <a:tc>
+                  <a:txBody>
+                    <a:bodyPr/>
+                    <a:lstStyle/>
+                    <a:p>
+                      <a:r>
+                        <a:rPr lang="en-US" dirty="0"/>
+                        <a:t>int(Primary)</a:t>
+                      </a:r>
+                    </a:p>
+                  </a:txBody>
+                  <a:tcPr/>
+                </a:tc>
+                <a:extLst>
+                  <a:ext uri="{0D108BD9-81ED-4DB2-BD59-A6C34878D82A}">
+                    <a16:rowId xmlns:a16="http://schemas.microsoft.com/office/drawing/2014/main" val="2110734930"/>
+                  </a:ext>
+                </a:extLst>
+              </a:tr>
+              <a:tr h="370840">
+                <a:tc>
+                  <a:txBody>
+                    <a:bodyPr/>
+                    <a:lstStyle/>
+                    <a:p>
+                      <a:r>
+                        <a:rPr lang="en-US" dirty="0"/>
+                        <a:t>RSID</a:t>
+                      </a:r>
+                    </a:p>
+                  </a:txBody>
+                  <a:tcPr/>
+                </a:tc>
+                <a:tc>
+                  <a:txBody>
+                    <a:bodyPr/>
+                    <a:lstStyle/>
+                    <a:p>
+                      <a:r>
+                        <a:rPr lang="en-US" dirty="0"/>
+                        <a:t>int(Index)</a:t>
+                      </a:r>
+                    </a:p>
+                  </a:txBody>
+                  <a:tcPr/>
+                </a:tc>
+                <a:extLst>
+                  <a:ext uri="{0D108BD9-81ED-4DB2-BD59-A6C34878D82A}">
+                    <a16:rowId xmlns:a16="http://schemas.microsoft.com/office/drawing/2014/main" val="3456714252"/>
+                  </a:ext>
+                </a:extLst>
+              </a:tr>
+              <a:tr h="370840">
+                <a:tc>
+                  <a:txBody>
+                    <a:bodyPr/>
+                    <a:lstStyle/>
+                    <a:p>
+                      <a:r>
+                        <a:rPr lang="en-US" dirty="0" err="1"/>
+                        <a:t>f_name</a:t>
+                      </a:r>
+                      <a:endParaRPr lang="en-US" dirty="0"/>
+                    </a:p>
+                  </a:txBody>
+                  <a:tcPr/>
+                </a:tc>
+                <a:tc>
+                  <a:txBody>
+                    <a:bodyPr/>
+                    <a:lstStyle/>
+                    <a:p>
+                      <a:r>
+                        <a:rPr lang="en-US" dirty="0"/>
+                        <a:t>varchar(25)</a:t>
+                      </a:r>
+                    </a:p>
+                  </a:txBody>
+                  <a:tcPr/>
+                </a:tc>
+                <a:extLst>
+                  <a:ext uri="{0D108BD9-81ED-4DB2-BD59-A6C34878D82A}">
+                    <a16:rowId xmlns:a16="http://schemas.microsoft.com/office/drawing/2014/main" val="3746562658"/>
+                  </a:ext>
+                </a:extLst>
+              </a:tr>
+              <a:tr h="370840">
+                <a:tc>
+                  <a:txBody>
+                    <a:bodyPr/>
+                    <a:lstStyle/>
+                    <a:p>
+                      <a:r>
+                        <a:rPr lang="en-US" dirty="0" err="1"/>
+                        <a:t>m_name</a:t>
+                      </a:r>
+                      <a:endParaRPr lang="en-US" dirty="0"/>
+                    </a:p>
+                  </a:txBody>
+                  <a:tcPr/>
+                </a:tc>
+                <a:tc>
+                  <a:txBody>
+                    <a:bodyPr/>
+                    <a:lstStyle/>
+                    <a:p>
+                      <a:r>
+                        <a:rPr lang="en-US" dirty="0"/>
+                        <a:t>varchar(25)</a:t>
+                      </a:r>
+                    </a:p>
+                  </a:txBody>
+                  <a:tcPr/>
+                </a:tc>
+                <a:extLst>
+                  <a:ext uri="{0D108BD9-81ED-4DB2-BD59-A6C34878D82A}">
+                    <a16:rowId xmlns:a16="http://schemas.microsoft.com/office/drawing/2014/main" val="1118647676"/>
+                  </a:ext>
+                </a:extLst>
+              </a:tr>
+              <a:tr h="370840">
+                <a:tc>
+                  <a:txBody>
+                    <a:bodyPr/>
+                    <a:lstStyle/>
+                    <a:p>
+                      <a:r>
+                        <a:rPr lang="en-US" dirty="0" err="1"/>
+                        <a:t>l_name</a:t>
+                      </a:r>
+                      <a:endParaRPr lang="en-US" dirty="0"/>
+                    </a:p>
+                  </a:txBody>
+                  <a:tcPr/>
+                </a:tc>
+                <a:tc>
+                  <a:txBody>
+                    <a:bodyPr/>
+                    <a:lstStyle/>
+                    <a:p>
+                      <a:r>
+                        <a:rPr lang="en-US" dirty="0"/>
+                        <a:t>varchar(25)</a:t>
+                      </a:r>
+                    </a:p>
+                  </a:txBody>
+                  <a:tcPr/>
+                </a:tc>
+                <a:extLst>
+                  <a:ext uri="{0D108BD9-81ED-4DB2-BD59-A6C34878D82A}">
+                    <a16:rowId xmlns:a16="http://schemas.microsoft.com/office/drawing/2014/main" val="3717939493"/>
+                  </a:ext>
+                </a:extLst>
+              </a:tr>
+              <a:tr h="370840">
+                <a:tc>
+                  <a:txBody>
+                    <a:bodyPr/>
+                    <a:lstStyle/>
+                    <a:p>
+                      <a:r>
+                        <a:rPr lang="en-US" dirty="0" err="1"/>
+                        <a:t>phone_number</a:t>
+                      </a:r>
+                      <a:endParaRPr lang="en-US" dirty="0"/>
+                    </a:p>
+                  </a:txBody>
+                  <a:tcPr/>
+                </a:tc>
+                <a:tc>
+                  <a:txBody>
+                    <a:bodyPr/>
+                    <a:lstStyle/>
+                    <a:p>
+                      <a:r>
+                        <a:rPr lang="en-US" dirty="0"/>
+                        <a:t>varchar(25)</a:t>
+                      </a:r>
+                    </a:p>
+                  </a:txBody>
+                  <a:tcPr/>
+                </a:tc>
+                <a:extLst>
+                  <a:ext uri="{0D108BD9-81ED-4DB2-BD59-A6C34878D82A}">
+                    <a16:rowId xmlns:a16="http://schemas.microsoft.com/office/drawing/2014/main" val="394937627"/>
+                  </a:ext>
+                </a:extLst>
+              </a:tr>
+            </a:tbl>
+          </a:graphicData>
+        </a:graphic>
+      </p:graphicFrame>
+      <p:graphicFrame>
+        <p:nvGraphicFramePr>
+          <p:cNvPr id="10" name="Table 10">
+            <a:extLst>
+              <a:ext uri="{FF2B5EF4-FFF2-40B4-BE49-F238E27FC236}">
+                <a16:creationId xmlns:a16="http://schemas.microsoft.com/office/drawing/2014/main" id="{C905CDCF-DCDD-7F79-B8F8-D3914F961EF5}"/>
+              </a:ext>
+            </a:extLst>
+          </p:cNvPr>
+          <p:cNvGraphicFramePr>
+            <a:graphicFrameLocks noGrp="1"/>
+          </p:cNvGraphicFramePr>
+          <p:nvPr>
+            <p:extLst>
+              <p:ext uri="{D42A27DB-BD31-4B8C-83A1-F6EECF244321}">
+                <p14:modId xmlns:p14="http://schemas.microsoft.com/office/powerpoint/2010/main" val="2438212029"/>
+              </p:ext>
+            </p:extLst>
+          </p:nvPr>
+        </p:nvGraphicFramePr>
+        <p:xfrm>
+          <a:off x="10938068" y="6998944"/>
+          <a:ext cx="2838580" cy="2225040"/>
+        </p:xfrm>
+        <a:graphic>
+          <a:graphicData uri="http://schemas.openxmlformats.org/drawingml/2006/table">
+            <a:tbl>
+              <a:tblPr firstRow="1" bandRow="1">
+                <a:tableStyleId>{5C22544A-7EE6-4342-B048-85BDC9FD1C3A}</a:tableStyleId>
+              </a:tblPr>
+              <a:tblGrid>
+                <a:gridCol w="1457649">
+                  <a:extLst>
+                    <a:ext uri="{9D8B030D-6E8A-4147-A177-3AD203B41FA5}">
+                      <a16:colId xmlns:a16="http://schemas.microsoft.com/office/drawing/2014/main" val="1794263055"/>
+                    </a:ext>
+                  </a:extLst>
+                </a:gridCol>
+                <a:gridCol w="1380931">
+                  <a:extLst>
+                    <a:ext uri="{9D8B030D-6E8A-4147-A177-3AD203B41FA5}">
+                      <a16:colId xmlns:a16="http://schemas.microsoft.com/office/drawing/2014/main" val="422875524"/>
+                    </a:ext>
+                  </a:extLst>
+                </a:gridCol>
+              </a:tblGrid>
+              <a:tr h="370840">
+                <a:tc>
+                  <a:txBody>
+                    <a:bodyPr/>
+                    <a:lstStyle/>
+                    <a:p>
+                      <a:r>
+                        <a:rPr lang="en-US" dirty="0" err="1"/>
+                        <a:t>login_logs</a:t>
+                      </a:r>
+                      <a:endParaRPr lang="en-US" dirty="0"/>
+                    </a:p>
+                  </a:txBody>
+                  <a:tcPr/>
+                </a:tc>
+                <a:tc>
+                  <a:txBody>
+                    <a:bodyPr/>
+                    <a:lstStyle/>
+                    <a:p>
+                      <a:r>
+                        <a:rPr lang="en-US" dirty="0"/>
+                        <a:t>data type</a:t>
+                      </a:r>
+                    </a:p>
+                  </a:txBody>
+                  <a:tcPr/>
+                </a:tc>
+                <a:extLst>
+                  <a:ext uri="{0D108BD9-81ED-4DB2-BD59-A6C34878D82A}">
+                    <a16:rowId xmlns:a16="http://schemas.microsoft.com/office/drawing/2014/main" val="1430965654"/>
+                  </a:ext>
+                </a:extLst>
+              </a:tr>
+              <a:tr h="370840">
+                <a:tc>
+                  <a:txBody>
+                    <a:bodyPr/>
+                    <a:lstStyle/>
+                    <a:p>
+                      <a:r>
+                        <a:rPr lang="en-US" dirty="0"/>
+                        <a:t>LLID</a:t>
+                      </a:r>
+                    </a:p>
+                  </a:txBody>
+                  <a:tcPr/>
+                </a:tc>
+                <a:tc>
+                  <a:txBody>
+                    <a:bodyPr/>
+                    <a:lstStyle/>
+                    <a:p>
+                      <a:r>
+                        <a:rPr lang="en-US" dirty="0"/>
+                        <a:t>int(Primary)</a:t>
+                      </a:r>
+                    </a:p>
+                  </a:txBody>
+                  <a:tcPr/>
+                </a:tc>
+                <a:extLst>
+                  <a:ext uri="{0D108BD9-81ED-4DB2-BD59-A6C34878D82A}">
+                    <a16:rowId xmlns:a16="http://schemas.microsoft.com/office/drawing/2014/main" val="2563431013"/>
+                  </a:ext>
+                </a:extLst>
+              </a:tr>
+              <a:tr h="370840">
+                <a:tc>
+                  <a:txBody>
+                    <a:bodyPr/>
+                    <a:lstStyle/>
+                    <a:p>
+                      <a:r>
+                        <a:rPr lang="en-US" dirty="0"/>
+                        <a:t>ULID</a:t>
+                      </a:r>
+                    </a:p>
+                  </a:txBody>
+                  <a:tcPr/>
+                </a:tc>
+                <a:tc>
+                  <a:txBody>
+                    <a:bodyPr/>
+                    <a:lstStyle/>
+                    <a:p>
+                      <a:r>
+                        <a:rPr lang="en-US" dirty="0"/>
+                        <a:t>int(Index)</a:t>
+                      </a:r>
+                    </a:p>
+                  </a:txBody>
+                  <a:tcPr/>
+                </a:tc>
+                <a:extLst>
+                  <a:ext uri="{0D108BD9-81ED-4DB2-BD59-A6C34878D82A}">
+                    <a16:rowId xmlns:a16="http://schemas.microsoft.com/office/drawing/2014/main" val="1440798827"/>
+                  </a:ext>
+                </a:extLst>
+              </a:tr>
+              <a:tr h="370840">
+                <a:tc>
+                  <a:txBody>
+                    <a:bodyPr/>
+                    <a:lstStyle/>
+                    <a:p>
+                      <a:r>
+                        <a:rPr lang="en-US" dirty="0" err="1"/>
+                        <a:t>time_stamp</a:t>
+                      </a:r>
+                      <a:endParaRPr lang="en-US" dirty="0"/>
+                    </a:p>
+                  </a:txBody>
+                  <a:tcPr/>
+                </a:tc>
+                <a:tc>
+                  <a:txBody>
+                    <a:bodyPr/>
+                    <a:lstStyle/>
+                    <a:p>
+                      <a:r>
+                        <a:rPr lang="en-US" dirty="0"/>
+                        <a:t>varchar(25)</a:t>
+                      </a:r>
+                    </a:p>
+                  </a:txBody>
+                  <a:tcPr/>
+                </a:tc>
+                <a:extLst>
+                  <a:ext uri="{0D108BD9-81ED-4DB2-BD59-A6C34878D82A}">
+                    <a16:rowId xmlns:a16="http://schemas.microsoft.com/office/drawing/2014/main" val="4098054267"/>
+                  </a:ext>
+                </a:extLst>
+              </a:tr>
+              <a:tr h="370840">
+                <a:tc>
+                  <a:txBody>
+                    <a:bodyPr/>
+                    <a:lstStyle/>
+                    <a:p>
+                      <a:r>
+                        <a:rPr lang="en-US" dirty="0"/>
+                        <a:t>status</a:t>
+                      </a:r>
+                    </a:p>
+                  </a:txBody>
+                  <a:tcPr/>
+                </a:tc>
+                <a:tc>
+                  <a:txBody>
+                    <a:bodyPr/>
+                    <a:lstStyle/>
+                    <a:p>
+                      <a:r>
+                        <a:rPr lang="en-US" dirty="0"/>
+                        <a:t>int(1)</a:t>
+                      </a:r>
+                    </a:p>
+                  </a:txBody>
+                  <a:tcPr/>
+                </a:tc>
+                <a:extLst>
+                  <a:ext uri="{0D108BD9-81ED-4DB2-BD59-A6C34878D82A}">
+                    <a16:rowId xmlns:a16="http://schemas.microsoft.com/office/drawing/2014/main" val="1189490606"/>
+                  </a:ext>
+                </a:extLst>
+              </a:tr>
+              <a:tr h="370840">
+                <a:tc>
+                  <a:txBody>
+                    <a:bodyPr/>
+                    <a:lstStyle/>
+                    <a:p>
+                      <a:r>
+                        <a:rPr lang="en-US" dirty="0"/>
+                        <a:t>log</a:t>
+                      </a:r>
+                    </a:p>
+                  </a:txBody>
+                  <a:tcPr/>
+                </a:tc>
+                <a:tc>
+                  <a:txBody>
+                    <a:bodyPr/>
+                    <a:lstStyle/>
+                    <a:p>
+                      <a:r>
+                        <a:rPr lang="en-US" dirty="0"/>
+                        <a:t>blob</a:t>
+                      </a:r>
+                    </a:p>
+                  </a:txBody>
+                  <a:tcPr/>
+                </a:tc>
+                <a:extLst>
+                  <a:ext uri="{0D108BD9-81ED-4DB2-BD59-A6C34878D82A}">
+                    <a16:rowId xmlns:a16="http://schemas.microsoft.com/office/drawing/2014/main" val="2729286114"/>
+                  </a:ext>
+                </a:extLst>
+              </a:tr>
+            </a:tbl>
+          </a:graphicData>
+        </a:graphic>
+      </p:graphicFrame>
       <p:cxnSp>
         <p:nvCxnSpPr>
-          <p:cNvPr id="14" name="Straight Arrow Connector 13">
-            <a:extLst>
-              <a:ext uri="{FF2B5EF4-FFF2-40B4-BE49-F238E27FC236}">
-                <a16:creationId xmlns:a16="http://schemas.microsoft.com/office/drawing/2014/main" id="{0CC53AC8-A52D-F9AC-CD0A-0694B0AF5D80}"/>
+          <p:cNvPr id="12" name="Straight Arrow Connector 11">
+            <a:extLst>
+              <a:ext uri="{FF2B5EF4-FFF2-40B4-BE49-F238E27FC236}">
+                <a16:creationId xmlns:a16="http://schemas.microsoft.com/office/drawing/2014/main" id="{965FD67F-EA3A-9EAD-6847-A5DB877829DD}"/>
               </a:ext>
             </a:extLst>
           </p:cNvPr>
@@ -4071,9 +6077,9 @@
           <p:nvPr/>
         </p:nvCxnSpPr>
         <p:spPr>
-          <a:xfrm flipH="1">
-            <a:off x="3732245" y="1285257"/>
-            <a:ext cx="819021" cy="142327"/>
+          <a:xfrm flipH="1" flipV="1">
+            <a:off x="3732245" y="1840375"/>
+            <a:ext cx="2685144" cy="289367"/>
           </a:xfrm>
           <a:prstGeom prst="straightConnector1">
             <a:avLst/>
@@ -4099,22 +6105,20 @@
       </p:cxnSp>
       <p:cxnSp>
         <p:nvCxnSpPr>
-          <p:cNvPr id="16" name="Straight Arrow Connector 15">
-            <a:extLst>
-              <a:ext uri="{FF2B5EF4-FFF2-40B4-BE49-F238E27FC236}">
-                <a16:creationId xmlns:a16="http://schemas.microsoft.com/office/drawing/2014/main" id="{38C09404-09C4-D81B-7009-61FD2BD0BE60}"/>
-              </a:ext>
-            </a:extLst>
-          </p:cNvPr>
-          <p:cNvCxnSpPr>
-            <a:cxnSpLocks/>
-          </p:cNvCxnSpPr>
+          <p:cNvPr id="15" name="Straight Arrow Connector 14">
+            <a:extLst>
+              <a:ext uri="{FF2B5EF4-FFF2-40B4-BE49-F238E27FC236}">
+                <a16:creationId xmlns:a16="http://schemas.microsoft.com/office/drawing/2014/main" id="{8D2DC86F-8BA4-E6CF-C49E-F0E3742DBBBC}"/>
+              </a:ext>
+            </a:extLst>
+          </p:cNvPr>
+          <p:cNvCxnSpPr/>
           <p:nvPr/>
         </p:nvCxnSpPr>
         <p:spPr>
           <a:xfrm flipH="1">
-            <a:off x="3732245" y="1285257"/>
-            <a:ext cx="819021" cy="590749"/>
+            <a:off x="3732245" y="2129742"/>
+            <a:ext cx="2685144" cy="0"/>
           </a:xfrm>
           <a:prstGeom prst="straightConnector1">
             <a:avLst/>
@@ -4138,140 +6142,295 @@
           </a:fontRef>
         </p:style>
       </p:cxnSp>
-      <p:graphicFrame>
-        <p:nvGraphicFramePr>
-          <p:cNvPr id="17" name="Table 17">
-            <a:extLst>
-              <a:ext uri="{FF2B5EF4-FFF2-40B4-BE49-F238E27FC236}">
-                <a16:creationId xmlns:a16="http://schemas.microsoft.com/office/drawing/2014/main" id="{BD3AA4E1-3516-7A51-8EE8-00CAFCFB47FD}"/>
-              </a:ext>
-            </a:extLst>
-          </p:cNvPr>
-          <p:cNvGraphicFramePr>
-            <a:graphicFrameLocks noGrp="1"/>
-          </p:cNvGraphicFramePr>
-          <p:nvPr>
-            <p:extLst>
-              <p:ext uri="{D42A27DB-BD31-4B8C-83A1-F6EECF244321}">
-                <p14:modId xmlns:p14="http://schemas.microsoft.com/office/powerpoint/2010/main" val="3270771115"/>
-              </p:ext>
-            </p:extLst>
-          </p:nvPr>
-        </p:nvGraphicFramePr>
-        <p:xfrm>
-          <a:off x="4719217" y="3903964"/>
-          <a:ext cx="8128000" cy="741680"/>
-        </p:xfrm>
-        <a:graphic>
-          <a:graphicData uri="http://schemas.openxmlformats.org/drawingml/2006/table">
-            <a:tbl>
-              <a:tblPr firstRow="1" bandRow="1">
-                <a:tableStyleId>{5C22544A-7EE6-4342-B048-85BDC9FD1C3A}</a:tableStyleId>
-              </a:tblPr>
-              <a:tblGrid>
-                <a:gridCol w="4064000">
-                  <a:extLst>
-                    <a:ext uri="{9D8B030D-6E8A-4147-A177-3AD203B41FA5}">
-                      <a16:colId xmlns:a16="http://schemas.microsoft.com/office/drawing/2014/main" val="4286480281"/>
-                    </a:ext>
-                  </a:extLst>
-                </a:gridCol>
-                <a:gridCol w="4064000">
-                  <a:extLst>
-                    <a:ext uri="{9D8B030D-6E8A-4147-A177-3AD203B41FA5}">
-                      <a16:colId xmlns:a16="http://schemas.microsoft.com/office/drawing/2014/main" val="885165231"/>
-                    </a:ext>
-                  </a:extLst>
-                </a:gridCol>
-              </a:tblGrid>
-              <a:tr h="370840">
-                <a:tc>
-                  <a:txBody>
-                    <a:bodyPr/>
-                    <a:lstStyle/>
-                    <a:p>
-                      <a:r>
-                        <a:rPr lang="en-US" dirty="0"/>
-                        <a:t>Airline</a:t>
-                      </a:r>
-                    </a:p>
-                  </a:txBody>
-                  <a:tcPr/>
-                </a:tc>
-                <a:tc>
-                  <a:txBody>
-                    <a:bodyPr/>
-                    <a:lstStyle/>
-                    <a:p>
-                      <a:r>
-                        <a:rPr lang="en-US" dirty="0"/>
-                        <a:t>Data type</a:t>
-                      </a:r>
-                    </a:p>
-                  </a:txBody>
-                  <a:tcPr/>
-                </a:tc>
-                <a:extLst>
-                  <a:ext uri="{0D108BD9-81ED-4DB2-BD59-A6C34878D82A}">
-                    <a16:rowId xmlns:a16="http://schemas.microsoft.com/office/drawing/2014/main" val="2814877316"/>
-                  </a:ext>
-                </a:extLst>
-              </a:tr>
-              <a:tr h="370840">
-                <a:tc>
-                  <a:txBody>
-                    <a:bodyPr/>
-                    <a:lstStyle/>
-                    <a:p>
-                      <a:r>
-                        <a:rPr lang="en-US" dirty="0"/>
-                        <a:t>ALID</a:t>
-                      </a:r>
-                    </a:p>
-                  </a:txBody>
-                  <a:tcPr/>
-                </a:tc>
-                <a:tc>
-                  <a:txBody>
-                    <a:bodyPr/>
-                    <a:lstStyle/>
-                    <a:p>
-                      <a:r>
-                        <a:rPr lang="en-US" dirty="0"/>
-                        <a:t>Int (primary)</a:t>
-                      </a:r>
-                    </a:p>
-                  </a:txBody>
-                  <a:tcPr/>
-                </a:tc>
-                <a:extLst>
-                  <a:ext uri="{0D108BD9-81ED-4DB2-BD59-A6C34878D82A}">
-                    <a16:rowId xmlns:a16="http://schemas.microsoft.com/office/drawing/2014/main" val="2325399729"/>
-                  </a:ext>
-                </a:extLst>
-              </a:tr>
-            </a:tbl>
-          </a:graphicData>
-        </a:graphic>
-      </p:graphicFrame>
       <p:cxnSp>
         <p:nvCxnSpPr>
-          <p:cNvPr id="19" name="Straight Arrow Connector 18">
-            <a:extLst>
-              <a:ext uri="{FF2B5EF4-FFF2-40B4-BE49-F238E27FC236}">
-                <a16:creationId xmlns:a16="http://schemas.microsoft.com/office/drawing/2014/main" id="{1C24A381-F3CC-E548-A921-BC6C6935E4FA}"/>
-              </a:ext>
-            </a:extLst>
-          </p:cNvPr>
-          <p:cNvCxnSpPr>
-            <a:cxnSpLocks/>
-          </p:cNvCxnSpPr>
+          <p:cNvPr id="20" name="Straight Arrow Connector 19">
+            <a:extLst>
+              <a:ext uri="{FF2B5EF4-FFF2-40B4-BE49-F238E27FC236}">
+                <a16:creationId xmlns:a16="http://schemas.microsoft.com/office/drawing/2014/main" id="{7D6A14DC-AFA3-3A91-14D7-31E6BAC3A558}"/>
+              </a:ext>
+            </a:extLst>
+          </p:cNvPr>
+          <p:cNvCxnSpPr/>
+          <p:nvPr/>
+        </p:nvCxnSpPr>
+        <p:spPr>
+          <a:xfrm flipV="1">
+            <a:off x="3671597" y="4930815"/>
+            <a:ext cx="859451" cy="1300859"/>
+          </a:xfrm>
+          <a:prstGeom prst="straightConnector1">
+            <a:avLst/>
+          </a:prstGeom>
+          <a:ln>
+            <a:tailEnd type="triangle"/>
+          </a:ln>
+        </p:spPr>
+        <p:style>
+          <a:lnRef idx="1">
+            <a:schemeClr val="accent1"/>
+          </a:lnRef>
+          <a:fillRef idx="0">
+            <a:schemeClr val="accent1"/>
+          </a:fillRef>
+          <a:effectRef idx="0">
+            <a:schemeClr val="accent1"/>
+          </a:effectRef>
+          <a:fontRef idx="minor">
+            <a:schemeClr val="tx1"/>
+          </a:fontRef>
+        </p:style>
+      </p:cxnSp>
+      <p:cxnSp>
+        <p:nvCxnSpPr>
+          <p:cNvPr id="24" name="Straight Arrow Connector 23">
+            <a:extLst>
+              <a:ext uri="{FF2B5EF4-FFF2-40B4-BE49-F238E27FC236}">
+                <a16:creationId xmlns:a16="http://schemas.microsoft.com/office/drawing/2014/main" id="{E48265A4-55A5-0F9B-2371-DDB7E30879E9}"/>
+              </a:ext>
+            </a:extLst>
+          </p:cNvPr>
+          <p:cNvCxnSpPr/>
+          <p:nvPr/>
+        </p:nvCxnSpPr>
+        <p:spPr>
+          <a:xfrm flipV="1">
+            <a:off x="3671597" y="2210765"/>
+            <a:ext cx="7015324" cy="4020909"/>
+          </a:xfrm>
+          <a:prstGeom prst="straightConnector1">
+            <a:avLst/>
+          </a:prstGeom>
+          <a:ln>
+            <a:tailEnd type="triangle"/>
+          </a:ln>
+        </p:spPr>
+        <p:style>
+          <a:lnRef idx="1">
+            <a:schemeClr val="accent1"/>
+          </a:lnRef>
+          <a:fillRef idx="0">
+            <a:schemeClr val="accent1"/>
+          </a:fillRef>
+          <a:effectRef idx="0">
+            <a:schemeClr val="accent1"/>
+          </a:effectRef>
+          <a:fontRef idx="minor">
+            <a:schemeClr val="tx1"/>
+          </a:fontRef>
+        </p:style>
+      </p:cxnSp>
+      <p:cxnSp>
+        <p:nvCxnSpPr>
+          <p:cNvPr id="26" name="Straight Arrow Connector 25">
+            <a:extLst>
+              <a:ext uri="{FF2B5EF4-FFF2-40B4-BE49-F238E27FC236}">
+                <a16:creationId xmlns:a16="http://schemas.microsoft.com/office/drawing/2014/main" id="{C86042BB-1B56-84BD-01B3-7D820BAAD90C}"/>
+              </a:ext>
+            </a:extLst>
+          </p:cNvPr>
+          <p:cNvCxnSpPr/>
           <p:nvPr/>
         </p:nvCxnSpPr>
         <p:spPr>
           <a:xfrm flipH="1">
-            <a:off x="3732245" y="4422710"/>
-            <a:ext cx="986972" cy="93306"/>
+            <a:off x="3732245" y="6858000"/>
+            <a:ext cx="651070" cy="140944"/>
+          </a:xfrm>
+          <a:prstGeom prst="straightConnector1">
+            <a:avLst/>
+          </a:prstGeom>
+          <a:ln>
+            <a:tailEnd type="triangle"/>
+          </a:ln>
+        </p:spPr>
+        <p:style>
+          <a:lnRef idx="1">
+            <a:schemeClr val="accent1"/>
+          </a:lnRef>
+          <a:fillRef idx="0">
+            <a:schemeClr val="accent1"/>
+          </a:fillRef>
+          <a:effectRef idx="0">
+            <a:schemeClr val="accent1"/>
+          </a:effectRef>
+          <a:fontRef idx="minor">
+            <a:schemeClr val="tx1"/>
+          </a:fontRef>
+        </p:style>
+      </p:cxnSp>
+      <p:cxnSp>
+        <p:nvCxnSpPr>
+          <p:cNvPr id="28" name="Straight Arrow Connector 27">
+            <a:extLst>
+              <a:ext uri="{FF2B5EF4-FFF2-40B4-BE49-F238E27FC236}">
+                <a16:creationId xmlns:a16="http://schemas.microsoft.com/office/drawing/2014/main" id="{6B61C173-BA9A-0A22-6C61-75184C1D8AF2}"/>
+              </a:ext>
+            </a:extLst>
+          </p:cNvPr>
+          <p:cNvCxnSpPr/>
+          <p:nvPr/>
+        </p:nvCxnSpPr>
+        <p:spPr>
+          <a:xfrm flipH="1">
+            <a:off x="7535765" y="6231674"/>
+            <a:ext cx="421173" cy="952690"/>
+          </a:xfrm>
+          <a:prstGeom prst="straightConnector1">
+            <a:avLst/>
+          </a:prstGeom>
+          <a:ln>
+            <a:tailEnd type="triangle"/>
+          </a:ln>
+        </p:spPr>
+        <p:style>
+          <a:lnRef idx="1">
+            <a:schemeClr val="accent1"/>
+          </a:lnRef>
+          <a:fillRef idx="0">
+            <a:schemeClr val="accent1"/>
+          </a:fillRef>
+          <a:effectRef idx="0">
+            <a:schemeClr val="accent1"/>
+          </a:effectRef>
+          <a:fontRef idx="minor">
+            <a:schemeClr val="tx1"/>
+          </a:fontRef>
+        </p:style>
+      </p:cxnSp>
+      <p:cxnSp>
+        <p:nvCxnSpPr>
+          <p:cNvPr id="30" name="Straight Arrow Connector 29">
+            <a:extLst>
+              <a:ext uri="{FF2B5EF4-FFF2-40B4-BE49-F238E27FC236}">
+                <a16:creationId xmlns:a16="http://schemas.microsoft.com/office/drawing/2014/main" id="{D87FAEFF-16DD-97F1-30C5-1BD57BB0CFD8}"/>
+              </a:ext>
+            </a:extLst>
+          </p:cNvPr>
+          <p:cNvCxnSpPr/>
+          <p:nvPr/>
+        </p:nvCxnSpPr>
+        <p:spPr>
+          <a:xfrm flipH="1">
+            <a:off x="3671597" y="6231674"/>
+            <a:ext cx="4285341" cy="354321"/>
+          </a:xfrm>
+          <a:prstGeom prst="straightConnector1">
+            <a:avLst/>
+          </a:prstGeom>
+          <a:ln>
+            <a:tailEnd type="triangle"/>
+          </a:ln>
+        </p:spPr>
+        <p:style>
+          <a:lnRef idx="1">
+            <a:schemeClr val="accent1"/>
+          </a:lnRef>
+          <a:fillRef idx="0">
+            <a:schemeClr val="accent1"/>
+          </a:fillRef>
+          <a:effectRef idx="0">
+            <a:schemeClr val="accent1"/>
+          </a:effectRef>
+          <a:fontRef idx="minor">
+            <a:schemeClr val="tx1"/>
+          </a:fontRef>
+        </p:style>
+      </p:cxnSp>
+      <p:cxnSp>
+        <p:nvCxnSpPr>
+          <p:cNvPr id="32" name="Straight Arrow Connector 31">
+            <a:extLst>
+              <a:ext uri="{FF2B5EF4-FFF2-40B4-BE49-F238E27FC236}">
+                <a16:creationId xmlns:a16="http://schemas.microsoft.com/office/drawing/2014/main" id="{5C93179B-63CB-AB91-B9A0-1071CBAD0D47}"/>
+              </a:ext>
+            </a:extLst>
+          </p:cNvPr>
+          <p:cNvCxnSpPr/>
+          <p:nvPr/>
+        </p:nvCxnSpPr>
+        <p:spPr>
+          <a:xfrm>
+            <a:off x="10590244" y="6231674"/>
+            <a:ext cx="347824" cy="1696984"/>
+          </a:xfrm>
+          <a:prstGeom prst="straightConnector1">
+            <a:avLst/>
+          </a:prstGeom>
+          <a:ln>
+            <a:tailEnd type="triangle"/>
+          </a:ln>
+        </p:spPr>
+        <p:style>
+          <a:lnRef idx="1">
+            <a:schemeClr val="accent1"/>
+          </a:lnRef>
+          <a:fillRef idx="0">
+            <a:schemeClr val="accent1"/>
+          </a:fillRef>
+          <a:effectRef idx="0">
+            <a:schemeClr val="accent1"/>
+          </a:effectRef>
+          <a:fontRef idx="minor">
+            <a:schemeClr val="tx1"/>
+          </a:fontRef>
+        </p:style>
+      </p:cxnSp>
+      <p:cxnSp>
+        <p:nvCxnSpPr>
+          <p:cNvPr id="34" name="Straight Arrow Connector 33">
+            <a:extLst>
+              <a:ext uri="{FF2B5EF4-FFF2-40B4-BE49-F238E27FC236}">
+                <a16:creationId xmlns:a16="http://schemas.microsoft.com/office/drawing/2014/main" id="{732F0156-053A-088D-9774-8675C39D3BE1}"/>
+              </a:ext>
+            </a:extLst>
+          </p:cNvPr>
+          <p:cNvCxnSpPr/>
+          <p:nvPr/>
+        </p:nvCxnSpPr>
+        <p:spPr>
+          <a:xfrm>
+            <a:off x="7660951" y="4537276"/>
+            <a:ext cx="3103205" cy="104172"/>
+          </a:xfrm>
+          <a:prstGeom prst="straightConnector1">
+            <a:avLst/>
+          </a:prstGeom>
+          <a:ln>
+            <a:tailEnd type="triangle"/>
+          </a:ln>
+        </p:spPr>
+        <p:style>
+          <a:lnRef idx="1">
+            <a:schemeClr val="accent1"/>
+          </a:lnRef>
+          <a:fillRef idx="0">
+            <a:schemeClr val="accent1"/>
+          </a:fillRef>
+          <a:effectRef idx="0">
+            <a:schemeClr val="accent1"/>
+          </a:effectRef>
+          <a:fontRef idx="minor">
+            <a:schemeClr val="tx1"/>
+          </a:fontRef>
+        </p:style>
+      </p:cxnSp>
+      <p:cxnSp>
+        <p:nvCxnSpPr>
+          <p:cNvPr id="36" name="Straight Arrow Connector 35">
+            <a:extLst>
+              <a:ext uri="{FF2B5EF4-FFF2-40B4-BE49-F238E27FC236}">
+                <a16:creationId xmlns:a16="http://schemas.microsoft.com/office/drawing/2014/main" id="{6BF5E1FD-B0C3-A901-A3E9-B19D4BD612DC}"/>
+              </a:ext>
+            </a:extLst>
+          </p:cNvPr>
+          <p:cNvCxnSpPr/>
+          <p:nvPr/>
+        </p:nvCxnSpPr>
+        <p:spPr>
+          <a:xfrm flipH="1">
+            <a:off x="3732245" y="994886"/>
+            <a:ext cx="651070" cy="428800"/>
           </a:xfrm>
           <a:prstGeom prst="straightConnector1">
             <a:avLst/>

--- a/docs/planningdocuments/sql_tables.pptx
+++ b/docs/planningdocuments/sql_tables.pptx
@@ -3341,14 +3341,14 @@
           <p:nvPr>
             <p:extLst>
               <p:ext uri="{D42A27DB-BD31-4B8C-83A1-F6EECF244321}">
-                <p14:modId xmlns:p14="http://schemas.microsoft.com/office/powerpoint/2010/main" val="1815487378"/>
+                <p14:modId xmlns:p14="http://schemas.microsoft.com/office/powerpoint/2010/main" val="3416753678"/>
               </p:ext>
             </p:extLst>
           </p:nvPr>
         </p:nvGraphicFramePr>
         <p:xfrm>
-          <a:off x="679063" y="514393"/>
-          <a:ext cx="3053182" cy="4820920"/>
+          <a:off x="661439" y="272005"/>
+          <a:ext cx="3053182" cy="5191760"/>
         </p:xfrm>
         <a:graphic>
           <a:graphicData uri="http://schemas.openxmlformats.org/drawingml/2006/table">
@@ -3627,7 +3627,7 @@
                     <a:p>
                       <a:r>
                         <a:rPr lang="en-US" dirty="0"/>
-                        <a:t>int(25)</a:t>
+                        <a:t>int(4)</a:t>
                       </a:r>
                     </a:p>
                   </a:txBody>
@@ -3806,6 +3806,40 @@
                 <a:extLst>
                   <a:ext uri="{0D108BD9-81ED-4DB2-BD59-A6C34878D82A}">
                     <a16:rowId xmlns:a16="http://schemas.microsoft.com/office/drawing/2014/main" val="3441599101"/>
+                  </a:ext>
+                </a:extLst>
+              </a:tr>
+              <a:tr h="370840">
+                <a:tc>
+                  <a:txBody>
+                    <a:bodyPr/>
+                    <a:lstStyle/>
+                    <a:p>
+                      <a:r>
+                        <a:rPr lang="en-US" dirty="0" err="1"/>
+                        <a:t>seats_available</a:t>
+                      </a:r>
+                      <a:endParaRPr lang="en-US" dirty="0"/>
+                    </a:p>
+                  </a:txBody>
+                  <a:tcPr/>
+                </a:tc>
+                <a:tc>
+                  <a:txBody>
+                    <a:bodyPr/>
+                    <a:lstStyle/>
+                    <a:p>
+                      <a:r>
+                        <a:rPr lang="en-US" dirty="0"/>
+                        <a:t>int(4)</a:t>
+                      </a:r>
+                    </a:p>
+                  </a:txBody>
+                  <a:tcPr/>
+                </a:tc>
+                <a:extLst>
+                  <a:ext uri="{0D108BD9-81ED-4DB2-BD59-A6C34878D82A}">
+                    <a16:rowId xmlns:a16="http://schemas.microsoft.com/office/drawing/2014/main" val="515373835"/>
                   </a:ext>
                 </a:extLst>
               </a:tr>
@@ -4076,14 +4110,14 @@
           <p:nvPr>
             <p:extLst>
               <p:ext uri="{D42A27DB-BD31-4B8C-83A1-F6EECF244321}">
-                <p14:modId xmlns:p14="http://schemas.microsoft.com/office/powerpoint/2010/main" val="4160581036"/>
+                <p14:modId xmlns:p14="http://schemas.microsoft.com/office/powerpoint/2010/main" val="793508434"/>
               </p:ext>
             </p:extLst>
           </p:nvPr>
         </p:nvGraphicFramePr>
         <p:xfrm>
-          <a:off x="4383315" y="514393"/>
-          <a:ext cx="2464318" cy="741680"/>
+          <a:off x="4383315" y="272005"/>
+          <a:ext cx="2464318" cy="1112520"/>
         </p:xfrm>
         <a:graphic>
           <a:graphicData uri="http://schemas.openxmlformats.org/drawingml/2006/table">
@@ -4170,6 +4204,39 @@
                 <a:extLst>
                   <a:ext uri="{0D108BD9-81ED-4DB2-BD59-A6C34878D82A}">
                     <a16:rowId xmlns:a16="http://schemas.microsoft.com/office/drawing/2014/main" val="2325399729"/>
+                  </a:ext>
+                </a:extLst>
+              </a:tr>
+              <a:tr h="370840">
+                <a:tc>
+                  <a:txBody>
+                    <a:bodyPr/>
+                    <a:lstStyle/>
+                    <a:p>
+                      <a:r>
+                        <a:rPr lang="en-US" dirty="0"/>
+                        <a:t>name</a:t>
+                      </a:r>
+                    </a:p>
+                  </a:txBody>
+                  <a:tcPr/>
+                </a:tc>
+                <a:tc>
+                  <a:txBody>
+                    <a:bodyPr/>
+                    <a:lstStyle/>
+                    <a:p>
+                      <a:r>
+                        <a:rPr lang="en-US" dirty="0"/>
+                        <a:t>varchar(25)</a:t>
+                      </a:r>
+                    </a:p>
+                  </a:txBody>
+                  <a:tcPr/>
+                </a:tc>
+                <a:extLst>
+                  <a:ext uri="{0D108BD9-81ED-4DB2-BD59-A6C34878D82A}">
+                    <a16:rowId xmlns:a16="http://schemas.microsoft.com/office/drawing/2014/main" val="1546810561"/>
                   </a:ext>
                 </a:extLst>
               </a:tr>
@@ -6073,13 +6140,15 @@
               </a:ext>
             </a:extLst>
           </p:cNvPr>
-          <p:cNvCxnSpPr/>
+          <p:cNvCxnSpPr>
+            <a:cxnSpLocks/>
+          </p:cNvCxnSpPr>
           <p:nvPr/>
         </p:nvCxnSpPr>
         <p:spPr>
           <a:xfrm flipH="1" flipV="1">
-            <a:off x="3732245" y="1840375"/>
-            <a:ext cx="2685144" cy="289367"/>
+            <a:off x="3714621" y="1559570"/>
+            <a:ext cx="2702768" cy="570172"/>
           </a:xfrm>
           <a:prstGeom prst="straightConnector1">
             <a:avLst/>
@@ -6112,13 +6181,15 @@
               </a:ext>
             </a:extLst>
           </p:cNvPr>
-          <p:cNvCxnSpPr/>
+          <p:cNvCxnSpPr>
+            <a:cxnSpLocks/>
+          </p:cNvCxnSpPr>
           <p:nvPr/>
         </p:nvCxnSpPr>
         <p:spPr>
-          <a:xfrm flipH="1">
-            <a:off x="3732245" y="2129742"/>
-            <a:ext cx="2685144" cy="0"/>
+          <a:xfrm flipH="1" flipV="1">
+            <a:off x="3671597" y="1959429"/>
+            <a:ext cx="2745792" cy="170313"/>
           </a:xfrm>
           <a:prstGeom prst="straightConnector1">
             <a:avLst/>
@@ -6424,13 +6495,57 @@
               </a:ext>
             </a:extLst>
           </p:cNvPr>
-          <p:cNvCxnSpPr/>
+          <p:cNvCxnSpPr>
+            <a:cxnSpLocks/>
+            <a:stCxn id="17" idx="1"/>
+          </p:cNvCxnSpPr>
           <p:nvPr/>
         </p:nvCxnSpPr>
         <p:spPr>
           <a:xfrm flipH="1">
-            <a:off x="3732245" y="994886"/>
-            <a:ext cx="651070" cy="428800"/>
+            <a:off x="3714621" y="828265"/>
+            <a:ext cx="668694" cy="372987"/>
+          </a:xfrm>
+          <a:prstGeom prst="straightConnector1">
+            <a:avLst/>
+          </a:prstGeom>
+          <a:ln>
+            <a:tailEnd type="triangle"/>
+          </a:ln>
+        </p:spPr>
+        <p:style>
+          <a:lnRef idx="1">
+            <a:schemeClr val="accent1"/>
+          </a:lnRef>
+          <a:fillRef idx="0">
+            <a:schemeClr val="accent1"/>
+          </a:fillRef>
+          <a:effectRef idx="0">
+            <a:schemeClr val="accent1"/>
+          </a:effectRef>
+          <a:fontRef idx="minor">
+            <a:schemeClr val="tx1"/>
+          </a:fontRef>
+        </p:style>
+      </p:cxnSp>
+      <p:cxnSp>
+        <p:nvCxnSpPr>
+          <p:cNvPr id="13" name="Straight Arrow Connector 12">
+            <a:extLst>
+              <a:ext uri="{FF2B5EF4-FFF2-40B4-BE49-F238E27FC236}">
+                <a16:creationId xmlns:a16="http://schemas.microsoft.com/office/drawing/2014/main" id="{E26F84E5-1CA6-035A-01A1-D1AAA99DA1C1}"/>
+              </a:ext>
+            </a:extLst>
+          </p:cNvPr>
+          <p:cNvCxnSpPr>
+            <a:cxnSpLocks/>
+          </p:cNvCxnSpPr>
+          <p:nvPr/>
+        </p:nvCxnSpPr>
+        <p:spPr>
+          <a:xfrm>
+            <a:off x="3671597" y="752995"/>
+            <a:ext cx="859451" cy="4582318"/>
           </a:xfrm>
           <a:prstGeom prst="straightConnector1">
             <a:avLst/>

--- a/docs/planningdocuments/sql_tables.pptx
+++ b/docs/planningdocuments/sql_tables.pptx
@@ -259,7 +259,7 @@
           <a:p>
             <a:fld id="{D1E294F7-EB46-49F9-8C0F-71C30717E95B}" type="datetimeFigureOut">
               <a:rPr lang="en-US" smtClean="0"/>
-              <a:t>10/2/2023</a:t>
+              <a:t>10/7/2023</a:t>
             </a:fld>
             <a:endParaRPr lang="en-US"/>
           </a:p>
@@ -457,7 +457,7 @@
           <a:p>
             <a:fld id="{D1E294F7-EB46-49F9-8C0F-71C30717E95B}" type="datetimeFigureOut">
               <a:rPr lang="en-US" smtClean="0"/>
-              <a:t>10/2/2023</a:t>
+              <a:t>10/7/2023</a:t>
             </a:fld>
             <a:endParaRPr lang="en-US"/>
           </a:p>
@@ -665,7 +665,7 @@
           <a:p>
             <a:fld id="{D1E294F7-EB46-49F9-8C0F-71C30717E95B}" type="datetimeFigureOut">
               <a:rPr lang="en-US" smtClean="0"/>
-              <a:t>10/2/2023</a:t>
+              <a:t>10/7/2023</a:t>
             </a:fld>
             <a:endParaRPr lang="en-US"/>
           </a:p>
@@ -863,7 +863,7 @@
           <a:p>
             <a:fld id="{D1E294F7-EB46-49F9-8C0F-71C30717E95B}" type="datetimeFigureOut">
               <a:rPr lang="en-US" smtClean="0"/>
-              <a:t>10/2/2023</a:t>
+              <a:t>10/7/2023</a:t>
             </a:fld>
             <a:endParaRPr lang="en-US"/>
           </a:p>
@@ -1138,7 +1138,7 @@
           <a:p>
             <a:fld id="{D1E294F7-EB46-49F9-8C0F-71C30717E95B}" type="datetimeFigureOut">
               <a:rPr lang="en-US" smtClean="0"/>
-              <a:t>10/2/2023</a:t>
+              <a:t>10/7/2023</a:t>
             </a:fld>
             <a:endParaRPr lang="en-US"/>
           </a:p>
@@ -1403,7 +1403,7 @@
           <a:p>
             <a:fld id="{D1E294F7-EB46-49F9-8C0F-71C30717E95B}" type="datetimeFigureOut">
               <a:rPr lang="en-US" smtClean="0"/>
-              <a:t>10/2/2023</a:t>
+              <a:t>10/7/2023</a:t>
             </a:fld>
             <a:endParaRPr lang="en-US"/>
           </a:p>
@@ -1815,7 +1815,7 @@
           <a:p>
             <a:fld id="{D1E294F7-EB46-49F9-8C0F-71C30717E95B}" type="datetimeFigureOut">
               <a:rPr lang="en-US" smtClean="0"/>
-              <a:t>10/2/2023</a:t>
+              <a:t>10/7/2023</a:t>
             </a:fld>
             <a:endParaRPr lang="en-US"/>
           </a:p>
@@ -1956,7 +1956,7 @@
           <a:p>
             <a:fld id="{D1E294F7-EB46-49F9-8C0F-71C30717E95B}" type="datetimeFigureOut">
               <a:rPr lang="en-US" smtClean="0"/>
-              <a:t>10/2/2023</a:t>
+              <a:t>10/7/2023</a:t>
             </a:fld>
             <a:endParaRPr lang="en-US"/>
           </a:p>
@@ -2069,7 +2069,7 @@
           <a:p>
             <a:fld id="{D1E294F7-EB46-49F9-8C0F-71C30717E95B}" type="datetimeFigureOut">
               <a:rPr lang="en-US" smtClean="0"/>
-              <a:t>10/2/2023</a:t>
+              <a:t>10/7/2023</a:t>
             </a:fld>
             <a:endParaRPr lang="en-US"/>
           </a:p>
@@ -2380,7 +2380,7 @@
           <a:p>
             <a:fld id="{D1E294F7-EB46-49F9-8C0F-71C30717E95B}" type="datetimeFigureOut">
               <a:rPr lang="en-US" smtClean="0"/>
-              <a:t>10/2/2023</a:t>
+              <a:t>10/7/2023</a:t>
             </a:fld>
             <a:endParaRPr lang="en-US"/>
           </a:p>
@@ -2668,7 +2668,7 @@
           <a:p>
             <a:fld id="{D1E294F7-EB46-49F9-8C0F-71C30717E95B}" type="datetimeFigureOut">
               <a:rPr lang="en-US" smtClean="0"/>
-              <a:t>10/2/2023</a:t>
+              <a:t>10/7/2023</a:t>
             </a:fld>
             <a:endParaRPr lang="en-US"/>
           </a:p>
@@ -2909,7 +2909,7 @@
           <a:p>
             <a:fld id="{D1E294F7-EB46-49F9-8C0F-71C30717E95B}" type="datetimeFigureOut">
               <a:rPr lang="en-US" smtClean="0"/>
-              <a:t>10/2/2023</a:t>
+              <a:t>10/7/2023</a:t>
             </a:fld>
             <a:endParaRPr lang="en-US"/>
           </a:p>
@@ -3862,14 +3862,14 @@
           <p:nvPr>
             <p:extLst>
               <p:ext uri="{D42A27DB-BD31-4B8C-83A1-F6EECF244321}">
-                <p14:modId xmlns:p14="http://schemas.microsoft.com/office/powerpoint/2010/main" val="3978035281"/>
+                <p14:modId xmlns:p14="http://schemas.microsoft.com/office/powerpoint/2010/main" val="3880638282"/>
               </p:ext>
             </p:extLst>
           </p:nvPr>
         </p:nvGraphicFramePr>
         <p:xfrm>
-          <a:off x="6417389" y="1603242"/>
-          <a:ext cx="2605314" cy="2225040"/>
+          <a:off x="6513027" y="1388907"/>
+          <a:ext cx="2605314" cy="2595880"/>
         </p:xfrm>
         <a:graphic>
           <a:graphicData uri="http://schemas.openxmlformats.org/drawingml/2006/table">
@@ -3967,20 +3967,20 @@
                     <a:p>
                       <a:r>
                         <a:rPr lang="en-US" dirty="0"/>
-                        <a:t>code</a:t>
-                      </a:r>
-                    </a:p>
-                  </a:txBody>
-                  <a:tcPr/>
-                </a:tc>
-                <a:tc>
-                  <a:txBody>
-                    <a:bodyPr/>
-                    <a:lstStyle/>
-                    <a:p>
-                      <a:r>
-                        <a:rPr lang="en-US" dirty="0"/>
-                        <a:t>varchar (3)</a:t>
+                        <a:t>name</a:t>
+                      </a:r>
+                    </a:p>
+                  </a:txBody>
+                  <a:tcPr/>
+                </a:tc>
+                <a:tc>
+                  <a:txBody>
+                    <a:bodyPr/>
+                    <a:lstStyle/>
+                    <a:p>
+                      <a:r>
+                        <a:rPr lang="en-US" dirty="0"/>
+                        <a:t>varchar (50)</a:t>
                       </a:r>
                     </a:p>
                   </a:txBody>
@@ -3988,7 +3988,7 @@
                 </a:tc>
                 <a:extLst>
                   <a:ext uri="{0D108BD9-81ED-4DB2-BD59-A6C34878D82A}">
-                    <a16:rowId xmlns:a16="http://schemas.microsoft.com/office/drawing/2014/main" val="3712032683"/>
+                    <a16:rowId xmlns:a16="http://schemas.microsoft.com/office/drawing/2014/main" val="2146610047"/>
                   </a:ext>
                 </a:extLst>
               </a:tr>
@@ -4000,20 +4000,20 @@
                     <a:p>
                       <a:r>
                         <a:rPr lang="en-US" dirty="0"/>
-                        <a:t>city</a:t>
-                      </a:r>
-                    </a:p>
-                  </a:txBody>
-                  <a:tcPr/>
-                </a:tc>
-                <a:tc>
-                  <a:txBody>
-                    <a:bodyPr/>
-                    <a:lstStyle/>
-                    <a:p>
-                      <a:r>
-                        <a:rPr lang="en-US" dirty="0"/>
-                        <a:t>varchar (25)</a:t>
+                        <a:t>code</a:t>
+                      </a:r>
+                    </a:p>
+                  </a:txBody>
+                  <a:tcPr/>
+                </a:tc>
+                <a:tc>
+                  <a:txBody>
+                    <a:bodyPr/>
+                    <a:lstStyle/>
+                    <a:p>
+                      <a:r>
+                        <a:rPr lang="en-US" dirty="0"/>
+                        <a:t>varchar (3)</a:t>
                       </a:r>
                     </a:p>
                   </a:txBody>
@@ -4021,7 +4021,7 @@
                 </a:tc>
                 <a:extLst>
                   <a:ext uri="{0D108BD9-81ED-4DB2-BD59-A6C34878D82A}">
-                    <a16:rowId xmlns:a16="http://schemas.microsoft.com/office/drawing/2014/main" val="3078694358"/>
+                    <a16:rowId xmlns:a16="http://schemas.microsoft.com/office/drawing/2014/main" val="2154520407"/>
                   </a:ext>
                 </a:extLst>
               </a:tr>
@@ -4033,7 +4033,7 @@
                     <a:p>
                       <a:r>
                         <a:rPr lang="en-US" dirty="0"/>
-                        <a:t>state</a:t>
+                        <a:t>city</a:t>
                       </a:r>
                     </a:p>
                   </a:txBody>
@@ -4054,7 +4054,7 @@
                 </a:tc>
                 <a:extLst>
                   <a:ext uri="{0D108BD9-81ED-4DB2-BD59-A6C34878D82A}">
-                    <a16:rowId xmlns:a16="http://schemas.microsoft.com/office/drawing/2014/main" val="3210784663"/>
+                    <a16:rowId xmlns:a16="http://schemas.microsoft.com/office/drawing/2014/main" val="3643492179"/>
                   </a:ext>
                 </a:extLst>
               </a:tr>
@@ -4066,7 +4066,7 @@
                     <a:p>
                       <a:r>
                         <a:rPr lang="en-US" dirty="0"/>
-                        <a:t>country</a:t>
+                        <a:t>state</a:t>
                       </a:r>
                     </a:p>
                   </a:txBody>
@@ -4087,7 +4087,40 @@
                 </a:tc>
                 <a:extLst>
                   <a:ext uri="{0D108BD9-81ED-4DB2-BD59-A6C34878D82A}">
-                    <a16:rowId xmlns:a16="http://schemas.microsoft.com/office/drawing/2014/main" val="3253480604"/>
+                    <a16:rowId xmlns:a16="http://schemas.microsoft.com/office/drawing/2014/main" val="255412590"/>
+                  </a:ext>
+                </a:extLst>
+              </a:tr>
+              <a:tr h="370840">
+                <a:tc>
+                  <a:txBody>
+                    <a:bodyPr/>
+                    <a:lstStyle/>
+                    <a:p>
+                      <a:r>
+                        <a:rPr lang="en-US" dirty="0"/>
+                        <a:t>country</a:t>
+                      </a:r>
+                    </a:p>
+                  </a:txBody>
+                  <a:tcPr/>
+                </a:tc>
+                <a:tc>
+                  <a:txBody>
+                    <a:bodyPr/>
+                    <a:lstStyle/>
+                    <a:p>
+                      <a:r>
+                        <a:rPr lang="en-US" dirty="0"/>
+                        <a:t>varchar (25)</a:t>
+                      </a:r>
+                    </a:p>
+                  </a:txBody>
+                  <a:tcPr/>
+                </a:tc>
+                <a:extLst>
+                  <a:ext uri="{0D108BD9-81ED-4DB2-BD59-A6C34878D82A}">
+                    <a16:rowId xmlns:a16="http://schemas.microsoft.com/office/drawing/2014/main" val="3971576041"/>
                   </a:ext>
                 </a:extLst>
               </a:tr>
@@ -6148,7 +6181,7 @@
         <p:spPr>
           <a:xfrm flipH="1" flipV="1">
             <a:off x="3714621" y="1559570"/>
-            <a:ext cx="2702768" cy="570172"/>
+            <a:ext cx="2749679" cy="430036"/>
           </a:xfrm>
           <a:prstGeom prst="straightConnector1">
             <a:avLst/>
@@ -6189,7 +6222,7 @@
         <p:spPr>
           <a:xfrm flipH="1" flipV="1">
             <a:off x="3671597" y="1959429"/>
-            <a:ext cx="2745792" cy="170313"/>
+            <a:ext cx="2841430" cy="30177"/>
           </a:xfrm>
           <a:prstGeom prst="straightConnector1">
             <a:avLst/>

--- a/docs/planningdocuments/sql_tables.pptx
+++ b/docs/planningdocuments/sql_tables.pptx
@@ -259,7 +259,7 @@
           <a:p>
             <a:fld id="{D1E294F7-EB46-49F9-8C0F-71C30717E95B}" type="datetimeFigureOut">
               <a:rPr lang="en-US" smtClean="0"/>
-              <a:t>10/7/2023</a:t>
+              <a:t>10/8/2023</a:t>
             </a:fld>
             <a:endParaRPr lang="en-US"/>
           </a:p>
@@ -457,7 +457,7 @@
           <a:p>
             <a:fld id="{D1E294F7-EB46-49F9-8C0F-71C30717E95B}" type="datetimeFigureOut">
               <a:rPr lang="en-US" smtClean="0"/>
-              <a:t>10/7/2023</a:t>
+              <a:t>10/8/2023</a:t>
             </a:fld>
             <a:endParaRPr lang="en-US"/>
           </a:p>
@@ -665,7 +665,7 @@
           <a:p>
             <a:fld id="{D1E294F7-EB46-49F9-8C0F-71C30717E95B}" type="datetimeFigureOut">
               <a:rPr lang="en-US" smtClean="0"/>
-              <a:t>10/7/2023</a:t>
+              <a:t>10/8/2023</a:t>
             </a:fld>
             <a:endParaRPr lang="en-US"/>
           </a:p>
@@ -863,7 +863,7 @@
           <a:p>
             <a:fld id="{D1E294F7-EB46-49F9-8C0F-71C30717E95B}" type="datetimeFigureOut">
               <a:rPr lang="en-US" smtClean="0"/>
-              <a:t>10/7/2023</a:t>
+              <a:t>10/8/2023</a:t>
             </a:fld>
             <a:endParaRPr lang="en-US"/>
           </a:p>
@@ -1138,7 +1138,7 @@
           <a:p>
             <a:fld id="{D1E294F7-EB46-49F9-8C0F-71C30717E95B}" type="datetimeFigureOut">
               <a:rPr lang="en-US" smtClean="0"/>
-              <a:t>10/7/2023</a:t>
+              <a:t>10/8/2023</a:t>
             </a:fld>
             <a:endParaRPr lang="en-US"/>
           </a:p>
@@ -1403,7 +1403,7 @@
           <a:p>
             <a:fld id="{D1E294F7-EB46-49F9-8C0F-71C30717E95B}" type="datetimeFigureOut">
               <a:rPr lang="en-US" smtClean="0"/>
-              <a:t>10/7/2023</a:t>
+              <a:t>10/8/2023</a:t>
             </a:fld>
             <a:endParaRPr lang="en-US"/>
           </a:p>
@@ -1815,7 +1815,7 @@
           <a:p>
             <a:fld id="{D1E294F7-EB46-49F9-8C0F-71C30717E95B}" type="datetimeFigureOut">
               <a:rPr lang="en-US" smtClean="0"/>
-              <a:t>10/7/2023</a:t>
+              <a:t>10/8/2023</a:t>
             </a:fld>
             <a:endParaRPr lang="en-US"/>
           </a:p>
@@ -1956,7 +1956,7 @@
           <a:p>
             <a:fld id="{D1E294F7-EB46-49F9-8C0F-71C30717E95B}" type="datetimeFigureOut">
               <a:rPr lang="en-US" smtClean="0"/>
-              <a:t>10/7/2023</a:t>
+              <a:t>10/8/2023</a:t>
             </a:fld>
             <a:endParaRPr lang="en-US"/>
           </a:p>
@@ -2069,7 +2069,7 @@
           <a:p>
             <a:fld id="{D1E294F7-EB46-49F9-8C0F-71C30717E95B}" type="datetimeFigureOut">
               <a:rPr lang="en-US" smtClean="0"/>
-              <a:t>10/7/2023</a:t>
+              <a:t>10/8/2023</a:t>
             </a:fld>
             <a:endParaRPr lang="en-US"/>
           </a:p>
@@ -2380,7 +2380,7 @@
           <a:p>
             <a:fld id="{D1E294F7-EB46-49F9-8C0F-71C30717E95B}" type="datetimeFigureOut">
               <a:rPr lang="en-US" smtClean="0"/>
-              <a:t>10/7/2023</a:t>
+              <a:t>10/8/2023</a:t>
             </a:fld>
             <a:endParaRPr lang="en-US"/>
           </a:p>
@@ -2668,7 +2668,7 @@
           <a:p>
             <a:fld id="{D1E294F7-EB46-49F9-8C0F-71C30717E95B}" type="datetimeFigureOut">
               <a:rPr lang="en-US" smtClean="0"/>
-              <a:t>10/7/2023</a:t>
+              <a:t>10/8/2023</a:t>
             </a:fld>
             <a:endParaRPr lang="en-US"/>
           </a:p>
@@ -2909,7 +2909,7 @@
           <a:p>
             <a:fld id="{D1E294F7-EB46-49F9-8C0F-71C30717E95B}" type="datetimeFigureOut">
               <a:rPr lang="en-US" smtClean="0"/>
-              <a:t>10/7/2023</a:t>
+              <a:t>10/8/2023</a:t>
             </a:fld>
             <a:endParaRPr lang="en-US"/>
           </a:p>
@@ -4475,14 +4475,14 @@
           <p:nvPr>
             <p:extLst>
               <p:ext uri="{D42A27DB-BD31-4B8C-83A1-F6EECF244321}">
-                <p14:modId xmlns:p14="http://schemas.microsoft.com/office/powerpoint/2010/main" val="3628846411"/>
+                <p14:modId xmlns:p14="http://schemas.microsoft.com/office/powerpoint/2010/main" val="3860777219"/>
               </p:ext>
             </p:extLst>
           </p:nvPr>
         </p:nvGraphicFramePr>
         <p:xfrm>
           <a:off x="679063" y="5701004"/>
-          <a:ext cx="2992534" cy="4820920"/>
+          <a:ext cx="2992534" cy="5191760"/>
         </p:xfrm>
         <a:graphic>
           <a:graphicData uri="http://schemas.openxmlformats.org/drawingml/2006/table">
@@ -4748,6 +4748,40 @@
                     <a:lstStyle/>
                     <a:p>
                       <a:r>
+                        <a:rPr lang="en-US" dirty="0" err="1"/>
+                        <a:t>birth_date</a:t>
+                      </a:r>
+                      <a:endParaRPr lang="en-US" dirty="0"/>
+                    </a:p>
+                  </a:txBody>
+                  <a:tcPr/>
+                </a:tc>
+                <a:tc>
+                  <a:txBody>
+                    <a:bodyPr/>
+                    <a:lstStyle/>
+                    <a:p>
+                      <a:r>
+                        <a:rPr lang="en-US" dirty="0"/>
+                        <a:t>Varchar(10)</a:t>
+                      </a:r>
+                    </a:p>
+                  </a:txBody>
+                  <a:tcPr/>
+                </a:tc>
+                <a:extLst>
+                  <a:ext uri="{0D108BD9-81ED-4DB2-BD59-A6C34878D82A}">
+                    <a16:rowId xmlns:a16="http://schemas.microsoft.com/office/drawing/2014/main" val="3768544886"/>
+                  </a:ext>
+                </a:extLst>
+              </a:tr>
+              <a:tr h="370840">
+                <a:tc>
+                  <a:txBody>
+                    <a:bodyPr/>
+                    <a:lstStyle/>
+                    <a:p>
+                      <a:r>
                         <a:rPr lang="en-US" dirty="0"/>
                         <a:t>address1</a:t>
                       </a:r>
@@ -4770,7 +4804,7 @@
                 </a:tc>
                 <a:extLst>
                   <a:ext uri="{0D108BD9-81ED-4DB2-BD59-A6C34878D82A}">
-                    <a16:rowId xmlns:a16="http://schemas.microsoft.com/office/drawing/2014/main" val="677207371"/>
+                    <a16:rowId xmlns:a16="http://schemas.microsoft.com/office/drawing/2014/main" val="3377071827"/>
                   </a:ext>
                 </a:extLst>
               </a:tr>
@@ -4803,7 +4837,7 @@
                 </a:tc>
                 <a:extLst>
                   <a:ext uri="{0D108BD9-81ED-4DB2-BD59-A6C34878D82A}">
-                    <a16:rowId xmlns:a16="http://schemas.microsoft.com/office/drawing/2014/main" val="2815872472"/>
+                    <a16:rowId xmlns:a16="http://schemas.microsoft.com/office/drawing/2014/main" val="4228609302"/>
                   </a:ext>
                 </a:extLst>
               </a:tr>
@@ -4836,7 +4870,7 @@
                 </a:tc>
                 <a:extLst>
                   <a:ext uri="{0D108BD9-81ED-4DB2-BD59-A6C34878D82A}">
-                    <a16:rowId xmlns:a16="http://schemas.microsoft.com/office/drawing/2014/main" val="3871355782"/>
+                    <a16:rowId xmlns:a16="http://schemas.microsoft.com/office/drawing/2014/main" val="2918449490"/>
                   </a:ext>
                 </a:extLst>
               </a:tr>
@@ -4869,7 +4903,7 @@
                 </a:tc>
                 <a:extLst>
                   <a:ext uri="{0D108BD9-81ED-4DB2-BD59-A6C34878D82A}">
-                    <a16:rowId xmlns:a16="http://schemas.microsoft.com/office/drawing/2014/main" val="2987742536"/>
+                    <a16:rowId xmlns:a16="http://schemas.microsoft.com/office/drawing/2014/main" val="4179262145"/>
                   </a:ext>
                 </a:extLst>
               </a:tr>
@@ -4902,7 +4936,7 @@
                 </a:tc>
                 <a:extLst>
                   <a:ext uri="{0D108BD9-81ED-4DB2-BD59-A6C34878D82A}">
-                    <a16:rowId xmlns:a16="http://schemas.microsoft.com/office/drawing/2014/main" val="2544776199"/>
+                    <a16:rowId xmlns:a16="http://schemas.microsoft.com/office/drawing/2014/main" val="2670752050"/>
                   </a:ext>
                 </a:extLst>
               </a:tr>
@@ -4935,7 +4969,7 @@
                 </a:tc>
                 <a:extLst>
                   <a:ext uri="{0D108BD9-81ED-4DB2-BD59-A6C34878D82A}">
-                    <a16:rowId xmlns:a16="http://schemas.microsoft.com/office/drawing/2014/main" val="2000711348"/>
+                    <a16:rowId xmlns:a16="http://schemas.microsoft.com/office/drawing/2014/main" val="3428873884"/>
                   </a:ext>
                 </a:extLst>
               </a:tr>
@@ -4958,7 +4992,7 @@
           <p:nvPr>
             <p:extLst>
               <p:ext uri="{D42A27DB-BD31-4B8C-83A1-F6EECF244321}">
-                <p14:modId xmlns:p14="http://schemas.microsoft.com/office/powerpoint/2010/main" val="1376154481"/>
+                <p14:modId xmlns:p14="http://schemas.microsoft.com/office/powerpoint/2010/main" val="2595598873"/>
               </p:ext>
             </p:extLst>
           </p:nvPr>
@@ -4996,8 +5030,16 @@
                     <a:lstStyle/>
                     <a:p>
                       <a:r>
+                        <a:rPr lang="en-US" dirty="0"/>
+                        <a:t>u</a:t>
+                      </a:r>
+                      <a:r>
+                        <a:rPr lang="en-US"/>
+                        <a:t>ser</a:t>
+                      </a:r>
+                      <a:r>
                         <a:rPr lang="en-US" dirty="0" err="1"/>
-                        <a:t>User_permission</a:t>
+                        <a:t>_permission</a:t>
                       </a:r>
                       <a:endParaRPr lang="en-US" dirty="0"/>
                     </a:p>
@@ -6579,6 +6621,666 @@
           <a:xfrm>
             <a:off x="3671597" y="752995"/>
             <a:ext cx="859451" cy="4582318"/>
+          </a:xfrm>
+          <a:prstGeom prst="straightConnector1">
+            <a:avLst/>
+          </a:prstGeom>
+          <a:ln>
+            <a:tailEnd type="triangle"/>
+          </a:ln>
+        </p:spPr>
+        <p:style>
+          <a:lnRef idx="1">
+            <a:schemeClr val="accent1"/>
+          </a:lnRef>
+          <a:fillRef idx="0">
+            <a:schemeClr val="accent1"/>
+          </a:fillRef>
+          <a:effectRef idx="0">
+            <a:schemeClr val="accent1"/>
+          </a:effectRef>
+          <a:fontRef idx="minor">
+            <a:schemeClr val="tx1"/>
+          </a:fontRef>
+        </p:style>
+      </p:cxnSp>
+      <p:graphicFrame>
+        <p:nvGraphicFramePr>
+          <p:cNvPr id="11" name="Table 4">
+            <a:extLst>
+              <a:ext uri="{FF2B5EF4-FFF2-40B4-BE49-F238E27FC236}">
+                <a16:creationId xmlns:a16="http://schemas.microsoft.com/office/drawing/2014/main" id="{818EEEBF-40CC-3CF3-F56C-7E19C803E8FE}"/>
+              </a:ext>
+            </a:extLst>
+          </p:cNvPr>
+          <p:cNvGraphicFramePr>
+            <a:graphicFrameLocks noGrp="1"/>
+          </p:cNvGraphicFramePr>
+          <p:nvPr>
+            <p:extLst>
+              <p:ext uri="{D42A27DB-BD31-4B8C-83A1-F6EECF244321}">
+                <p14:modId xmlns:p14="http://schemas.microsoft.com/office/powerpoint/2010/main" val="2322480789"/>
+              </p:ext>
+            </p:extLst>
+          </p:nvPr>
+        </p:nvGraphicFramePr>
+        <p:xfrm>
+          <a:off x="6383795" y="8774590"/>
+          <a:ext cx="2828758" cy="5933440"/>
+        </p:xfrm>
+        <a:graphic>
+          <a:graphicData uri="http://schemas.openxmlformats.org/drawingml/2006/table">
+            <a:tbl>
+              <a:tblPr firstRow="1" bandRow="1">
+                <a:tableStyleId>{5C22544A-7EE6-4342-B048-85BDC9FD1C3A}</a:tableStyleId>
+              </a:tblPr>
+              <a:tblGrid>
+                <a:gridCol w="1414379">
+                  <a:extLst>
+                    <a:ext uri="{9D8B030D-6E8A-4147-A177-3AD203B41FA5}">
+                      <a16:colId xmlns:a16="http://schemas.microsoft.com/office/drawing/2014/main" val="2753936742"/>
+                    </a:ext>
+                  </a:extLst>
+                </a:gridCol>
+                <a:gridCol w="1414379">
+                  <a:extLst>
+                    <a:ext uri="{9D8B030D-6E8A-4147-A177-3AD203B41FA5}">
+                      <a16:colId xmlns:a16="http://schemas.microsoft.com/office/drawing/2014/main" val="2496485342"/>
+                    </a:ext>
+                  </a:extLst>
+                </a:gridCol>
+              </a:tblGrid>
+              <a:tr h="370840">
+                <a:tc>
+                  <a:txBody>
+                    <a:bodyPr/>
+                    <a:lstStyle/>
+                    <a:p>
+                      <a:r>
+                        <a:rPr lang="en-US" dirty="0"/>
+                        <a:t>employees</a:t>
+                      </a:r>
+                    </a:p>
+                  </a:txBody>
+                  <a:tcPr/>
+                </a:tc>
+                <a:tc>
+                  <a:txBody>
+                    <a:bodyPr/>
+                    <a:lstStyle/>
+                    <a:p>
+                      <a:r>
+                        <a:rPr lang="en-US" dirty="0"/>
+                        <a:t>Data type</a:t>
+                      </a:r>
+                    </a:p>
+                  </a:txBody>
+                  <a:tcPr/>
+                </a:tc>
+                <a:extLst>
+                  <a:ext uri="{0D108BD9-81ED-4DB2-BD59-A6C34878D82A}">
+                    <a16:rowId xmlns:a16="http://schemas.microsoft.com/office/drawing/2014/main" val="242075065"/>
+                  </a:ext>
+                </a:extLst>
+              </a:tr>
+              <a:tr h="370840">
+                <a:tc>
+                  <a:txBody>
+                    <a:bodyPr/>
+                    <a:lstStyle/>
+                    <a:p>
+                      <a:r>
+                        <a:rPr lang="en-US" dirty="0"/>
+                        <a:t>EMID</a:t>
+                      </a:r>
+                    </a:p>
+                  </a:txBody>
+                  <a:tcPr/>
+                </a:tc>
+                <a:tc>
+                  <a:txBody>
+                    <a:bodyPr/>
+                    <a:lstStyle/>
+                    <a:p>
+                      <a:r>
+                        <a:rPr lang="en-US" dirty="0"/>
+                        <a:t>int (Primary)</a:t>
+                      </a:r>
+                    </a:p>
+                  </a:txBody>
+                  <a:tcPr/>
+                </a:tc>
+                <a:extLst>
+                  <a:ext uri="{0D108BD9-81ED-4DB2-BD59-A6C34878D82A}">
+                    <a16:rowId xmlns:a16="http://schemas.microsoft.com/office/drawing/2014/main" val="3865372532"/>
+                  </a:ext>
+                </a:extLst>
+              </a:tr>
+              <a:tr h="370840">
+                <a:tc>
+                  <a:txBody>
+                    <a:bodyPr/>
+                    <a:lstStyle/>
+                    <a:p>
+                      <a:r>
+                        <a:rPr lang="en-US" dirty="0"/>
+                        <a:t>ULID</a:t>
+                      </a:r>
+                    </a:p>
+                  </a:txBody>
+                  <a:tcPr/>
+                </a:tc>
+                <a:tc>
+                  <a:txBody>
+                    <a:bodyPr/>
+                    <a:lstStyle/>
+                    <a:p>
+                      <a:r>
+                        <a:rPr lang="en-US" dirty="0"/>
+                        <a:t>int (Index)</a:t>
+                      </a:r>
+                    </a:p>
+                  </a:txBody>
+                  <a:tcPr/>
+                </a:tc>
+                <a:extLst>
+                  <a:ext uri="{0D108BD9-81ED-4DB2-BD59-A6C34878D82A}">
+                    <a16:rowId xmlns:a16="http://schemas.microsoft.com/office/drawing/2014/main" val="1442589501"/>
+                  </a:ext>
+                </a:extLst>
+              </a:tr>
+              <a:tr h="370840">
+                <a:tc>
+                  <a:txBody>
+                    <a:bodyPr/>
+                    <a:lstStyle/>
+                    <a:p>
+                      <a:r>
+                        <a:rPr lang="en-US" dirty="0"/>
+                        <a:t>UPEID</a:t>
+                      </a:r>
+                    </a:p>
+                  </a:txBody>
+                  <a:tcPr/>
+                </a:tc>
+                <a:tc>
+                  <a:txBody>
+                    <a:bodyPr/>
+                    <a:lstStyle/>
+                    <a:p>
+                      <a:r>
+                        <a:rPr lang="en-US" dirty="0"/>
+                        <a:t>int (Index)</a:t>
+                      </a:r>
+                    </a:p>
+                  </a:txBody>
+                  <a:tcPr/>
+                </a:tc>
+                <a:extLst>
+                  <a:ext uri="{0D108BD9-81ED-4DB2-BD59-A6C34878D82A}">
+                    <a16:rowId xmlns:a16="http://schemas.microsoft.com/office/drawing/2014/main" val="1343386187"/>
+                  </a:ext>
+                </a:extLst>
+              </a:tr>
+              <a:tr h="370840">
+                <a:tc>
+                  <a:txBody>
+                    <a:bodyPr/>
+                    <a:lstStyle/>
+                    <a:p>
+                      <a:r>
+                        <a:rPr lang="en-US" dirty="0" err="1"/>
+                        <a:t>f_name</a:t>
+                      </a:r>
+                      <a:endParaRPr lang="en-US" dirty="0"/>
+                    </a:p>
+                  </a:txBody>
+                  <a:tcPr/>
+                </a:tc>
+                <a:tc>
+                  <a:txBody>
+                    <a:bodyPr/>
+                    <a:lstStyle/>
+                    <a:p>
+                      <a:r>
+                        <a:rPr lang="en-US" dirty="0"/>
+                        <a:t>varchar (25)</a:t>
+                      </a:r>
+                    </a:p>
+                  </a:txBody>
+                  <a:tcPr/>
+                </a:tc>
+                <a:extLst>
+                  <a:ext uri="{0D108BD9-81ED-4DB2-BD59-A6C34878D82A}">
+                    <a16:rowId xmlns:a16="http://schemas.microsoft.com/office/drawing/2014/main" val="1670886133"/>
+                  </a:ext>
+                </a:extLst>
+              </a:tr>
+              <a:tr h="370840">
+                <a:tc>
+                  <a:txBody>
+                    <a:bodyPr/>
+                    <a:lstStyle/>
+                    <a:p>
+                      <a:r>
+                        <a:rPr lang="en-US" dirty="0" err="1"/>
+                        <a:t>l_name</a:t>
+                      </a:r>
+                      <a:endParaRPr lang="en-US" dirty="0"/>
+                    </a:p>
+                  </a:txBody>
+                  <a:tcPr/>
+                </a:tc>
+                <a:tc>
+                  <a:txBody>
+                    <a:bodyPr/>
+                    <a:lstStyle/>
+                    <a:p>
+                      <a:r>
+                        <a:rPr lang="en-US" dirty="0"/>
+                        <a:t>varchar (25)</a:t>
+                      </a:r>
+                    </a:p>
+                  </a:txBody>
+                  <a:tcPr/>
+                </a:tc>
+                <a:extLst>
+                  <a:ext uri="{0D108BD9-81ED-4DB2-BD59-A6C34878D82A}">
+                    <a16:rowId xmlns:a16="http://schemas.microsoft.com/office/drawing/2014/main" val="3006281120"/>
+                  </a:ext>
+                </a:extLst>
+              </a:tr>
+              <a:tr h="370840">
+                <a:tc>
+                  <a:txBody>
+                    <a:bodyPr/>
+                    <a:lstStyle/>
+                    <a:p>
+                      <a:r>
+                        <a:rPr lang="en-US" dirty="0"/>
+                        <a:t>position</a:t>
+                      </a:r>
+                    </a:p>
+                  </a:txBody>
+                  <a:tcPr/>
+                </a:tc>
+                <a:tc>
+                  <a:txBody>
+                    <a:bodyPr/>
+                    <a:lstStyle/>
+                    <a:p>
+                      <a:r>
+                        <a:rPr lang="en-US" dirty="0"/>
+                        <a:t>varchar (25)</a:t>
+                      </a:r>
+                    </a:p>
+                  </a:txBody>
+                  <a:tcPr/>
+                </a:tc>
+                <a:extLst>
+                  <a:ext uri="{0D108BD9-81ED-4DB2-BD59-A6C34878D82A}">
+                    <a16:rowId xmlns:a16="http://schemas.microsoft.com/office/drawing/2014/main" val="1120861828"/>
+                  </a:ext>
+                </a:extLst>
+              </a:tr>
+              <a:tr h="370840">
+                <a:tc>
+                  <a:txBody>
+                    <a:bodyPr/>
+                    <a:lstStyle/>
+                    <a:p>
+                      <a:r>
+                        <a:rPr lang="en-US" dirty="0" err="1"/>
+                        <a:t>hire_date</a:t>
+                      </a:r>
+                      <a:endParaRPr lang="en-US" dirty="0"/>
+                    </a:p>
+                  </a:txBody>
+                  <a:tcPr/>
+                </a:tc>
+                <a:tc>
+                  <a:txBody>
+                    <a:bodyPr/>
+                    <a:lstStyle/>
+                    <a:p>
+                      <a:r>
+                        <a:rPr lang="en-US" dirty="0"/>
+                        <a:t>varchar (10)</a:t>
+                      </a:r>
+                    </a:p>
+                  </a:txBody>
+                  <a:tcPr/>
+                </a:tc>
+                <a:extLst>
+                  <a:ext uri="{0D108BD9-81ED-4DB2-BD59-A6C34878D82A}">
+                    <a16:rowId xmlns:a16="http://schemas.microsoft.com/office/drawing/2014/main" val="3062051264"/>
+                  </a:ext>
+                </a:extLst>
+              </a:tr>
+              <a:tr h="370840">
+                <a:tc>
+                  <a:txBody>
+                    <a:bodyPr/>
+                    <a:lstStyle/>
+                    <a:p>
+                      <a:r>
+                        <a:rPr lang="en-US" dirty="0"/>
+                        <a:t>salary</a:t>
+                      </a:r>
+                    </a:p>
+                  </a:txBody>
+                  <a:tcPr/>
+                </a:tc>
+                <a:tc>
+                  <a:txBody>
+                    <a:bodyPr/>
+                    <a:lstStyle/>
+                    <a:p>
+                      <a:r>
+                        <a:rPr lang="en-US" dirty="0"/>
+                        <a:t>double (25)</a:t>
+                      </a:r>
+                    </a:p>
+                  </a:txBody>
+                  <a:tcPr/>
+                </a:tc>
+                <a:extLst>
+                  <a:ext uri="{0D108BD9-81ED-4DB2-BD59-A6C34878D82A}">
+                    <a16:rowId xmlns:a16="http://schemas.microsoft.com/office/drawing/2014/main" val="3001004952"/>
+                  </a:ext>
+                </a:extLst>
+              </a:tr>
+              <a:tr h="370840">
+                <a:tc>
+                  <a:txBody>
+                    <a:bodyPr/>
+                    <a:lstStyle/>
+                    <a:p>
+                      <a:r>
+                        <a:rPr lang="en-US" dirty="0"/>
+                        <a:t>address1</a:t>
+                      </a:r>
+                    </a:p>
+                  </a:txBody>
+                  <a:tcPr/>
+                </a:tc>
+                <a:tc>
+                  <a:txBody>
+                    <a:bodyPr/>
+                    <a:lstStyle/>
+                    <a:p>
+                      <a:r>
+                        <a:rPr lang="en-US" dirty="0"/>
+                        <a:t>varchar (25)</a:t>
+                      </a:r>
+                    </a:p>
+                  </a:txBody>
+                  <a:tcPr/>
+                </a:tc>
+                <a:extLst>
+                  <a:ext uri="{0D108BD9-81ED-4DB2-BD59-A6C34878D82A}">
+                    <a16:rowId xmlns:a16="http://schemas.microsoft.com/office/drawing/2014/main" val="2579551743"/>
+                  </a:ext>
+                </a:extLst>
+              </a:tr>
+              <a:tr h="370840">
+                <a:tc>
+                  <a:txBody>
+                    <a:bodyPr/>
+                    <a:lstStyle/>
+                    <a:p>
+                      <a:r>
+                        <a:rPr lang="en-US" dirty="0"/>
+                        <a:t>address2</a:t>
+                      </a:r>
+                    </a:p>
+                  </a:txBody>
+                  <a:tcPr/>
+                </a:tc>
+                <a:tc>
+                  <a:txBody>
+                    <a:bodyPr/>
+                    <a:lstStyle/>
+                    <a:p>
+                      <a:r>
+                        <a:rPr lang="en-US" dirty="0"/>
+                        <a:t>varchar (25)</a:t>
+                      </a:r>
+                    </a:p>
+                  </a:txBody>
+                  <a:tcPr/>
+                </a:tc>
+                <a:extLst>
+                  <a:ext uri="{0D108BD9-81ED-4DB2-BD59-A6C34878D82A}">
+                    <a16:rowId xmlns:a16="http://schemas.microsoft.com/office/drawing/2014/main" val="4146372605"/>
+                  </a:ext>
+                </a:extLst>
+              </a:tr>
+              <a:tr h="370840">
+                <a:tc>
+                  <a:txBody>
+                    <a:bodyPr/>
+                    <a:lstStyle/>
+                    <a:p>
+                      <a:r>
+                        <a:rPr lang="en-US" dirty="0"/>
+                        <a:t>city</a:t>
+                      </a:r>
+                    </a:p>
+                  </a:txBody>
+                  <a:tcPr/>
+                </a:tc>
+                <a:tc>
+                  <a:txBody>
+                    <a:bodyPr/>
+                    <a:lstStyle/>
+                    <a:p>
+                      <a:r>
+                        <a:rPr lang="en-US" dirty="0"/>
+                        <a:t>varchar (25)</a:t>
+                      </a:r>
+                    </a:p>
+                  </a:txBody>
+                  <a:tcPr/>
+                </a:tc>
+                <a:extLst>
+                  <a:ext uri="{0D108BD9-81ED-4DB2-BD59-A6C34878D82A}">
+                    <a16:rowId xmlns:a16="http://schemas.microsoft.com/office/drawing/2014/main" val="3000073847"/>
+                  </a:ext>
+                </a:extLst>
+              </a:tr>
+              <a:tr h="370840">
+                <a:tc>
+                  <a:txBody>
+                    <a:bodyPr/>
+                    <a:lstStyle/>
+                    <a:p>
+                      <a:r>
+                        <a:rPr lang="en-US" dirty="0"/>
+                        <a:t>state</a:t>
+                      </a:r>
+                    </a:p>
+                  </a:txBody>
+                  <a:tcPr/>
+                </a:tc>
+                <a:tc>
+                  <a:txBody>
+                    <a:bodyPr/>
+                    <a:lstStyle/>
+                    <a:p>
+                      <a:r>
+                        <a:rPr lang="en-US" dirty="0"/>
+                        <a:t>varchar (2)</a:t>
+                      </a:r>
+                    </a:p>
+                  </a:txBody>
+                  <a:tcPr/>
+                </a:tc>
+                <a:extLst>
+                  <a:ext uri="{0D108BD9-81ED-4DB2-BD59-A6C34878D82A}">
+                    <a16:rowId xmlns:a16="http://schemas.microsoft.com/office/drawing/2014/main" val="3515789017"/>
+                  </a:ext>
+                </a:extLst>
+              </a:tr>
+              <a:tr h="370840">
+                <a:tc>
+                  <a:txBody>
+                    <a:bodyPr/>
+                    <a:lstStyle/>
+                    <a:p>
+                      <a:r>
+                        <a:rPr lang="en-US" dirty="0"/>
+                        <a:t>zip</a:t>
+                      </a:r>
+                    </a:p>
+                  </a:txBody>
+                  <a:tcPr/>
+                </a:tc>
+                <a:tc>
+                  <a:txBody>
+                    <a:bodyPr/>
+                    <a:lstStyle/>
+                    <a:p>
+                      <a:r>
+                        <a:rPr lang="en-US" dirty="0"/>
+                        <a:t>varchar (15)</a:t>
+                      </a:r>
+                    </a:p>
+                  </a:txBody>
+                  <a:tcPr/>
+                </a:tc>
+                <a:extLst>
+                  <a:ext uri="{0D108BD9-81ED-4DB2-BD59-A6C34878D82A}">
+                    <a16:rowId xmlns:a16="http://schemas.microsoft.com/office/drawing/2014/main" val="4186800188"/>
+                  </a:ext>
+                </a:extLst>
+              </a:tr>
+              <a:tr h="370840">
+                <a:tc>
+                  <a:txBody>
+                    <a:bodyPr/>
+                    <a:lstStyle/>
+                    <a:p>
+                      <a:r>
+                        <a:rPr lang="en-US" dirty="0"/>
+                        <a:t>phone</a:t>
+                      </a:r>
+                    </a:p>
+                  </a:txBody>
+                  <a:tcPr/>
+                </a:tc>
+                <a:tc>
+                  <a:txBody>
+                    <a:bodyPr/>
+                    <a:lstStyle/>
+                    <a:p>
+                      <a:r>
+                        <a:rPr lang="en-US" dirty="0"/>
+                        <a:t>varchar (15)</a:t>
+                      </a:r>
+                    </a:p>
+                  </a:txBody>
+                  <a:tcPr/>
+                </a:tc>
+                <a:extLst>
+                  <a:ext uri="{0D108BD9-81ED-4DB2-BD59-A6C34878D82A}">
+                    <a16:rowId xmlns:a16="http://schemas.microsoft.com/office/drawing/2014/main" val="831814562"/>
+                  </a:ext>
+                </a:extLst>
+              </a:tr>
+              <a:tr h="370840">
+                <a:tc>
+                  <a:txBody>
+                    <a:bodyPr/>
+                    <a:lstStyle/>
+                    <a:p>
+                      <a:r>
+                        <a:rPr lang="en-US" dirty="0" err="1"/>
+                        <a:t>birth_date</a:t>
+                      </a:r>
+                      <a:endParaRPr lang="en-US" dirty="0"/>
+                    </a:p>
+                  </a:txBody>
+                  <a:tcPr/>
+                </a:tc>
+                <a:tc>
+                  <a:txBody>
+                    <a:bodyPr/>
+                    <a:lstStyle/>
+                    <a:p>
+                      <a:r>
+                        <a:rPr lang="en-US" dirty="0"/>
+                        <a:t>varchar (10)</a:t>
+                      </a:r>
+                    </a:p>
+                  </a:txBody>
+                  <a:tcPr/>
+                </a:tc>
+                <a:extLst>
+                  <a:ext uri="{0D108BD9-81ED-4DB2-BD59-A6C34878D82A}">
+                    <a16:rowId xmlns:a16="http://schemas.microsoft.com/office/drawing/2014/main" val="704636834"/>
+                  </a:ext>
+                </a:extLst>
+              </a:tr>
+            </a:tbl>
+          </a:graphicData>
+        </a:graphic>
+      </p:graphicFrame>
+      <p:cxnSp>
+        <p:nvCxnSpPr>
+          <p:cNvPr id="22" name="Straight Arrow Connector 21">
+            <a:extLst>
+              <a:ext uri="{FF2B5EF4-FFF2-40B4-BE49-F238E27FC236}">
+                <a16:creationId xmlns:a16="http://schemas.microsoft.com/office/drawing/2014/main" id="{FB6CA0F1-459F-FD66-A505-365B9AB3F438}"/>
+              </a:ext>
+            </a:extLst>
+          </p:cNvPr>
+          <p:cNvCxnSpPr/>
+          <p:nvPr/>
+        </p:nvCxnSpPr>
+        <p:spPr>
+          <a:xfrm flipH="1">
+            <a:off x="6383795" y="6231674"/>
+            <a:ext cx="1573143" cy="3509485"/>
+          </a:xfrm>
+          <a:prstGeom prst="straightConnector1">
+            <a:avLst/>
+          </a:prstGeom>
+          <a:ln>
+            <a:tailEnd type="triangle"/>
+          </a:ln>
+        </p:spPr>
+        <p:style>
+          <a:lnRef idx="1">
+            <a:schemeClr val="accent1"/>
+          </a:lnRef>
+          <a:fillRef idx="0">
+            <a:schemeClr val="accent1"/>
+          </a:fillRef>
+          <a:effectRef idx="0">
+            <a:schemeClr val="accent1"/>
+          </a:effectRef>
+          <a:fontRef idx="minor">
+            <a:schemeClr val="tx1"/>
+          </a:fontRef>
+        </p:style>
+      </p:cxnSp>
+      <p:cxnSp>
+        <p:nvCxnSpPr>
+          <p:cNvPr id="25" name="Straight Arrow Connector 24">
+            <a:extLst>
+              <a:ext uri="{FF2B5EF4-FFF2-40B4-BE49-F238E27FC236}">
+                <a16:creationId xmlns:a16="http://schemas.microsoft.com/office/drawing/2014/main" id="{E383AD56-DE6F-9C55-AB82-05FD4805D71E}"/>
+              </a:ext>
+            </a:extLst>
+          </p:cNvPr>
+          <p:cNvCxnSpPr/>
+          <p:nvPr/>
+        </p:nvCxnSpPr>
+        <p:spPr>
+          <a:xfrm>
+            <a:off x="4383315" y="6774024"/>
+            <a:ext cx="2000480" cy="3284376"/>
           </a:xfrm>
           <a:prstGeom prst="straightConnector1">
             <a:avLst/>

--- a/docs/planningdocuments/sql_tables.pptx
+++ b/docs/planningdocuments/sql_tables.pptx
@@ -259,7 +259,7 @@
           <a:p>
             <a:fld id="{D1E294F7-EB46-49F9-8C0F-71C30717E95B}" type="datetimeFigureOut">
               <a:rPr lang="en-US" smtClean="0"/>
-              <a:t>10/8/2023</a:t>
+              <a:t>10/13/2023</a:t>
             </a:fld>
             <a:endParaRPr lang="en-US"/>
           </a:p>
@@ -457,7 +457,7 @@
           <a:p>
             <a:fld id="{D1E294F7-EB46-49F9-8C0F-71C30717E95B}" type="datetimeFigureOut">
               <a:rPr lang="en-US" smtClean="0"/>
-              <a:t>10/8/2023</a:t>
+              <a:t>10/13/2023</a:t>
             </a:fld>
             <a:endParaRPr lang="en-US"/>
           </a:p>
@@ -665,7 +665,7 @@
           <a:p>
             <a:fld id="{D1E294F7-EB46-49F9-8C0F-71C30717E95B}" type="datetimeFigureOut">
               <a:rPr lang="en-US" smtClean="0"/>
-              <a:t>10/8/2023</a:t>
+              <a:t>10/13/2023</a:t>
             </a:fld>
             <a:endParaRPr lang="en-US"/>
           </a:p>
@@ -863,7 +863,7 @@
           <a:p>
             <a:fld id="{D1E294F7-EB46-49F9-8C0F-71C30717E95B}" type="datetimeFigureOut">
               <a:rPr lang="en-US" smtClean="0"/>
-              <a:t>10/8/2023</a:t>
+              <a:t>10/13/2023</a:t>
             </a:fld>
             <a:endParaRPr lang="en-US"/>
           </a:p>
@@ -1138,7 +1138,7 @@
           <a:p>
             <a:fld id="{D1E294F7-EB46-49F9-8C0F-71C30717E95B}" type="datetimeFigureOut">
               <a:rPr lang="en-US" smtClean="0"/>
-              <a:t>10/8/2023</a:t>
+              <a:t>10/13/2023</a:t>
             </a:fld>
             <a:endParaRPr lang="en-US"/>
           </a:p>
@@ -1403,7 +1403,7 @@
           <a:p>
             <a:fld id="{D1E294F7-EB46-49F9-8C0F-71C30717E95B}" type="datetimeFigureOut">
               <a:rPr lang="en-US" smtClean="0"/>
-              <a:t>10/8/2023</a:t>
+              <a:t>10/13/2023</a:t>
             </a:fld>
             <a:endParaRPr lang="en-US"/>
           </a:p>
@@ -1815,7 +1815,7 @@
           <a:p>
             <a:fld id="{D1E294F7-EB46-49F9-8C0F-71C30717E95B}" type="datetimeFigureOut">
               <a:rPr lang="en-US" smtClean="0"/>
-              <a:t>10/8/2023</a:t>
+              <a:t>10/13/2023</a:t>
             </a:fld>
             <a:endParaRPr lang="en-US"/>
           </a:p>
@@ -1956,7 +1956,7 @@
           <a:p>
             <a:fld id="{D1E294F7-EB46-49F9-8C0F-71C30717E95B}" type="datetimeFigureOut">
               <a:rPr lang="en-US" smtClean="0"/>
-              <a:t>10/8/2023</a:t>
+              <a:t>10/13/2023</a:t>
             </a:fld>
             <a:endParaRPr lang="en-US"/>
           </a:p>
@@ -2069,7 +2069,7 @@
           <a:p>
             <a:fld id="{D1E294F7-EB46-49F9-8C0F-71C30717E95B}" type="datetimeFigureOut">
               <a:rPr lang="en-US" smtClean="0"/>
-              <a:t>10/8/2023</a:t>
+              <a:t>10/13/2023</a:t>
             </a:fld>
             <a:endParaRPr lang="en-US"/>
           </a:p>
@@ -2380,7 +2380,7 @@
           <a:p>
             <a:fld id="{D1E294F7-EB46-49F9-8C0F-71C30717E95B}" type="datetimeFigureOut">
               <a:rPr lang="en-US" smtClean="0"/>
-              <a:t>10/8/2023</a:t>
+              <a:t>10/13/2023</a:t>
             </a:fld>
             <a:endParaRPr lang="en-US"/>
           </a:p>
@@ -2668,7 +2668,7 @@
           <a:p>
             <a:fld id="{D1E294F7-EB46-49F9-8C0F-71C30717E95B}" type="datetimeFigureOut">
               <a:rPr lang="en-US" smtClean="0"/>
-              <a:t>10/8/2023</a:t>
+              <a:t>10/13/2023</a:t>
             </a:fld>
             <a:endParaRPr lang="en-US"/>
           </a:p>
@@ -2909,7 +2909,7 @@
           <a:p>
             <a:fld id="{D1E294F7-EB46-49F9-8C0F-71C30717E95B}" type="datetimeFigureOut">
               <a:rPr lang="en-US" smtClean="0"/>
-              <a:t>10/8/2023</a:t>
+              <a:t>10/13/2023</a:t>
             </a:fld>
             <a:endParaRPr lang="en-US"/>
           </a:p>
@@ -3341,7 +3341,7 @@
           <p:nvPr>
             <p:extLst>
               <p:ext uri="{D42A27DB-BD31-4B8C-83A1-F6EECF244321}">
-                <p14:modId xmlns:p14="http://schemas.microsoft.com/office/powerpoint/2010/main" val="3416753678"/>
+                <p14:modId xmlns:p14="http://schemas.microsoft.com/office/powerpoint/2010/main" val="3960001403"/>
               </p:ext>
             </p:extLst>
           </p:nvPr>
@@ -3862,7 +3862,7 @@
           <p:nvPr>
             <p:extLst>
               <p:ext uri="{D42A27DB-BD31-4B8C-83A1-F6EECF244321}">
-                <p14:modId xmlns:p14="http://schemas.microsoft.com/office/powerpoint/2010/main" val="3880638282"/>
+                <p14:modId xmlns:p14="http://schemas.microsoft.com/office/powerpoint/2010/main" val="2905202876"/>
               </p:ext>
             </p:extLst>
           </p:nvPr>
@@ -4143,7 +4143,7 @@
           <p:nvPr>
             <p:extLst>
               <p:ext uri="{D42A27DB-BD31-4B8C-83A1-F6EECF244321}">
-                <p14:modId xmlns:p14="http://schemas.microsoft.com/office/powerpoint/2010/main" val="793508434"/>
+                <p14:modId xmlns:p14="http://schemas.microsoft.com/office/powerpoint/2010/main" val="2833736179"/>
               </p:ext>
             </p:extLst>
           </p:nvPr>
@@ -4292,7 +4292,7 @@
           <p:nvPr>
             <p:extLst>
               <p:ext uri="{D42A27DB-BD31-4B8C-83A1-F6EECF244321}">
-                <p14:modId xmlns:p14="http://schemas.microsoft.com/office/powerpoint/2010/main" val="4096896880"/>
+                <p14:modId xmlns:p14="http://schemas.microsoft.com/office/powerpoint/2010/main" val="338093451"/>
               </p:ext>
             </p:extLst>
           </p:nvPr>
@@ -4475,7 +4475,7 @@
           <p:nvPr>
             <p:extLst>
               <p:ext uri="{D42A27DB-BD31-4B8C-83A1-F6EECF244321}">
-                <p14:modId xmlns:p14="http://schemas.microsoft.com/office/powerpoint/2010/main" val="3860777219"/>
+                <p14:modId xmlns:p14="http://schemas.microsoft.com/office/powerpoint/2010/main" val="2352318153"/>
               </p:ext>
             </p:extLst>
           </p:nvPr>
@@ -4992,7 +4992,7 @@
           <p:nvPr>
             <p:extLst>
               <p:ext uri="{D42A27DB-BD31-4B8C-83A1-F6EECF244321}">
-                <p14:modId xmlns:p14="http://schemas.microsoft.com/office/powerpoint/2010/main" val="2595598873"/>
+                <p14:modId xmlns:p14="http://schemas.microsoft.com/office/powerpoint/2010/main" val="1212558338"/>
               </p:ext>
             </p:extLst>
           </p:nvPr>
@@ -5252,7 +5252,7 @@
           <p:nvPr>
             <p:extLst>
               <p:ext uri="{D42A27DB-BD31-4B8C-83A1-F6EECF244321}">
-                <p14:modId xmlns:p14="http://schemas.microsoft.com/office/powerpoint/2010/main" val="2143261708"/>
+                <p14:modId xmlns:p14="http://schemas.microsoft.com/office/powerpoint/2010/main" val="1993330916"/>
               </p:ext>
             </p:extLst>
           </p:nvPr>
@@ -5435,7 +5435,7 @@
           <p:nvPr>
             <p:extLst>
               <p:ext uri="{D42A27DB-BD31-4B8C-83A1-F6EECF244321}">
-                <p14:modId xmlns:p14="http://schemas.microsoft.com/office/powerpoint/2010/main" val="3516900749"/>
+                <p14:modId xmlns:p14="http://schemas.microsoft.com/office/powerpoint/2010/main" val="2781184491"/>
               </p:ext>
             </p:extLst>
           </p:nvPr>
@@ -6297,7 +6297,9 @@
               </a:ext>
             </a:extLst>
           </p:cNvPr>
-          <p:cNvCxnSpPr/>
+          <p:cNvCxnSpPr>
+            <a:cxnSpLocks/>
+          </p:cNvCxnSpPr>
           <p:nvPr/>
         </p:nvCxnSpPr>
         <p:spPr>
@@ -6336,7 +6338,9 @@
               </a:ext>
             </a:extLst>
           </p:cNvPr>
-          <p:cNvCxnSpPr/>
+          <p:cNvCxnSpPr>
+            <a:cxnSpLocks/>
+          </p:cNvCxnSpPr>
           <p:nvPr/>
         </p:nvCxnSpPr>
         <p:spPr>
@@ -6375,7 +6379,9 @@
               </a:ext>
             </a:extLst>
           </p:cNvPr>
-          <p:cNvCxnSpPr/>
+          <p:cNvCxnSpPr>
+            <a:cxnSpLocks/>
+          </p:cNvCxnSpPr>
           <p:nvPr/>
         </p:nvCxnSpPr>
         <p:spPr>
@@ -6414,7 +6420,9 @@
               </a:ext>
             </a:extLst>
           </p:cNvPr>
-          <p:cNvCxnSpPr/>
+          <p:cNvCxnSpPr>
+            <a:cxnSpLocks/>
+          </p:cNvCxnSpPr>
           <p:nvPr/>
         </p:nvCxnSpPr>
         <p:spPr>
@@ -6453,7 +6461,9 @@
               </a:ext>
             </a:extLst>
           </p:cNvPr>
-          <p:cNvCxnSpPr/>
+          <p:cNvCxnSpPr>
+            <a:cxnSpLocks/>
+          </p:cNvCxnSpPr>
           <p:nvPr/>
         </p:nvCxnSpPr>
         <p:spPr>
@@ -6492,7 +6502,9 @@
               </a:ext>
             </a:extLst>
           </p:cNvPr>
-          <p:cNvCxnSpPr/>
+          <p:cNvCxnSpPr>
+            <a:cxnSpLocks/>
+          </p:cNvCxnSpPr>
           <p:nvPr/>
         </p:nvCxnSpPr>
         <p:spPr>
@@ -6531,7 +6543,9 @@
               </a:ext>
             </a:extLst>
           </p:cNvPr>
-          <p:cNvCxnSpPr/>
+          <p:cNvCxnSpPr>
+            <a:cxnSpLocks/>
+          </p:cNvCxnSpPr>
           <p:nvPr/>
         </p:nvCxnSpPr>
         <p:spPr>
@@ -7235,7 +7249,9 @@
               </a:ext>
             </a:extLst>
           </p:cNvPr>
-          <p:cNvCxnSpPr/>
+          <p:cNvCxnSpPr>
+            <a:cxnSpLocks/>
+          </p:cNvCxnSpPr>
           <p:nvPr/>
         </p:nvCxnSpPr>
         <p:spPr>
@@ -7274,7 +7290,9 @@
               </a:ext>
             </a:extLst>
           </p:cNvPr>
-          <p:cNvCxnSpPr/>
+          <p:cNvCxnSpPr>
+            <a:cxnSpLocks/>
+          </p:cNvCxnSpPr>
           <p:nvPr/>
         </p:nvCxnSpPr>
         <p:spPr>

--- a/docs/planningdocuments/sql_tables.pptx
+++ b/docs/planningdocuments/sql_tables.pptx
@@ -259,7 +259,7 @@
           <a:p>
             <a:fld id="{D1E294F7-EB46-49F9-8C0F-71C30717E95B}" type="datetimeFigureOut">
               <a:rPr lang="en-US" smtClean="0"/>
-              <a:t>10/13/2023</a:t>
+              <a:t>10/8/2023</a:t>
             </a:fld>
             <a:endParaRPr lang="en-US"/>
           </a:p>
@@ -457,7 +457,7 @@
           <a:p>
             <a:fld id="{D1E294F7-EB46-49F9-8C0F-71C30717E95B}" type="datetimeFigureOut">
               <a:rPr lang="en-US" smtClean="0"/>
-              <a:t>10/13/2023</a:t>
+              <a:t>10/8/2023</a:t>
             </a:fld>
             <a:endParaRPr lang="en-US"/>
           </a:p>
@@ -665,7 +665,7 @@
           <a:p>
             <a:fld id="{D1E294F7-EB46-49F9-8C0F-71C30717E95B}" type="datetimeFigureOut">
               <a:rPr lang="en-US" smtClean="0"/>
-              <a:t>10/13/2023</a:t>
+              <a:t>10/8/2023</a:t>
             </a:fld>
             <a:endParaRPr lang="en-US"/>
           </a:p>
@@ -863,7 +863,7 @@
           <a:p>
             <a:fld id="{D1E294F7-EB46-49F9-8C0F-71C30717E95B}" type="datetimeFigureOut">
               <a:rPr lang="en-US" smtClean="0"/>
-              <a:t>10/13/2023</a:t>
+              <a:t>10/8/2023</a:t>
             </a:fld>
             <a:endParaRPr lang="en-US"/>
           </a:p>
@@ -1138,7 +1138,7 @@
           <a:p>
             <a:fld id="{D1E294F7-EB46-49F9-8C0F-71C30717E95B}" type="datetimeFigureOut">
               <a:rPr lang="en-US" smtClean="0"/>
-              <a:t>10/13/2023</a:t>
+              <a:t>10/8/2023</a:t>
             </a:fld>
             <a:endParaRPr lang="en-US"/>
           </a:p>
@@ -1403,7 +1403,7 @@
           <a:p>
             <a:fld id="{D1E294F7-EB46-49F9-8C0F-71C30717E95B}" type="datetimeFigureOut">
               <a:rPr lang="en-US" smtClean="0"/>
-              <a:t>10/13/2023</a:t>
+              <a:t>10/8/2023</a:t>
             </a:fld>
             <a:endParaRPr lang="en-US"/>
           </a:p>
@@ -1815,7 +1815,7 @@
           <a:p>
             <a:fld id="{D1E294F7-EB46-49F9-8C0F-71C30717E95B}" type="datetimeFigureOut">
               <a:rPr lang="en-US" smtClean="0"/>
-              <a:t>10/13/2023</a:t>
+              <a:t>10/8/2023</a:t>
             </a:fld>
             <a:endParaRPr lang="en-US"/>
           </a:p>
@@ -1956,7 +1956,7 @@
           <a:p>
             <a:fld id="{D1E294F7-EB46-49F9-8C0F-71C30717E95B}" type="datetimeFigureOut">
               <a:rPr lang="en-US" smtClean="0"/>
-              <a:t>10/13/2023</a:t>
+              <a:t>10/8/2023</a:t>
             </a:fld>
             <a:endParaRPr lang="en-US"/>
           </a:p>
@@ -2069,7 +2069,7 @@
           <a:p>
             <a:fld id="{D1E294F7-EB46-49F9-8C0F-71C30717E95B}" type="datetimeFigureOut">
               <a:rPr lang="en-US" smtClean="0"/>
-              <a:t>10/13/2023</a:t>
+              <a:t>10/8/2023</a:t>
             </a:fld>
             <a:endParaRPr lang="en-US"/>
           </a:p>
@@ -2380,7 +2380,7 @@
           <a:p>
             <a:fld id="{D1E294F7-EB46-49F9-8C0F-71C30717E95B}" type="datetimeFigureOut">
               <a:rPr lang="en-US" smtClean="0"/>
-              <a:t>10/13/2023</a:t>
+              <a:t>10/8/2023</a:t>
             </a:fld>
             <a:endParaRPr lang="en-US"/>
           </a:p>
@@ -2668,7 +2668,7 @@
           <a:p>
             <a:fld id="{D1E294F7-EB46-49F9-8C0F-71C30717E95B}" type="datetimeFigureOut">
               <a:rPr lang="en-US" smtClean="0"/>
-              <a:t>10/13/2023</a:t>
+              <a:t>10/8/2023</a:t>
             </a:fld>
             <a:endParaRPr lang="en-US"/>
           </a:p>
@@ -2909,7 +2909,7 @@
           <a:p>
             <a:fld id="{D1E294F7-EB46-49F9-8C0F-71C30717E95B}" type="datetimeFigureOut">
               <a:rPr lang="en-US" smtClean="0"/>
-              <a:t>10/13/2023</a:t>
+              <a:t>10/8/2023</a:t>
             </a:fld>
             <a:endParaRPr lang="en-US"/>
           </a:p>
@@ -3341,7 +3341,7 @@
           <p:nvPr>
             <p:extLst>
               <p:ext uri="{D42A27DB-BD31-4B8C-83A1-F6EECF244321}">
-                <p14:modId xmlns:p14="http://schemas.microsoft.com/office/powerpoint/2010/main" val="3960001403"/>
+                <p14:modId xmlns:p14="http://schemas.microsoft.com/office/powerpoint/2010/main" val="3416753678"/>
               </p:ext>
             </p:extLst>
           </p:nvPr>
@@ -3862,7 +3862,7 @@
           <p:nvPr>
             <p:extLst>
               <p:ext uri="{D42A27DB-BD31-4B8C-83A1-F6EECF244321}">
-                <p14:modId xmlns:p14="http://schemas.microsoft.com/office/powerpoint/2010/main" val="2905202876"/>
+                <p14:modId xmlns:p14="http://schemas.microsoft.com/office/powerpoint/2010/main" val="3880638282"/>
               </p:ext>
             </p:extLst>
           </p:nvPr>
@@ -4143,7 +4143,7 @@
           <p:nvPr>
             <p:extLst>
               <p:ext uri="{D42A27DB-BD31-4B8C-83A1-F6EECF244321}">
-                <p14:modId xmlns:p14="http://schemas.microsoft.com/office/powerpoint/2010/main" val="2833736179"/>
+                <p14:modId xmlns:p14="http://schemas.microsoft.com/office/powerpoint/2010/main" val="793508434"/>
               </p:ext>
             </p:extLst>
           </p:nvPr>
@@ -4292,7 +4292,7 @@
           <p:nvPr>
             <p:extLst>
               <p:ext uri="{D42A27DB-BD31-4B8C-83A1-F6EECF244321}">
-                <p14:modId xmlns:p14="http://schemas.microsoft.com/office/powerpoint/2010/main" val="338093451"/>
+                <p14:modId xmlns:p14="http://schemas.microsoft.com/office/powerpoint/2010/main" val="4096896880"/>
               </p:ext>
             </p:extLst>
           </p:nvPr>
@@ -4475,7 +4475,7 @@
           <p:nvPr>
             <p:extLst>
               <p:ext uri="{D42A27DB-BD31-4B8C-83A1-F6EECF244321}">
-                <p14:modId xmlns:p14="http://schemas.microsoft.com/office/powerpoint/2010/main" val="2352318153"/>
+                <p14:modId xmlns:p14="http://schemas.microsoft.com/office/powerpoint/2010/main" val="3860777219"/>
               </p:ext>
             </p:extLst>
           </p:nvPr>
@@ -4992,7 +4992,7 @@
           <p:nvPr>
             <p:extLst>
               <p:ext uri="{D42A27DB-BD31-4B8C-83A1-F6EECF244321}">
-                <p14:modId xmlns:p14="http://schemas.microsoft.com/office/powerpoint/2010/main" val="1212558338"/>
+                <p14:modId xmlns:p14="http://schemas.microsoft.com/office/powerpoint/2010/main" val="2595598873"/>
               </p:ext>
             </p:extLst>
           </p:nvPr>
@@ -5252,7 +5252,7 @@
           <p:nvPr>
             <p:extLst>
               <p:ext uri="{D42A27DB-BD31-4B8C-83A1-F6EECF244321}">
-                <p14:modId xmlns:p14="http://schemas.microsoft.com/office/powerpoint/2010/main" val="1993330916"/>
+                <p14:modId xmlns:p14="http://schemas.microsoft.com/office/powerpoint/2010/main" val="2143261708"/>
               </p:ext>
             </p:extLst>
           </p:nvPr>
@@ -5435,7 +5435,7 @@
           <p:nvPr>
             <p:extLst>
               <p:ext uri="{D42A27DB-BD31-4B8C-83A1-F6EECF244321}">
-                <p14:modId xmlns:p14="http://schemas.microsoft.com/office/powerpoint/2010/main" val="2781184491"/>
+                <p14:modId xmlns:p14="http://schemas.microsoft.com/office/powerpoint/2010/main" val="3516900749"/>
               </p:ext>
             </p:extLst>
           </p:nvPr>
@@ -6297,9 +6297,7 @@
               </a:ext>
             </a:extLst>
           </p:cNvPr>
-          <p:cNvCxnSpPr>
-            <a:cxnSpLocks/>
-          </p:cNvCxnSpPr>
+          <p:cNvCxnSpPr/>
           <p:nvPr/>
         </p:nvCxnSpPr>
         <p:spPr>
@@ -6338,9 +6336,7 @@
               </a:ext>
             </a:extLst>
           </p:cNvPr>
-          <p:cNvCxnSpPr>
-            <a:cxnSpLocks/>
-          </p:cNvCxnSpPr>
+          <p:cNvCxnSpPr/>
           <p:nvPr/>
         </p:nvCxnSpPr>
         <p:spPr>
@@ -6379,9 +6375,7 @@
               </a:ext>
             </a:extLst>
           </p:cNvPr>
-          <p:cNvCxnSpPr>
-            <a:cxnSpLocks/>
-          </p:cNvCxnSpPr>
+          <p:cNvCxnSpPr/>
           <p:nvPr/>
         </p:nvCxnSpPr>
         <p:spPr>
@@ -6420,9 +6414,7 @@
               </a:ext>
             </a:extLst>
           </p:cNvPr>
-          <p:cNvCxnSpPr>
-            <a:cxnSpLocks/>
-          </p:cNvCxnSpPr>
+          <p:cNvCxnSpPr/>
           <p:nvPr/>
         </p:nvCxnSpPr>
         <p:spPr>
@@ -6461,9 +6453,7 @@
               </a:ext>
             </a:extLst>
           </p:cNvPr>
-          <p:cNvCxnSpPr>
-            <a:cxnSpLocks/>
-          </p:cNvCxnSpPr>
+          <p:cNvCxnSpPr/>
           <p:nvPr/>
         </p:nvCxnSpPr>
         <p:spPr>
@@ -6502,9 +6492,7 @@
               </a:ext>
             </a:extLst>
           </p:cNvPr>
-          <p:cNvCxnSpPr>
-            <a:cxnSpLocks/>
-          </p:cNvCxnSpPr>
+          <p:cNvCxnSpPr/>
           <p:nvPr/>
         </p:nvCxnSpPr>
         <p:spPr>
@@ -6543,9 +6531,7 @@
               </a:ext>
             </a:extLst>
           </p:cNvPr>
-          <p:cNvCxnSpPr>
-            <a:cxnSpLocks/>
-          </p:cNvCxnSpPr>
+          <p:cNvCxnSpPr/>
           <p:nvPr/>
         </p:nvCxnSpPr>
         <p:spPr>
@@ -7249,9 +7235,7 @@
               </a:ext>
             </a:extLst>
           </p:cNvPr>
-          <p:cNvCxnSpPr>
-            <a:cxnSpLocks/>
-          </p:cNvCxnSpPr>
+          <p:cNvCxnSpPr/>
           <p:nvPr/>
         </p:nvCxnSpPr>
         <p:spPr>
@@ -7290,9 +7274,7 @@
               </a:ext>
             </a:extLst>
           </p:cNvPr>
-          <p:cNvCxnSpPr>
-            <a:cxnSpLocks/>
-          </p:cNvCxnSpPr>
+          <p:cNvCxnSpPr/>
           <p:nvPr/>
         </p:nvCxnSpPr>
         <p:spPr>

--- a/docs/planningdocuments/sql_tables.pptx
+++ b/docs/planningdocuments/sql_tables.pptx
@@ -259,7 +259,7 @@
           <a:p>
             <a:fld id="{D1E294F7-EB46-49F9-8C0F-71C30717E95B}" type="datetimeFigureOut">
               <a:rPr lang="en-US" smtClean="0"/>
-              <a:t>10/8/2023</a:t>
+              <a:t>10/18/2023</a:t>
             </a:fld>
             <a:endParaRPr lang="en-US"/>
           </a:p>
@@ -457,7 +457,7 @@
           <a:p>
             <a:fld id="{D1E294F7-EB46-49F9-8C0F-71C30717E95B}" type="datetimeFigureOut">
               <a:rPr lang="en-US" smtClean="0"/>
-              <a:t>10/8/2023</a:t>
+              <a:t>10/18/2023</a:t>
             </a:fld>
             <a:endParaRPr lang="en-US"/>
           </a:p>
@@ -665,7 +665,7 @@
           <a:p>
             <a:fld id="{D1E294F7-EB46-49F9-8C0F-71C30717E95B}" type="datetimeFigureOut">
               <a:rPr lang="en-US" smtClean="0"/>
-              <a:t>10/8/2023</a:t>
+              <a:t>10/18/2023</a:t>
             </a:fld>
             <a:endParaRPr lang="en-US"/>
           </a:p>
@@ -863,7 +863,7 @@
           <a:p>
             <a:fld id="{D1E294F7-EB46-49F9-8C0F-71C30717E95B}" type="datetimeFigureOut">
               <a:rPr lang="en-US" smtClean="0"/>
-              <a:t>10/8/2023</a:t>
+              <a:t>10/18/2023</a:t>
             </a:fld>
             <a:endParaRPr lang="en-US"/>
           </a:p>
@@ -1138,7 +1138,7 @@
           <a:p>
             <a:fld id="{D1E294F7-EB46-49F9-8C0F-71C30717E95B}" type="datetimeFigureOut">
               <a:rPr lang="en-US" smtClean="0"/>
-              <a:t>10/8/2023</a:t>
+              <a:t>10/18/2023</a:t>
             </a:fld>
             <a:endParaRPr lang="en-US"/>
           </a:p>
@@ -1403,7 +1403,7 @@
           <a:p>
             <a:fld id="{D1E294F7-EB46-49F9-8C0F-71C30717E95B}" type="datetimeFigureOut">
               <a:rPr lang="en-US" smtClean="0"/>
-              <a:t>10/8/2023</a:t>
+              <a:t>10/18/2023</a:t>
             </a:fld>
             <a:endParaRPr lang="en-US"/>
           </a:p>
@@ -1815,7 +1815,7 @@
           <a:p>
             <a:fld id="{D1E294F7-EB46-49F9-8C0F-71C30717E95B}" type="datetimeFigureOut">
               <a:rPr lang="en-US" smtClean="0"/>
-              <a:t>10/8/2023</a:t>
+              <a:t>10/18/2023</a:t>
             </a:fld>
             <a:endParaRPr lang="en-US"/>
           </a:p>
@@ -1956,7 +1956,7 @@
           <a:p>
             <a:fld id="{D1E294F7-EB46-49F9-8C0F-71C30717E95B}" type="datetimeFigureOut">
               <a:rPr lang="en-US" smtClean="0"/>
-              <a:t>10/8/2023</a:t>
+              <a:t>10/18/2023</a:t>
             </a:fld>
             <a:endParaRPr lang="en-US"/>
           </a:p>
@@ -2069,7 +2069,7 @@
           <a:p>
             <a:fld id="{D1E294F7-EB46-49F9-8C0F-71C30717E95B}" type="datetimeFigureOut">
               <a:rPr lang="en-US" smtClean="0"/>
-              <a:t>10/8/2023</a:t>
+              <a:t>10/18/2023</a:t>
             </a:fld>
             <a:endParaRPr lang="en-US"/>
           </a:p>
@@ -2380,7 +2380,7 @@
           <a:p>
             <a:fld id="{D1E294F7-EB46-49F9-8C0F-71C30717E95B}" type="datetimeFigureOut">
               <a:rPr lang="en-US" smtClean="0"/>
-              <a:t>10/8/2023</a:t>
+              <a:t>10/18/2023</a:t>
             </a:fld>
             <a:endParaRPr lang="en-US"/>
           </a:p>
@@ -2668,7 +2668,7 @@
           <a:p>
             <a:fld id="{D1E294F7-EB46-49F9-8C0F-71C30717E95B}" type="datetimeFigureOut">
               <a:rPr lang="en-US" smtClean="0"/>
-              <a:t>10/8/2023</a:t>
+              <a:t>10/18/2023</a:t>
             </a:fld>
             <a:endParaRPr lang="en-US"/>
           </a:p>
@@ -2909,7 +2909,7 @@
           <a:p>
             <a:fld id="{D1E294F7-EB46-49F9-8C0F-71C30717E95B}" type="datetimeFigureOut">
               <a:rPr lang="en-US" smtClean="0"/>
-              <a:t>10/8/2023</a:t>
+              <a:t>10/18/2023</a:t>
             </a:fld>
             <a:endParaRPr lang="en-US"/>
           </a:p>
@@ -5971,13 +5971,13 @@
           <p:nvPr>
             <p:extLst>
               <p:ext uri="{D42A27DB-BD31-4B8C-83A1-F6EECF244321}">
-                <p14:modId xmlns:p14="http://schemas.microsoft.com/office/powerpoint/2010/main" val="2438212029"/>
+                <p14:modId xmlns:p14="http://schemas.microsoft.com/office/powerpoint/2010/main" val="2232654262"/>
               </p:ext>
             </p:extLst>
           </p:nvPr>
         </p:nvGraphicFramePr>
         <p:xfrm>
-          <a:off x="10938068" y="6998944"/>
+          <a:off x="10938068" y="7247864"/>
           <a:ext cx="2838580" cy="2225040"/>
         </p:xfrm>
         <a:graphic>
@@ -7281,6 +7281,294 @@
           <a:xfrm>
             <a:off x="4383315" y="6774024"/>
             <a:ext cx="2000480" cy="3284376"/>
+          </a:xfrm>
+          <a:prstGeom prst="straightConnector1">
+            <a:avLst/>
+          </a:prstGeom>
+          <a:ln>
+            <a:tailEnd type="triangle"/>
+          </a:ln>
+        </p:spPr>
+        <p:style>
+          <a:lnRef idx="1">
+            <a:schemeClr val="accent1"/>
+          </a:lnRef>
+          <a:fillRef idx="0">
+            <a:schemeClr val="accent1"/>
+          </a:fillRef>
+          <a:effectRef idx="0">
+            <a:schemeClr val="accent1"/>
+          </a:effectRef>
+          <a:fontRef idx="minor">
+            <a:schemeClr val="tx1"/>
+          </a:fontRef>
+        </p:style>
+      </p:cxnSp>
+      <p:graphicFrame>
+        <p:nvGraphicFramePr>
+          <p:cNvPr id="14" name="Table 10">
+            <a:extLst>
+              <a:ext uri="{FF2B5EF4-FFF2-40B4-BE49-F238E27FC236}">
+                <a16:creationId xmlns:a16="http://schemas.microsoft.com/office/drawing/2014/main" id="{C57B0A58-241E-9B20-BA68-C5B2A34790EB}"/>
+              </a:ext>
+            </a:extLst>
+          </p:cNvPr>
+          <p:cNvGraphicFramePr>
+            <a:graphicFrameLocks noGrp="1"/>
+          </p:cNvGraphicFramePr>
+          <p:nvPr>
+            <p:extLst>
+              <p:ext uri="{D42A27DB-BD31-4B8C-83A1-F6EECF244321}">
+                <p14:modId xmlns:p14="http://schemas.microsoft.com/office/powerpoint/2010/main" val="1463942838"/>
+              </p:ext>
+            </p:extLst>
+          </p:nvPr>
+        </p:nvGraphicFramePr>
+        <p:xfrm>
+          <a:off x="10994831" y="10400765"/>
+          <a:ext cx="2838580" cy="2225040"/>
+        </p:xfrm>
+        <a:graphic>
+          <a:graphicData uri="http://schemas.openxmlformats.org/drawingml/2006/table">
+            <a:tbl>
+              <a:tblPr firstRow="1" bandRow="1">
+                <a:tableStyleId>{5C22544A-7EE6-4342-B048-85BDC9FD1C3A}</a:tableStyleId>
+              </a:tblPr>
+              <a:tblGrid>
+                <a:gridCol w="1457649">
+                  <a:extLst>
+                    <a:ext uri="{9D8B030D-6E8A-4147-A177-3AD203B41FA5}">
+                      <a16:colId xmlns:a16="http://schemas.microsoft.com/office/drawing/2014/main" val="1794263055"/>
+                    </a:ext>
+                  </a:extLst>
+                </a:gridCol>
+                <a:gridCol w="1380931">
+                  <a:extLst>
+                    <a:ext uri="{9D8B030D-6E8A-4147-A177-3AD203B41FA5}">
+                      <a16:colId xmlns:a16="http://schemas.microsoft.com/office/drawing/2014/main" val="422875524"/>
+                    </a:ext>
+                  </a:extLst>
+                </a:gridCol>
+              </a:tblGrid>
+              <a:tr h="370840">
+                <a:tc>
+                  <a:txBody>
+                    <a:bodyPr/>
+                    <a:lstStyle/>
+                    <a:p>
+                      <a:r>
+                        <a:rPr lang="en-US" dirty="0"/>
+                        <a:t>Transactions</a:t>
+                      </a:r>
+                    </a:p>
+                  </a:txBody>
+                  <a:tcPr/>
+                </a:tc>
+                <a:tc>
+                  <a:txBody>
+                    <a:bodyPr/>
+                    <a:lstStyle/>
+                    <a:p>
+                      <a:r>
+                        <a:rPr lang="en-US" dirty="0"/>
+                        <a:t>data type</a:t>
+                      </a:r>
+                    </a:p>
+                  </a:txBody>
+                  <a:tcPr/>
+                </a:tc>
+                <a:extLst>
+                  <a:ext uri="{0D108BD9-81ED-4DB2-BD59-A6C34878D82A}">
+                    <a16:rowId xmlns:a16="http://schemas.microsoft.com/office/drawing/2014/main" val="1430965654"/>
+                  </a:ext>
+                </a:extLst>
+              </a:tr>
+              <a:tr h="370840">
+                <a:tc>
+                  <a:txBody>
+                    <a:bodyPr/>
+                    <a:lstStyle/>
+                    <a:p>
+                      <a:r>
+                        <a:rPr lang="en-US" dirty="0"/>
+                        <a:t>TRID</a:t>
+                      </a:r>
+                    </a:p>
+                  </a:txBody>
+                  <a:tcPr/>
+                </a:tc>
+                <a:tc>
+                  <a:txBody>
+                    <a:bodyPr/>
+                    <a:lstStyle/>
+                    <a:p>
+                      <a:r>
+                        <a:rPr lang="en-US" dirty="0"/>
+                        <a:t>int(Primary)</a:t>
+                      </a:r>
+                    </a:p>
+                  </a:txBody>
+                  <a:tcPr/>
+                </a:tc>
+                <a:extLst>
+                  <a:ext uri="{0D108BD9-81ED-4DB2-BD59-A6C34878D82A}">
+                    <a16:rowId xmlns:a16="http://schemas.microsoft.com/office/drawing/2014/main" val="2563431013"/>
+                  </a:ext>
+                </a:extLst>
+              </a:tr>
+              <a:tr h="370840">
+                <a:tc>
+                  <a:txBody>
+                    <a:bodyPr/>
+                    <a:lstStyle/>
+                    <a:p>
+                      <a:r>
+                        <a:rPr lang="en-US" dirty="0"/>
+                        <a:t>UPID</a:t>
+                      </a:r>
+                    </a:p>
+                  </a:txBody>
+                  <a:tcPr/>
+                </a:tc>
+                <a:tc>
+                  <a:txBody>
+                    <a:bodyPr/>
+                    <a:lstStyle/>
+                    <a:p>
+                      <a:r>
+                        <a:rPr lang="en-US" dirty="0"/>
+                        <a:t>int(Index)</a:t>
+                      </a:r>
+                    </a:p>
+                  </a:txBody>
+                  <a:tcPr/>
+                </a:tc>
+                <a:extLst>
+                  <a:ext uri="{0D108BD9-81ED-4DB2-BD59-A6C34878D82A}">
+                    <a16:rowId xmlns:a16="http://schemas.microsoft.com/office/drawing/2014/main" val="1440798827"/>
+                  </a:ext>
+                </a:extLst>
+              </a:tr>
+              <a:tr h="370840">
+                <a:tc>
+                  <a:txBody>
+                    <a:bodyPr/>
+                    <a:lstStyle/>
+                    <a:p>
+                      <a:r>
+                        <a:rPr lang="en-US" dirty="0"/>
+                        <a:t>amount</a:t>
+                      </a:r>
+                    </a:p>
+                  </a:txBody>
+                  <a:tcPr/>
+                </a:tc>
+                <a:tc>
+                  <a:txBody>
+                    <a:bodyPr/>
+                    <a:lstStyle/>
+                    <a:p>
+                      <a:r>
+                        <a:rPr lang="en-US" dirty="0"/>
+                        <a:t>double</a:t>
+                      </a:r>
+                    </a:p>
+                  </a:txBody>
+                  <a:tcPr/>
+                </a:tc>
+                <a:extLst>
+                  <a:ext uri="{0D108BD9-81ED-4DB2-BD59-A6C34878D82A}">
+                    <a16:rowId xmlns:a16="http://schemas.microsoft.com/office/drawing/2014/main" val="4098054267"/>
+                  </a:ext>
+                </a:extLst>
+              </a:tr>
+              <a:tr h="370840">
+                <a:tc>
+                  <a:txBody>
+                    <a:bodyPr/>
+                    <a:lstStyle/>
+                    <a:p>
+                      <a:r>
+                        <a:rPr lang="en-US" dirty="0" err="1"/>
+                        <a:t>is_refund</a:t>
+                      </a:r>
+                      <a:endParaRPr lang="en-US" dirty="0"/>
+                    </a:p>
+                  </a:txBody>
+                  <a:tcPr/>
+                </a:tc>
+                <a:tc>
+                  <a:txBody>
+                    <a:bodyPr/>
+                    <a:lstStyle/>
+                    <a:p>
+                      <a:r>
+                        <a:rPr lang="en-US" dirty="0"/>
+                        <a:t>int(1)</a:t>
+                      </a:r>
+                    </a:p>
+                  </a:txBody>
+                  <a:tcPr/>
+                </a:tc>
+                <a:extLst>
+                  <a:ext uri="{0D108BD9-81ED-4DB2-BD59-A6C34878D82A}">
+                    <a16:rowId xmlns:a16="http://schemas.microsoft.com/office/drawing/2014/main" val="1189490606"/>
+                  </a:ext>
+                </a:extLst>
+              </a:tr>
+              <a:tr h="370840">
+                <a:tc>
+                  <a:txBody>
+                    <a:bodyPr/>
+                    <a:lstStyle/>
+                    <a:p>
+                      <a:r>
+                        <a:rPr lang="en-US" dirty="0"/>
+                        <a:t>log</a:t>
+                      </a:r>
+                    </a:p>
+                  </a:txBody>
+                  <a:tcPr/>
+                </a:tc>
+                <a:tc>
+                  <a:txBody>
+                    <a:bodyPr/>
+                    <a:lstStyle/>
+                    <a:p>
+                      <a:r>
+                        <a:rPr lang="en-US" dirty="0"/>
+                        <a:t>blob</a:t>
+                      </a:r>
+                    </a:p>
+                  </a:txBody>
+                  <a:tcPr/>
+                </a:tc>
+                <a:extLst>
+                  <a:ext uri="{0D108BD9-81ED-4DB2-BD59-A6C34878D82A}">
+                    <a16:rowId xmlns:a16="http://schemas.microsoft.com/office/drawing/2014/main" val="2729286114"/>
+                  </a:ext>
+                </a:extLst>
+              </a:tr>
+            </a:tbl>
+          </a:graphicData>
+        </a:graphic>
+      </p:graphicFrame>
+      <p:cxnSp>
+        <p:nvCxnSpPr>
+          <p:cNvPr id="21" name="Straight Arrow Connector 20">
+            <a:extLst>
+              <a:ext uri="{FF2B5EF4-FFF2-40B4-BE49-F238E27FC236}">
+                <a16:creationId xmlns:a16="http://schemas.microsoft.com/office/drawing/2014/main" id="{5B38711A-0066-F0DA-2617-76605E996844}"/>
+              </a:ext>
+            </a:extLst>
+          </p:cNvPr>
+          <p:cNvCxnSpPr/>
+          <p:nvPr/>
+        </p:nvCxnSpPr>
+        <p:spPr>
+          <a:xfrm>
+            <a:off x="3671597" y="6263094"/>
+            <a:ext cx="7323234" cy="5068291"/>
           </a:xfrm>
           <a:prstGeom prst="straightConnector1">
             <a:avLst/>

--- a/docs/planningdocuments/sql_tables.pptx
+++ b/docs/planningdocuments/sql_tables.pptx
@@ -259,7 +259,7 @@
           <a:p>
             <a:fld id="{D1E294F7-EB46-49F9-8C0F-71C30717E95B}" type="datetimeFigureOut">
               <a:rPr lang="en-US" smtClean="0"/>
-              <a:t>10/18/2023</a:t>
+              <a:t>10/23/2023</a:t>
             </a:fld>
             <a:endParaRPr lang="en-US"/>
           </a:p>
@@ -457,7 +457,7 @@
           <a:p>
             <a:fld id="{D1E294F7-EB46-49F9-8C0F-71C30717E95B}" type="datetimeFigureOut">
               <a:rPr lang="en-US" smtClean="0"/>
-              <a:t>10/18/2023</a:t>
+              <a:t>10/23/2023</a:t>
             </a:fld>
             <a:endParaRPr lang="en-US"/>
           </a:p>
@@ -665,7 +665,7 @@
           <a:p>
             <a:fld id="{D1E294F7-EB46-49F9-8C0F-71C30717E95B}" type="datetimeFigureOut">
               <a:rPr lang="en-US" smtClean="0"/>
-              <a:t>10/18/2023</a:t>
+              <a:t>10/23/2023</a:t>
             </a:fld>
             <a:endParaRPr lang="en-US"/>
           </a:p>
@@ -863,7 +863,7 @@
           <a:p>
             <a:fld id="{D1E294F7-EB46-49F9-8C0F-71C30717E95B}" type="datetimeFigureOut">
               <a:rPr lang="en-US" smtClean="0"/>
-              <a:t>10/18/2023</a:t>
+              <a:t>10/23/2023</a:t>
             </a:fld>
             <a:endParaRPr lang="en-US"/>
           </a:p>
@@ -1138,7 +1138,7 @@
           <a:p>
             <a:fld id="{D1E294F7-EB46-49F9-8C0F-71C30717E95B}" type="datetimeFigureOut">
               <a:rPr lang="en-US" smtClean="0"/>
-              <a:t>10/18/2023</a:t>
+              <a:t>10/23/2023</a:t>
             </a:fld>
             <a:endParaRPr lang="en-US"/>
           </a:p>
@@ -1403,7 +1403,7 @@
           <a:p>
             <a:fld id="{D1E294F7-EB46-49F9-8C0F-71C30717E95B}" type="datetimeFigureOut">
               <a:rPr lang="en-US" smtClean="0"/>
-              <a:t>10/18/2023</a:t>
+              <a:t>10/23/2023</a:t>
             </a:fld>
             <a:endParaRPr lang="en-US"/>
           </a:p>
@@ -1815,7 +1815,7 @@
           <a:p>
             <a:fld id="{D1E294F7-EB46-49F9-8C0F-71C30717E95B}" type="datetimeFigureOut">
               <a:rPr lang="en-US" smtClean="0"/>
-              <a:t>10/18/2023</a:t>
+              <a:t>10/23/2023</a:t>
             </a:fld>
             <a:endParaRPr lang="en-US"/>
           </a:p>
@@ -1956,7 +1956,7 @@
           <a:p>
             <a:fld id="{D1E294F7-EB46-49F9-8C0F-71C30717E95B}" type="datetimeFigureOut">
               <a:rPr lang="en-US" smtClean="0"/>
-              <a:t>10/18/2023</a:t>
+              <a:t>10/23/2023</a:t>
             </a:fld>
             <a:endParaRPr lang="en-US"/>
           </a:p>
@@ -2069,7 +2069,7 @@
           <a:p>
             <a:fld id="{D1E294F7-EB46-49F9-8C0F-71C30717E95B}" type="datetimeFigureOut">
               <a:rPr lang="en-US" smtClean="0"/>
-              <a:t>10/18/2023</a:t>
+              <a:t>10/23/2023</a:t>
             </a:fld>
             <a:endParaRPr lang="en-US"/>
           </a:p>
@@ -2380,7 +2380,7 @@
           <a:p>
             <a:fld id="{D1E294F7-EB46-49F9-8C0F-71C30717E95B}" type="datetimeFigureOut">
               <a:rPr lang="en-US" smtClean="0"/>
-              <a:t>10/18/2023</a:t>
+              <a:t>10/23/2023</a:t>
             </a:fld>
             <a:endParaRPr lang="en-US"/>
           </a:p>
@@ -2668,7 +2668,7 @@
           <a:p>
             <a:fld id="{D1E294F7-EB46-49F9-8C0F-71C30717E95B}" type="datetimeFigureOut">
               <a:rPr lang="en-US" smtClean="0"/>
-              <a:t>10/18/2023</a:t>
+              <a:t>10/23/2023</a:t>
             </a:fld>
             <a:endParaRPr lang="en-US"/>
           </a:p>
@@ -2909,7 +2909,7 @@
           <a:p>
             <a:fld id="{D1E294F7-EB46-49F9-8C0F-71C30717E95B}" type="datetimeFigureOut">
               <a:rPr lang="en-US" smtClean="0"/>
-              <a:t>10/18/2023</a:t>
+              <a:t>10/23/2023</a:t>
             </a:fld>
             <a:endParaRPr lang="en-US"/>
           </a:p>
@@ -3862,7 +3862,7 @@
           <p:nvPr>
             <p:extLst>
               <p:ext uri="{D42A27DB-BD31-4B8C-83A1-F6EECF244321}">
-                <p14:modId xmlns:p14="http://schemas.microsoft.com/office/powerpoint/2010/main" val="3880638282"/>
+                <p14:modId xmlns:p14="http://schemas.microsoft.com/office/powerpoint/2010/main" val="2274799987"/>
               </p:ext>
             </p:extLst>
           </p:nvPr>
@@ -4292,7 +4292,7 @@
           <p:nvPr>
             <p:extLst>
               <p:ext uri="{D42A27DB-BD31-4B8C-83A1-F6EECF244321}">
-                <p14:modId xmlns:p14="http://schemas.microsoft.com/office/powerpoint/2010/main" val="4096896880"/>
+                <p14:modId xmlns:p14="http://schemas.microsoft.com/office/powerpoint/2010/main" val="428796889"/>
               </p:ext>
             </p:extLst>
           </p:nvPr>
@@ -4330,22 +4330,21 @@
                     <a:lstStyle/>
                     <a:p>
                       <a:r>
-                        <a:rPr lang="en-US" dirty="0" err="1"/>
-                        <a:t>reservation_data</a:t>
-                      </a:r>
-                      <a:endParaRPr lang="en-US" dirty="0"/>
-                    </a:p>
-                  </a:txBody>
-                  <a:tcPr/>
-                </a:tc>
-                <a:tc>
-                  <a:txBody>
-                    <a:bodyPr/>
-                    <a:lstStyle/>
-                    <a:p>
-                      <a:r>
-                        <a:rPr lang="en-US" dirty="0"/>
-                        <a:t>data type</a:t>
+                        <a:rPr lang="en-US" dirty="0"/>
+                        <a:t>reservations</a:t>
+                      </a:r>
+                    </a:p>
+                  </a:txBody>
+                  <a:tcPr/>
+                </a:tc>
+                <a:tc>
+                  <a:txBody>
+                    <a:bodyPr/>
+                    <a:lstStyle/>
+                    <a:p>
+                      <a:r>
+                        <a:rPr lang="en-US" dirty="0"/>
+                        <a:t>Data type</a:t>
                       </a:r>
                     </a:p>
                   </a:txBody>
@@ -4475,7 +4474,7 @@
           <p:nvPr>
             <p:extLst>
               <p:ext uri="{D42A27DB-BD31-4B8C-83A1-F6EECF244321}">
-                <p14:modId xmlns:p14="http://schemas.microsoft.com/office/powerpoint/2010/main" val="3860777219"/>
+                <p14:modId xmlns:p14="http://schemas.microsoft.com/office/powerpoint/2010/main" val="820982558"/>
               </p:ext>
             </p:extLst>
           </p:nvPr>
@@ -4513,10 +4512,9 @@
                     <a:lstStyle/>
                     <a:p>
                       <a:r>
-                        <a:rPr lang="en-US" dirty="0" err="1"/>
-                        <a:t>user_profile</a:t>
-                      </a:r>
-                      <a:endParaRPr lang="en-US" dirty="0"/>
+                        <a:rPr lang="en-US" dirty="0"/>
+                        <a:t>users</a:t>
+                      </a:r>
                     </a:p>
                   </a:txBody>
                   <a:tcPr/>
@@ -5252,7 +5250,7 @@
           <p:nvPr>
             <p:extLst>
               <p:ext uri="{D42A27DB-BD31-4B8C-83A1-F6EECF244321}">
-                <p14:modId xmlns:p14="http://schemas.microsoft.com/office/powerpoint/2010/main" val="2143261708"/>
+                <p14:modId xmlns:p14="http://schemas.microsoft.com/office/powerpoint/2010/main" val="3634940846"/>
               </p:ext>
             </p:extLst>
           </p:nvPr>
@@ -5305,7 +5303,7 @@
                     <a:p>
                       <a:r>
                         <a:rPr lang="en-US" dirty="0"/>
-                        <a:t>data type</a:t>
+                        <a:t>Data type</a:t>
                       </a:r>
                     </a:p>
                   </a:txBody>
@@ -5435,7 +5433,7 @@
           <p:nvPr>
             <p:extLst>
               <p:ext uri="{D42A27DB-BD31-4B8C-83A1-F6EECF244321}">
-                <p14:modId xmlns:p14="http://schemas.microsoft.com/office/powerpoint/2010/main" val="3516900749"/>
+                <p14:modId xmlns:p14="http://schemas.microsoft.com/office/powerpoint/2010/main" val="3053054959"/>
               </p:ext>
             </p:extLst>
           </p:nvPr>
@@ -5488,7 +5486,7 @@
                     <a:p>
                       <a:r>
                         <a:rPr lang="en-US" dirty="0"/>
-                        <a:t>data type</a:t>
+                        <a:t>Data type</a:t>
                       </a:r>
                     </a:p>
                   </a:txBody>
@@ -5686,7 +5684,7 @@
           <p:nvPr>
             <p:extLst>
               <p:ext uri="{D42A27DB-BD31-4B8C-83A1-F6EECF244321}">
-                <p14:modId xmlns:p14="http://schemas.microsoft.com/office/powerpoint/2010/main" val="3920826632"/>
+                <p14:modId xmlns:p14="http://schemas.microsoft.com/office/powerpoint/2010/main" val="356656080"/>
               </p:ext>
             </p:extLst>
           </p:nvPr>
@@ -5738,7 +5736,7 @@
                     <a:p>
                       <a:r>
                         <a:rPr lang="en-US" dirty="0"/>
-                        <a:t>data type</a:t>
+                        <a:t>Data type</a:t>
                       </a:r>
                     </a:p>
                   </a:txBody>
@@ -5971,7 +5969,7 @@
           <p:nvPr>
             <p:extLst>
               <p:ext uri="{D42A27DB-BD31-4B8C-83A1-F6EECF244321}">
-                <p14:modId xmlns:p14="http://schemas.microsoft.com/office/powerpoint/2010/main" val="2232654262"/>
+                <p14:modId xmlns:p14="http://schemas.microsoft.com/office/powerpoint/2010/main" val="86532512"/>
               </p:ext>
             </p:extLst>
           </p:nvPr>
@@ -6024,7 +6022,7 @@
                     <a:p>
                       <a:r>
                         <a:rPr lang="en-US" dirty="0"/>
-                        <a:t>data type</a:t>
+                        <a:t>Data type</a:t>
                       </a:r>
                     </a:p>
                   </a:txBody>
@@ -6492,13 +6490,15 @@
               </a:ext>
             </a:extLst>
           </p:cNvPr>
-          <p:cNvCxnSpPr/>
+          <p:cNvCxnSpPr>
+            <a:cxnSpLocks/>
+          </p:cNvCxnSpPr>
           <p:nvPr/>
         </p:nvCxnSpPr>
         <p:spPr>
           <a:xfrm>
             <a:off x="10590244" y="6231674"/>
-            <a:ext cx="347824" cy="1696984"/>
+            <a:ext cx="371411" cy="2012246"/>
           </a:xfrm>
           <a:prstGeom prst="straightConnector1">
             <a:avLst/>
@@ -6659,7 +6659,7 @@
           <p:nvPr>
             <p:extLst>
               <p:ext uri="{D42A27DB-BD31-4B8C-83A1-F6EECF244321}">
-                <p14:modId xmlns:p14="http://schemas.microsoft.com/office/powerpoint/2010/main" val="2322480789"/>
+                <p14:modId xmlns:p14="http://schemas.microsoft.com/office/powerpoint/2010/main" val="1466256983"/>
               </p:ext>
             </p:extLst>
           </p:nvPr>
@@ -7319,7 +7319,7 @@
           <p:nvPr>
             <p:extLst>
               <p:ext uri="{D42A27DB-BD31-4B8C-83A1-F6EECF244321}">
-                <p14:modId xmlns:p14="http://schemas.microsoft.com/office/powerpoint/2010/main" val="1463942838"/>
+                <p14:modId xmlns:p14="http://schemas.microsoft.com/office/powerpoint/2010/main" val="1517533965"/>
               </p:ext>
             </p:extLst>
           </p:nvPr>
@@ -7358,20 +7358,20 @@
                     <a:p>
                       <a:r>
                         <a:rPr lang="en-US" dirty="0"/>
-                        <a:t>Transactions</a:t>
-                      </a:r>
-                    </a:p>
-                  </a:txBody>
-                  <a:tcPr/>
-                </a:tc>
-                <a:tc>
-                  <a:txBody>
-                    <a:bodyPr/>
-                    <a:lstStyle/>
-                    <a:p>
-                      <a:r>
-                        <a:rPr lang="en-US" dirty="0"/>
-                        <a:t>data type</a:t>
+                        <a:t>transactions</a:t>
+                      </a:r>
+                    </a:p>
+                  </a:txBody>
+                  <a:tcPr/>
+                </a:tc>
+                <a:tc>
+                  <a:txBody>
+                    <a:bodyPr/>
+                    <a:lstStyle/>
+                    <a:p>
+                      <a:r>
+                        <a:rPr lang="en-US" dirty="0"/>
+                        <a:t>Data type</a:t>
                       </a:r>
                     </a:p>
                   </a:txBody>
@@ -7569,6 +7569,2145 @@
           <a:xfrm>
             <a:off x="3671597" y="6263094"/>
             <a:ext cx="7323234" cy="5068291"/>
+          </a:xfrm>
+          <a:prstGeom prst="straightConnector1">
+            <a:avLst/>
+          </a:prstGeom>
+          <a:ln>
+            <a:tailEnd type="triangle"/>
+          </a:ln>
+        </p:spPr>
+        <p:style>
+          <a:lnRef idx="1">
+            <a:schemeClr val="accent1"/>
+          </a:lnRef>
+          <a:fillRef idx="0">
+            <a:schemeClr val="accent1"/>
+          </a:fillRef>
+          <a:effectRef idx="0">
+            <a:schemeClr val="accent1"/>
+          </a:effectRef>
+          <a:fontRef idx="minor">
+            <a:schemeClr val="tx1"/>
+          </a:fontRef>
+        </p:style>
+      </p:cxnSp>
+      <p:graphicFrame>
+        <p:nvGraphicFramePr>
+          <p:cNvPr id="16" name="Table 4">
+            <a:extLst>
+              <a:ext uri="{FF2B5EF4-FFF2-40B4-BE49-F238E27FC236}">
+                <a16:creationId xmlns:a16="http://schemas.microsoft.com/office/drawing/2014/main" id="{12D1C75E-582C-B87C-2E10-5C051B1A55F0}"/>
+              </a:ext>
+            </a:extLst>
+          </p:cNvPr>
+          <p:cNvGraphicFramePr>
+            <a:graphicFrameLocks noGrp="1"/>
+          </p:cNvGraphicFramePr>
+          <p:nvPr>
+            <p:extLst>
+              <p:ext uri="{D42A27DB-BD31-4B8C-83A1-F6EECF244321}">
+                <p14:modId xmlns:p14="http://schemas.microsoft.com/office/powerpoint/2010/main" val="2637885067"/>
+              </p:ext>
+            </p:extLst>
+          </p:nvPr>
+        </p:nvGraphicFramePr>
+        <p:xfrm>
+          <a:off x="661439" y="11187991"/>
+          <a:ext cx="3559663" cy="8255000"/>
+        </p:xfrm>
+        <a:graphic>
+          <a:graphicData uri="http://schemas.openxmlformats.org/drawingml/2006/table">
+            <a:tbl>
+              <a:tblPr firstRow="1" bandRow="1">
+                <a:tableStyleId>{5C22544A-7EE6-4342-B048-85BDC9FD1C3A}</a:tableStyleId>
+              </a:tblPr>
+              <a:tblGrid>
+                <a:gridCol w="2145284">
+                  <a:extLst>
+                    <a:ext uri="{9D8B030D-6E8A-4147-A177-3AD203B41FA5}">
+                      <a16:colId xmlns:a16="http://schemas.microsoft.com/office/drawing/2014/main" val="2753936742"/>
+                    </a:ext>
+                  </a:extLst>
+                </a:gridCol>
+                <a:gridCol w="1414379">
+                  <a:extLst>
+                    <a:ext uri="{9D8B030D-6E8A-4147-A177-3AD203B41FA5}">
+                      <a16:colId xmlns:a16="http://schemas.microsoft.com/office/drawing/2014/main" val="2496485342"/>
+                    </a:ext>
+                  </a:extLst>
+                </a:gridCol>
+              </a:tblGrid>
+              <a:tr h="370840">
+                <a:tc>
+                  <a:txBody>
+                    <a:bodyPr/>
+                    <a:lstStyle/>
+                    <a:p>
+                      <a:r>
+                        <a:rPr lang="en-US" dirty="0" err="1"/>
+                        <a:t>daily_report</a:t>
+                      </a:r>
+                      <a:endParaRPr lang="en-US" dirty="0"/>
+                    </a:p>
+                  </a:txBody>
+                  <a:tcPr/>
+                </a:tc>
+                <a:tc>
+                  <a:txBody>
+                    <a:bodyPr/>
+                    <a:lstStyle/>
+                    <a:p>
+                      <a:r>
+                        <a:rPr lang="en-US" dirty="0"/>
+                        <a:t>Data type</a:t>
+                      </a:r>
+                    </a:p>
+                  </a:txBody>
+                  <a:tcPr/>
+                </a:tc>
+                <a:extLst>
+                  <a:ext uri="{0D108BD9-81ED-4DB2-BD59-A6C34878D82A}">
+                    <a16:rowId xmlns:a16="http://schemas.microsoft.com/office/drawing/2014/main" val="242075065"/>
+                  </a:ext>
+                </a:extLst>
+              </a:tr>
+              <a:tr h="370840">
+                <a:tc>
+                  <a:txBody>
+                    <a:bodyPr/>
+                    <a:lstStyle/>
+                    <a:p>
+                      <a:r>
+                        <a:rPr lang="en-US" dirty="0"/>
+                        <a:t>DRID</a:t>
+                      </a:r>
+                    </a:p>
+                  </a:txBody>
+                  <a:tcPr/>
+                </a:tc>
+                <a:tc>
+                  <a:txBody>
+                    <a:bodyPr/>
+                    <a:lstStyle/>
+                    <a:p>
+                      <a:r>
+                        <a:rPr lang="en-US" dirty="0"/>
+                        <a:t>int (Primary)</a:t>
+                      </a:r>
+                    </a:p>
+                  </a:txBody>
+                  <a:tcPr/>
+                </a:tc>
+                <a:extLst>
+                  <a:ext uri="{0D108BD9-81ED-4DB2-BD59-A6C34878D82A}">
+                    <a16:rowId xmlns:a16="http://schemas.microsoft.com/office/drawing/2014/main" val="3865372532"/>
+                  </a:ext>
+                </a:extLst>
+              </a:tr>
+              <a:tr h="370840">
+                <a:tc>
+                  <a:txBody>
+                    <a:bodyPr/>
+                    <a:lstStyle/>
+                    <a:p>
+                      <a:r>
+                        <a:rPr lang="en-US" dirty="0"/>
+                        <a:t>WRID</a:t>
+                      </a:r>
+                    </a:p>
+                  </a:txBody>
+                  <a:tcPr/>
+                </a:tc>
+                <a:tc>
+                  <a:txBody>
+                    <a:bodyPr/>
+                    <a:lstStyle/>
+                    <a:p>
+                      <a:r>
+                        <a:rPr lang="en-US" dirty="0"/>
+                        <a:t>int (Index)</a:t>
+                      </a:r>
+                    </a:p>
+                  </a:txBody>
+                  <a:tcPr/>
+                </a:tc>
+                <a:extLst>
+                  <a:ext uri="{0D108BD9-81ED-4DB2-BD59-A6C34878D82A}">
+                    <a16:rowId xmlns:a16="http://schemas.microsoft.com/office/drawing/2014/main" val="1442589501"/>
+                  </a:ext>
+                </a:extLst>
+              </a:tr>
+              <a:tr h="370840">
+                <a:tc>
+                  <a:txBody>
+                    <a:bodyPr/>
+                    <a:lstStyle/>
+                    <a:p>
+                      <a:r>
+                        <a:rPr lang="en-US" dirty="0"/>
+                        <a:t>MRID</a:t>
+                      </a:r>
+                    </a:p>
+                  </a:txBody>
+                  <a:tcPr/>
+                </a:tc>
+                <a:tc>
+                  <a:txBody>
+                    <a:bodyPr/>
+                    <a:lstStyle/>
+                    <a:p>
+                      <a:r>
+                        <a:rPr lang="en-US" dirty="0"/>
+                        <a:t>int (Index)</a:t>
+                      </a:r>
+                    </a:p>
+                  </a:txBody>
+                  <a:tcPr/>
+                </a:tc>
+                <a:extLst>
+                  <a:ext uri="{0D108BD9-81ED-4DB2-BD59-A6C34878D82A}">
+                    <a16:rowId xmlns:a16="http://schemas.microsoft.com/office/drawing/2014/main" val="1343386187"/>
+                  </a:ext>
+                </a:extLst>
+              </a:tr>
+              <a:tr h="370840">
+                <a:tc>
+                  <a:txBody>
+                    <a:bodyPr/>
+                    <a:lstStyle/>
+                    <a:p>
+                      <a:r>
+                        <a:rPr lang="en-US" dirty="0" err="1"/>
+                        <a:t>in_progress</a:t>
+                      </a:r>
+                      <a:endParaRPr lang="en-US" dirty="0"/>
+                    </a:p>
+                  </a:txBody>
+                  <a:tcPr/>
+                </a:tc>
+                <a:tc>
+                  <a:txBody>
+                    <a:bodyPr/>
+                    <a:lstStyle/>
+                    <a:p>
+                      <a:r>
+                        <a:rPr lang="en-US" dirty="0"/>
+                        <a:t>int (1)</a:t>
+                      </a:r>
+                    </a:p>
+                  </a:txBody>
+                  <a:tcPr/>
+                </a:tc>
+                <a:extLst>
+                  <a:ext uri="{0D108BD9-81ED-4DB2-BD59-A6C34878D82A}">
+                    <a16:rowId xmlns:a16="http://schemas.microsoft.com/office/drawing/2014/main" val="1670886133"/>
+                  </a:ext>
+                </a:extLst>
+              </a:tr>
+              <a:tr h="370840">
+                <a:tc>
+                  <a:txBody>
+                    <a:bodyPr/>
+                    <a:lstStyle/>
+                    <a:p>
+                      <a:r>
+                        <a:rPr lang="en-US" dirty="0" err="1"/>
+                        <a:t>total_sales_pre_tax</a:t>
+                      </a:r>
+                      <a:endParaRPr lang="en-US" dirty="0"/>
+                    </a:p>
+                  </a:txBody>
+                  <a:tcPr/>
+                </a:tc>
+                <a:tc>
+                  <a:txBody>
+                    <a:bodyPr/>
+                    <a:lstStyle/>
+                    <a:p>
+                      <a:r>
+                        <a:rPr lang="en-US" dirty="0"/>
+                        <a:t>decimal (10,2)</a:t>
+                      </a:r>
+                    </a:p>
+                  </a:txBody>
+                  <a:tcPr/>
+                </a:tc>
+                <a:extLst>
+                  <a:ext uri="{0D108BD9-81ED-4DB2-BD59-A6C34878D82A}">
+                    <a16:rowId xmlns:a16="http://schemas.microsoft.com/office/drawing/2014/main" val="3006281120"/>
+                  </a:ext>
+                </a:extLst>
+              </a:tr>
+              <a:tr h="370840">
+                <a:tc>
+                  <a:txBody>
+                    <a:bodyPr/>
+                    <a:lstStyle/>
+                    <a:p>
+                      <a:r>
+                        <a:rPr lang="en-US" dirty="0"/>
+                        <a:t>tax</a:t>
+                      </a:r>
+                    </a:p>
+                  </a:txBody>
+                  <a:tcPr/>
+                </a:tc>
+                <a:tc>
+                  <a:txBody>
+                    <a:bodyPr/>
+                    <a:lstStyle/>
+                    <a:p>
+                      <a:pPr marL="0" marR="0" lvl="0" indent="0" algn="l" defTabSz="914400" rtl="0" eaLnBrk="1" fontAlgn="auto" latinLnBrk="0" hangingPunct="1">
+                        <a:lnSpc>
+                          <a:spcPct val="100000"/>
+                        </a:lnSpc>
+                        <a:spcBef>
+                          <a:spcPts val="0"/>
+                        </a:spcBef>
+                        <a:spcAft>
+                          <a:spcPts val="0"/>
+                        </a:spcAft>
+                        <a:buClrTx/>
+                        <a:buSzTx/>
+                        <a:buFontTx/>
+                        <a:buNone/>
+                        <a:tabLst/>
+                        <a:defRPr/>
+                      </a:pPr>
+                      <a:r>
+                        <a:rPr lang="en-US" dirty="0"/>
+                        <a:t>decimal (10,2)</a:t>
+                      </a:r>
+                    </a:p>
+                  </a:txBody>
+                  <a:tcPr/>
+                </a:tc>
+                <a:extLst>
+                  <a:ext uri="{0D108BD9-81ED-4DB2-BD59-A6C34878D82A}">
+                    <a16:rowId xmlns:a16="http://schemas.microsoft.com/office/drawing/2014/main" val="1120861828"/>
+                  </a:ext>
+                </a:extLst>
+              </a:tr>
+              <a:tr h="370840">
+                <a:tc>
+                  <a:txBody>
+                    <a:bodyPr/>
+                    <a:lstStyle/>
+                    <a:p>
+                      <a:r>
+                        <a:rPr lang="en-US" dirty="0" err="1"/>
+                        <a:t>total_sales_post_tax</a:t>
+                      </a:r>
+                      <a:endParaRPr lang="en-US" dirty="0"/>
+                    </a:p>
+                  </a:txBody>
+                  <a:tcPr/>
+                </a:tc>
+                <a:tc>
+                  <a:txBody>
+                    <a:bodyPr/>
+                    <a:lstStyle/>
+                    <a:p>
+                      <a:pPr marL="0" marR="0" lvl="0" indent="0" algn="l" defTabSz="914400" rtl="0" eaLnBrk="1" fontAlgn="auto" latinLnBrk="0" hangingPunct="1">
+                        <a:lnSpc>
+                          <a:spcPct val="100000"/>
+                        </a:lnSpc>
+                        <a:spcBef>
+                          <a:spcPts val="0"/>
+                        </a:spcBef>
+                        <a:spcAft>
+                          <a:spcPts val="0"/>
+                        </a:spcAft>
+                        <a:buClrTx/>
+                        <a:buSzTx/>
+                        <a:buFontTx/>
+                        <a:buNone/>
+                        <a:tabLst/>
+                        <a:defRPr/>
+                      </a:pPr>
+                      <a:r>
+                        <a:rPr lang="en-US" dirty="0"/>
+                        <a:t>decimal (10,2)</a:t>
+                      </a:r>
+                    </a:p>
+                  </a:txBody>
+                  <a:tcPr/>
+                </a:tc>
+                <a:extLst>
+                  <a:ext uri="{0D108BD9-81ED-4DB2-BD59-A6C34878D82A}">
+                    <a16:rowId xmlns:a16="http://schemas.microsoft.com/office/drawing/2014/main" val="3062051264"/>
+                  </a:ext>
+                </a:extLst>
+              </a:tr>
+              <a:tr h="370840">
+                <a:tc>
+                  <a:txBody>
+                    <a:bodyPr/>
+                    <a:lstStyle/>
+                    <a:p>
+                      <a:r>
+                        <a:rPr lang="en-US" dirty="0" err="1"/>
+                        <a:t>debit_sales</a:t>
+                      </a:r>
+                      <a:endParaRPr lang="en-US" dirty="0"/>
+                    </a:p>
+                  </a:txBody>
+                  <a:tcPr/>
+                </a:tc>
+                <a:tc>
+                  <a:txBody>
+                    <a:bodyPr/>
+                    <a:lstStyle/>
+                    <a:p>
+                      <a:pPr marL="0" marR="0" lvl="0" indent="0" algn="l" defTabSz="914400" rtl="0" eaLnBrk="1" fontAlgn="auto" latinLnBrk="0" hangingPunct="1">
+                        <a:lnSpc>
+                          <a:spcPct val="100000"/>
+                        </a:lnSpc>
+                        <a:spcBef>
+                          <a:spcPts val="0"/>
+                        </a:spcBef>
+                        <a:spcAft>
+                          <a:spcPts val="0"/>
+                        </a:spcAft>
+                        <a:buClrTx/>
+                        <a:buSzTx/>
+                        <a:buFontTx/>
+                        <a:buNone/>
+                        <a:tabLst/>
+                        <a:defRPr/>
+                      </a:pPr>
+                      <a:r>
+                        <a:rPr lang="en-US" dirty="0"/>
+                        <a:t>decimal (10,2)</a:t>
+                      </a:r>
+                    </a:p>
+                  </a:txBody>
+                  <a:tcPr/>
+                </a:tc>
+                <a:extLst>
+                  <a:ext uri="{0D108BD9-81ED-4DB2-BD59-A6C34878D82A}">
+                    <a16:rowId xmlns:a16="http://schemas.microsoft.com/office/drawing/2014/main" val="3001004952"/>
+                  </a:ext>
+                </a:extLst>
+              </a:tr>
+              <a:tr h="370840">
+                <a:tc>
+                  <a:txBody>
+                    <a:bodyPr/>
+                    <a:lstStyle/>
+                    <a:p>
+                      <a:r>
+                        <a:rPr lang="en-US" dirty="0" err="1"/>
+                        <a:t>credit_sales</a:t>
+                      </a:r>
+                      <a:endParaRPr lang="en-US" dirty="0"/>
+                    </a:p>
+                  </a:txBody>
+                  <a:tcPr/>
+                </a:tc>
+                <a:tc>
+                  <a:txBody>
+                    <a:bodyPr/>
+                    <a:lstStyle/>
+                    <a:p>
+                      <a:pPr marL="0" marR="0" lvl="0" indent="0" algn="l" defTabSz="914400" rtl="0" eaLnBrk="1" fontAlgn="auto" latinLnBrk="0" hangingPunct="1">
+                        <a:lnSpc>
+                          <a:spcPct val="100000"/>
+                        </a:lnSpc>
+                        <a:spcBef>
+                          <a:spcPts val="0"/>
+                        </a:spcBef>
+                        <a:spcAft>
+                          <a:spcPts val="0"/>
+                        </a:spcAft>
+                        <a:buClrTx/>
+                        <a:buSzTx/>
+                        <a:buFontTx/>
+                        <a:buNone/>
+                        <a:tabLst/>
+                        <a:defRPr/>
+                      </a:pPr>
+                      <a:r>
+                        <a:rPr lang="en-US" dirty="0"/>
+                        <a:t>decimal (10,2)</a:t>
+                      </a:r>
+                    </a:p>
+                  </a:txBody>
+                  <a:tcPr/>
+                </a:tc>
+                <a:extLst>
+                  <a:ext uri="{0D108BD9-81ED-4DB2-BD59-A6C34878D82A}">
+                    <a16:rowId xmlns:a16="http://schemas.microsoft.com/office/drawing/2014/main" val="2579551743"/>
+                  </a:ext>
+                </a:extLst>
+              </a:tr>
+              <a:tr h="370840">
+                <a:tc>
+                  <a:txBody>
+                    <a:bodyPr/>
+                    <a:lstStyle/>
+                    <a:p>
+                      <a:r>
+                        <a:rPr lang="en-US" dirty="0"/>
+                        <a:t>refunds</a:t>
+                      </a:r>
+                    </a:p>
+                  </a:txBody>
+                  <a:tcPr/>
+                </a:tc>
+                <a:tc>
+                  <a:txBody>
+                    <a:bodyPr/>
+                    <a:lstStyle/>
+                    <a:p>
+                      <a:pPr marL="0" marR="0" lvl="0" indent="0" algn="l" defTabSz="914400" rtl="0" eaLnBrk="1" fontAlgn="auto" latinLnBrk="0" hangingPunct="1">
+                        <a:lnSpc>
+                          <a:spcPct val="100000"/>
+                        </a:lnSpc>
+                        <a:spcBef>
+                          <a:spcPts val="0"/>
+                        </a:spcBef>
+                        <a:spcAft>
+                          <a:spcPts val="0"/>
+                        </a:spcAft>
+                        <a:buClrTx/>
+                        <a:buSzTx/>
+                        <a:buFontTx/>
+                        <a:buNone/>
+                        <a:tabLst/>
+                        <a:defRPr/>
+                      </a:pPr>
+                      <a:r>
+                        <a:rPr lang="en-US" dirty="0"/>
+                        <a:t>decimal (10,2)</a:t>
+                      </a:r>
+                    </a:p>
+                  </a:txBody>
+                  <a:tcPr/>
+                </a:tc>
+                <a:extLst>
+                  <a:ext uri="{0D108BD9-81ED-4DB2-BD59-A6C34878D82A}">
+                    <a16:rowId xmlns:a16="http://schemas.microsoft.com/office/drawing/2014/main" val="4146372605"/>
+                  </a:ext>
+                </a:extLst>
+              </a:tr>
+              <a:tr h="370840">
+                <a:tc>
+                  <a:txBody>
+                    <a:bodyPr/>
+                    <a:lstStyle/>
+                    <a:p>
+                      <a:r>
+                        <a:rPr lang="en-US" dirty="0" err="1"/>
+                        <a:t>roundtrip_sales</a:t>
+                      </a:r>
+                      <a:endParaRPr lang="en-US" dirty="0"/>
+                    </a:p>
+                  </a:txBody>
+                  <a:tcPr/>
+                </a:tc>
+                <a:tc>
+                  <a:txBody>
+                    <a:bodyPr/>
+                    <a:lstStyle/>
+                    <a:p>
+                      <a:pPr marL="0" marR="0" lvl="0" indent="0" algn="l" defTabSz="914400" rtl="0" eaLnBrk="1" fontAlgn="auto" latinLnBrk="0" hangingPunct="1">
+                        <a:lnSpc>
+                          <a:spcPct val="100000"/>
+                        </a:lnSpc>
+                        <a:spcBef>
+                          <a:spcPts val="0"/>
+                        </a:spcBef>
+                        <a:spcAft>
+                          <a:spcPts val="0"/>
+                        </a:spcAft>
+                        <a:buClrTx/>
+                        <a:buSzTx/>
+                        <a:buFontTx/>
+                        <a:buNone/>
+                        <a:tabLst/>
+                        <a:defRPr/>
+                      </a:pPr>
+                      <a:r>
+                        <a:rPr lang="en-US" dirty="0"/>
+                        <a:t>decimal (10,2)</a:t>
+                      </a:r>
+                    </a:p>
+                  </a:txBody>
+                  <a:tcPr/>
+                </a:tc>
+                <a:extLst>
+                  <a:ext uri="{0D108BD9-81ED-4DB2-BD59-A6C34878D82A}">
+                    <a16:rowId xmlns:a16="http://schemas.microsoft.com/office/drawing/2014/main" val="3000073847"/>
+                  </a:ext>
+                </a:extLst>
+              </a:tr>
+              <a:tr h="370840">
+                <a:tc>
+                  <a:txBody>
+                    <a:bodyPr/>
+                    <a:lstStyle/>
+                    <a:p>
+                      <a:r>
+                        <a:rPr lang="en-US" dirty="0" err="1"/>
+                        <a:t>one_way_sales</a:t>
+                      </a:r>
+                      <a:endParaRPr lang="en-US" dirty="0"/>
+                    </a:p>
+                  </a:txBody>
+                  <a:tcPr/>
+                </a:tc>
+                <a:tc>
+                  <a:txBody>
+                    <a:bodyPr/>
+                    <a:lstStyle/>
+                    <a:p>
+                      <a:pPr marL="0" marR="0" lvl="0" indent="0" algn="l" defTabSz="914400" rtl="0" eaLnBrk="1" fontAlgn="auto" latinLnBrk="0" hangingPunct="1">
+                        <a:lnSpc>
+                          <a:spcPct val="100000"/>
+                        </a:lnSpc>
+                        <a:spcBef>
+                          <a:spcPts val="0"/>
+                        </a:spcBef>
+                        <a:spcAft>
+                          <a:spcPts val="0"/>
+                        </a:spcAft>
+                        <a:buClrTx/>
+                        <a:buSzTx/>
+                        <a:buFontTx/>
+                        <a:buNone/>
+                        <a:tabLst/>
+                        <a:defRPr/>
+                      </a:pPr>
+                      <a:r>
+                        <a:rPr lang="en-US" dirty="0"/>
+                        <a:t>decimal (10,2)</a:t>
+                      </a:r>
+                    </a:p>
+                  </a:txBody>
+                  <a:tcPr/>
+                </a:tc>
+                <a:extLst>
+                  <a:ext uri="{0D108BD9-81ED-4DB2-BD59-A6C34878D82A}">
+                    <a16:rowId xmlns:a16="http://schemas.microsoft.com/office/drawing/2014/main" val="3515789017"/>
+                  </a:ext>
+                </a:extLst>
+              </a:tr>
+              <a:tr h="370840">
+                <a:tc>
+                  <a:txBody>
+                    <a:bodyPr/>
+                    <a:lstStyle/>
+                    <a:p>
+                      <a:r>
+                        <a:rPr lang="en-US" dirty="0"/>
+                        <a:t>expenses</a:t>
+                      </a:r>
+                    </a:p>
+                  </a:txBody>
+                  <a:tcPr/>
+                </a:tc>
+                <a:tc>
+                  <a:txBody>
+                    <a:bodyPr/>
+                    <a:lstStyle/>
+                    <a:p>
+                      <a:pPr marL="0" marR="0" lvl="0" indent="0" algn="l" defTabSz="914400" rtl="0" eaLnBrk="1" fontAlgn="auto" latinLnBrk="0" hangingPunct="1">
+                        <a:lnSpc>
+                          <a:spcPct val="100000"/>
+                        </a:lnSpc>
+                        <a:spcBef>
+                          <a:spcPts val="0"/>
+                        </a:spcBef>
+                        <a:spcAft>
+                          <a:spcPts val="0"/>
+                        </a:spcAft>
+                        <a:buClrTx/>
+                        <a:buSzTx/>
+                        <a:buFontTx/>
+                        <a:buNone/>
+                        <a:tabLst/>
+                        <a:defRPr/>
+                      </a:pPr>
+                      <a:r>
+                        <a:rPr lang="en-US" dirty="0"/>
+                        <a:t>decimal (10,2)</a:t>
+                      </a:r>
+                    </a:p>
+                  </a:txBody>
+                  <a:tcPr/>
+                </a:tc>
+                <a:extLst>
+                  <a:ext uri="{0D108BD9-81ED-4DB2-BD59-A6C34878D82A}">
+                    <a16:rowId xmlns:a16="http://schemas.microsoft.com/office/drawing/2014/main" val="4186800188"/>
+                  </a:ext>
+                </a:extLst>
+              </a:tr>
+              <a:tr h="370840">
+                <a:tc>
+                  <a:txBody>
+                    <a:bodyPr/>
+                    <a:lstStyle/>
+                    <a:p>
+                      <a:r>
+                        <a:rPr lang="en-US" dirty="0" err="1"/>
+                        <a:t>profit_loss</a:t>
+                      </a:r>
+                      <a:endParaRPr lang="en-US" dirty="0"/>
+                    </a:p>
+                  </a:txBody>
+                  <a:tcPr/>
+                </a:tc>
+                <a:tc>
+                  <a:txBody>
+                    <a:bodyPr/>
+                    <a:lstStyle/>
+                    <a:p>
+                      <a:pPr marL="0" marR="0" lvl="0" indent="0" algn="l" defTabSz="914400" rtl="0" eaLnBrk="1" fontAlgn="auto" latinLnBrk="0" hangingPunct="1">
+                        <a:lnSpc>
+                          <a:spcPct val="100000"/>
+                        </a:lnSpc>
+                        <a:spcBef>
+                          <a:spcPts val="0"/>
+                        </a:spcBef>
+                        <a:spcAft>
+                          <a:spcPts val="0"/>
+                        </a:spcAft>
+                        <a:buClrTx/>
+                        <a:buSzTx/>
+                        <a:buFontTx/>
+                        <a:buNone/>
+                        <a:tabLst/>
+                        <a:defRPr/>
+                      </a:pPr>
+                      <a:r>
+                        <a:rPr lang="en-US" dirty="0"/>
+                        <a:t>decimal (10,2)</a:t>
+                      </a:r>
+                    </a:p>
+                  </a:txBody>
+                  <a:tcPr/>
+                </a:tc>
+                <a:extLst>
+                  <a:ext uri="{0D108BD9-81ED-4DB2-BD59-A6C34878D82A}">
+                    <a16:rowId xmlns:a16="http://schemas.microsoft.com/office/drawing/2014/main" val="831814562"/>
+                  </a:ext>
+                </a:extLst>
+              </a:tr>
+            </a:tbl>
+          </a:graphicData>
+        </a:graphic>
+      </p:graphicFrame>
+      <p:graphicFrame>
+        <p:nvGraphicFramePr>
+          <p:cNvPr id="18" name="Table 4">
+            <a:extLst>
+              <a:ext uri="{FF2B5EF4-FFF2-40B4-BE49-F238E27FC236}">
+                <a16:creationId xmlns:a16="http://schemas.microsoft.com/office/drawing/2014/main" id="{5407B97E-D512-6890-B25D-5742ED682B31}"/>
+              </a:ext>
+            </a:extLst>
+          </p:cNvPr>
+          <p:cNvGraphicFramePr>
+            <a:graphicFrameLocks noGrp="1"/>
+          </p:cNvGraphicFramePr>
+          <p:nvPr>
+            <p:extLst>
+              <p:ext uri="{D42A27DB-BD31-4B8C-83A1-F6EECF244321}">
+                <p14:modId xmlns:p14="http://schemas.microsoft.com/office/powerpoint/2010/main" val="2920704249"/>
+              </p:ext>
+            </p:extLst>
+          </p:nvPr>
+        </p:nvGraphicFramePr>
+        <p:xfrm>
+          <a:off x="6383795" y="14992605"/>
+          <a:ext cx="3559663" cy="7884160"/>
+        </p:xfrm>
+        <a:graphic>
+          <a:graphicData uri="http://schemas.openxmlformats.org/drawingml/2006/table">
+            <a:tbl>
+              <a:tblPr firstRow="1" bandRow="1">
+                <a:tableStyleId>{5C22544A-7EE6-4342-B048-85BDC9FD1C3A}</a:tableStyleId>
+              </a:tblPr>
+              <a:tblGrid>
+                <a:gridCol w="2145284">
+                  <a:extLst>
+                    <a:ext uri="{9D8B030D-6E8A-4147-A177-3AD203B41FA5}">
+                      <a16:colId xmlns:a16="http://schemas.microsoft.com/office/drawing/2014/main" val="2753936742"/>
+                    </a:ext>
+                  </a:extLst>
+                </a:gridCol>
+                <a:gridCol w="1414379">
+                  <a:extLst>
+                    <a:ext uri="{9D8B030D-6E8A-4147-A177-3AD203B41FA5}">
+                      <a16:colId xmlns:a16="http://schemas.microsoft.com/office/drawing/2014/main" val="2496485342"/>
+                    </a:ext>
+                  </a:extLst>
+                </a:gridCol>
+              </a:tblGrid>
+              <a:tr h="370840">
+                <a:tc>
+                  <a:txBody>
+                    <a:bodyPr/>
+                    <a:lstStyle/>
+                    <a:p>
+                      <a:r>
+                        <a:rPr lang="en-US" dirty="0" err="1"/>
+                        <a:t>weekly_report</a:t>
+                      </a:r>
+                      <a:endParaRPr lang="en-US" dirty="0"/>
+                    </a:p>
+                  </a:txBody>
+                  <a:tcPr/>
+                </a:tc>
+                <a:tc>
+                  <a:txBody>
+                    <a:bodyPr/>
+                    <a:lstStyle/>
+                    <a:p>
+                      <a:r>
+                        <a:rPr lang="en-US" dirty="0"/>
+                        <a:t>Data type</a:t>
+                      </a:r>
+                    </a:p>
+                  </a:txBody>
+                  <a:tcPr/>
+                </a:tc>
+                <a:extLst>
+                  <a:ext uri="{0D108BD9-81ED-4DB2-BD59-A6C34878D82A}">
+                    <a16:rowId xmlns:a16="http://schemas.microsoft.com/office/drawing/2014/main" val="242075065"/>
+                  </a:ext>
+                </a:extLst>
+              </a:tr>
+              <a:tr h="370840">
+                <a:tc>
+                  <a:txBody>
+                    <a:bodyPr/>
+                    <a:lstStyle/>
+                    <a:p>
+                      <a:r>
+                        <a:rPr lang="en-US" dirty="0"/>
+                        <a:t>WRID</a:t>
+                      </a:r>
+                    </a:p>
+                  </a:txBody>
+                  <a:tcPr/>
+                </a:tc>
+                <a:tc>
+                  <a:txBody>
+                    <a:bodyPr/>
+                    <a:lstStyle/>
+                    <a:p>
+                      <a:r>
+                        <a:rPr lang="en-US" dirty="0"/>
+                        <a:t>int (Primary)</a:t>
+                      </a:r>
+                    </a:p>
+                  </a:txBody>
+                  <a:tcPr/>
+                </a:tc>
+                <a:extLst>
+                  <a:ext uri="{0D108BD9-81ED-4DB2-BD59-A6C34878D82A}">
+                    <a16:rowId xmlns:a16="http://schemas.microsoft.com/office/drawing/2014/main" val="1442589501"/>
+                  </a:ext>
+                </a:extLst>
+              </a:tr>
+              <a:tr h="370840">
+                <a:tc>
+                  <a:txBody>
+                    <a:bodyPr/>
+                    <a:lstStyle/>
+                    <a:p>
+                      <a:r>
+                        <a:rPr lang="en-US" dirty="0"/>
+                        <a:t>MRID</a:t>
+                      </a:r>
+                    </a:p>
+                  </a:txBody>
+                  <a:tcPr/>
+                </a:tc>
+                <a:tc>
+                  <a:txBody>
+                    <a:bodyPr/>
+                    <a:lstStyle/>
+                    <a:p>
+                      <a:r>
+                        <a:rPr lang="en-US" dirty="0"/>
+                        <a:t>int (Index)</a:t>
+                      </a:r>
+                    </a:p>
+                  </a:txBody>
+                  <a:tcPr/>
+                </a:tc>
+                <a:extLst>
+                  <a:ext uri="{0D108BD9-81ED-4DB2-BD59-A6C34878D82A}">
+                    <a16:rowId xmlns:a16="http://schemas.microsoft.com/office/drawing/2014/main" val="1343386187"/>
+                  </a:ext>
+                </a:extLst>
+              </a:tr>
+              <a:tr h="370840">
+                <a:tc>
+                  <a:txBody>
+                    <a:bodyPr/>
+                    <a:lstStyle/>
+                    <a:p>
+                      <a:r>
+                        <a:rPr lang="en-US" dirty="0" err="1"/>
+                        <a:t>in_progress</a:t>
+                      </a:r>
+                      <a:endParaRPr lang="en-US" dirty="0"/>
+                    </a:p>
+                  </a:txBody>
+                  <a:tcPr/>
+                </a:tc>
+                <a:tc>
+                  <a:txBody>
+                    <a:bodyPr/>
+                    <a:lstStyle/>
+                    <a:p>
+                      <a:r>
+                        <a:rPr lang="en-US" dirty="0"/>
+                        <a:t>int (1)</a:t>
+                      </a:r>
+                    </a:p>
+                  </a:txBody>
+                  <a:tcPr/>
+                </a:tc>
+                <a:extLst>
+                  <a:ext uri="{0D108BD9-81ED-4DB2-BD59-A6C34878D82A}">
+                    <a16:rowId xmlns:a16="http://schemas.microsoft.com/office/drawing/2014/main" val="1670886133"/>
+                  </a:ext>
+                </a:extLst>
+              </a:tr>
+              <a:tr h="370840">
+                <a:tc>
+                  <a:txBody>
+                    <a:bodyPr/>
+                    <a:lstStyle/>
+                    <a:p>
+                      <a:r>
+                        <a:rPr lang="en-US" dirty="0" err="1"/>
+                        <a:t>total_sales_pre_tax</a:t>
+                      </a:r>
+                      <a:endParaRPr lang="en-US" dirty="0"/>
+                    </a:p>
+                  </a:txBody>
+                  <a:tcPr/>
+                </a:tc>
+                <a:tc>
+                  <a:txBody>
+                    <a:bodyPr/>
+                    <a:lstStyle/>
+                    <a:p>
+                      <a:r>
+                        <a:rPr lang="en-US" dirty="0"/>
+                        <a:t>decimal (10,2)</a:t>
+                      </a:r>
+                    </a:p>
+                  </a:txBody>
+                  <a:tcPr/>
+                </a:tc>
+                <a:extLst>
+                  <a:ext uri="{0D108BD9-81ED-4DB2-BD59-A6C34878D82A}">
+                    <a16:rowId xmlns:a16="http://schemas.microsoft.com/office/drawing/2014/main" val="3006281120"/>
+                  </a:ext>
+                </a:extLst>
+              </a:tr>
+              <a:tr h="370840">
+                <a:tc>
+                  <a:txBody>
+                    <a:bodyPr/>
+                    <a:lstStyle/>
+                    <a:p>
+                      <a:r>
+                        <a:rPr lang="en-US" dirty="0"/>
+                        <a:t>tax</a:t>
+                      </a:r>
+                    </a:p>
+                  </a:txBody>
+                  <a:tcPr/>
+                </a:tc>
+                <a:tc>
+                  <a:txBody>
+                    <a:bodyPr/>
+                    <a:lstStyle/>
+                    <a:p>
+                      <a:pPr marL="0" marR="0" lvl="0" indent="0" algn="l" defTabSz="914400" rtl="0" eaLnBrk="1" fontAlgn="auto" latinLnBrk="0" hangingPunct="1">
+                        <a:lnSpc>
+                          <a:spcPct val="100000"/>
+                        </a:lnSpc>
+                        <a:spcBef>
+                          <a:spcPts val="0"/>
+                        </a:spcBef>
+                        <a:spcAft>
+                          <a:spcPts val="0"/>
+                        </a:spcAft>
+                        <a:buClrTx/>
+                        <a:buSzTx/>
+                        <a:buFontTx/>
+                        <a:buNone/>
+                        <a:tabLst/>
+                        <a:defRPr/>
+                      </a:pPr>
+                      <a:r>
+                        <a:rPr lang="en-US" dirty="0"/>
+                        <a:t>decimal (10,2)</a:t>
+                      </a:r>
+                    </a:p>
+                  </a:txBody>
+                  <a:tcPr/>
+                </a:tc>
+                <a:extLst>
+                  <a:ext uri="{0D108BD9-81ED-4DB2-BD59-A6C34878D82A}">
+                    <a16:rowId xmlns:a16="http://schemas.microsoft.com/office/drawing/2014/main" val="1120861828"/>
+                  </a:ext>
+                </a:extLst>
+              </a:tr>
+              <a:tr h="370840">
+                <a:tc>
+                  <a:txBody>
+                    <a:bodyPr/>
+                    <a:lstStyle/>
+                    <a:p>
+                      <a:r>
+                        <a:rPr lang="en-US" dirty="0" err="1"/>
+                        <a:t>total_sales_post_tax</a:t>
+                      </a:r>
+                      <a:endParaRPr lang="en-US" dirty="0"/>
+                    </a:p>
+                  </a:txBody>
+                  <a:tcPr/>
+                </a:tc>
+                <a:tc>
+                  <a:txBody>
+                    <a:bodyPr/>
+                    <a:lstStyle/>
+                    <a:p>
+                      <a:pPr marL="0" marR="0" lvl="0" indent="0" algn="l" defTabSz="914400" rtl="0" eaLnBrk="1" fontAlgn="auto" latinLnBrk="0" hangingPunct="1">
+                        <a:lnSpc>
+                          <a:spcPct val="100000"/>
+                        </a:lnSpc>
+                        <a:spcBef>
+                          <a:spcPts val="0"/>
+                        </a:spcBef>
+                        <a:spcAft>
+                          <a:spcPts val="0"/>
+                        </a:spcAft>
+                        <a:buClrTx/>
+                        <a:buSzTx/>
+                        <a:buFontTx/>
+                        <a:buNone/>
+                        <a:tabLst/>
+                        <a:defRPr/>
+                      </a:pPr>
+                      <a:r>
+                        <a:rPr lang="en-US" dirty="0"/>
+                        <a:t>decimal (10,2)</a:t>
+                      </a:r>
+                    </a:p>
+                  </a:txBody>
+                  <a:tcPr/>
+                </a:tc>
+                <a:extLst>
+                  <a:ext uri="{0D108BD9-81ED-4DB2-BD59-A6C34878D82A}">
+                    <a16:rowId xmlns:a16="http://schemas.microsoft.com/office/drawing/2014/main" val="3062051264"/>
+                  </a:ext>
+                </a:extLst>
+              </a:tr>
+              <a:tr h="370840">
+                <a:tc>
+                  <a:txBody>
+                    <a:bodyPr/>
+                    <a:lstStyle/>
+                    <a:p>
+                      <a:r>
+                        <a:rPr lang="en-US" dirty="0" err="1"/>
+                        <a:t>debit_sales</a:t>
+                      </a:r>
+                      <a:endParaRPr lang="en-US" dirty="0"/>
+                    </a:p>
+                  </a:txBody>
+                  <a:tcPr/>
+                </a:tc>
+                <a:tc>
+                  <a:txBody>
+                    <a:bodyPr/>
+                    <a:lstStyle/>
+                    <a:p>
+                      <a:pPr marL="0" marR="0" lvl="0" indent="0" algn="l" defTabSz="914400" rtl="0" eaLnBrk="1" fontAlgn="auto" latinLnBrk="0" hangingPunct="1">
+                        <a:lnSpc>
+                          <a:spcPct val="100000"/>
+                        </a:lnSpc>
+                        <a:spcBef>
+                          <a:spcPts val="0"/>
+                        </a:spcBef>
+                        <a:spcAft>
+                          <a:spcPts val="0"/>
+                        </a:spcAft>
+                        <a:buClrTx/>
+                        <a:buSzTx/>
+                        <a:buFontTx/>
+                        <a:buNone/>
+                        <a:tabLst/>
+                        <a:defRPr/>
+                      </a:pPr>
+                      <a:r>
+                        <a:rPr lang="en-US" dirty="0"/>
+                        <a:t>decimal (10,2)</a:t>
+                      </a:r>
+                    </a:p>
+                  </a:txBody>
+                  <a:tcPr/>
+                </a:tc>
+                <a:extLst>
+                  <a:ext uri="{0D108BD9-81ED-4DB2-BD59-A6C34878D82A}">
+                    <a16:rowId xmlns:a16="http://schemas.microsoft.com/office/drawing/2014/main" val="3001004952"/>
+                  </a:ext>
+                </a:extLst>
+              </a:tr>
+              <a:tr h="370840">
+                <a:tc>
+                  <a:txBody>
+                    <a:bodyPr/>
+                    <a:lstStyle/>
+                    <a:p>
+                      <a:r>
+                        <a:rPr lang="en-US" dirty="0" err="1"/>
+                        <a:t>credit_sales</a:t>
+                      </a:r>
+                      <a:endParaRPr lang="en-US" dirty="0"/>
+                    </a:p>
+                  </a:txBody>
+                  <a:tcPr/>
+                </a:tc>
+                <a:tc>
+                  <a:txBody>
+                    <a:bodyPr/>
+                    <a:lstStyle/>
+                    <a:p>
+                      <a:pPr marL="0" marR="0" lvl="0" indent="0" algn="l" defTabSz="914400" rtl="0" eaLnBrk="1" fontAlgn="auto" latinLnBrk="0" hangingPunct="1">
+                        <a:lnSpc>
+                          <a:spcPct val="100000"/>
+                        </a:lnSpc>
+                        <a:spcBef>
+                          <a:spcPts val="0"/>
+                        </a:spcBef>
+                        <a:spcAft>
+                          <a:spcPts val="0"/>
+                        </a:spcAft>
+                        <a:buClrTx/>
+                        <a:buSzTx/>
+                        <a:buFontTx/>
+                        <a:buNone/>
+                        <a:tabLst/>
+                        <a:defRPr/>
+                      </a:pPr>
+                      <a:r>
+                        <a:rPr lang="en-US" dirty="0"/>
+                        <a:t>decimal (10,2)</a:t>
+                      </a:r>
+                    </a:p>
+                  </a:txBody>
+                  <a:tcPr/>
+                </a:tc>
+                <a:extLst>
+                  <a:ext uri="{0D108BD9-81ED-4DB2-BD59-A6C34878D82A}">
+                    <a16:rowId xmlns:a16="http://schemas.microsoft.com/office/drawing/2014/main" val="2579551743"/>
+                  </a:ext>
+                </a:extLst>
+              </a:tr>
+              <a:tr h="370840">
+                <a:tc>
+                  <a:txBody>
+                    <a:bodyPr/>
+                    <a:lstStyle/>
+                    <a:p>
+                      <a:r>
+                        <a:rPr lang="en-US" dirty="0"/>
+                        <a:t>refunds</a:t>
+                      </a:r>
+                    </a:p>
+                  </a:txBody>
+                  <a:tcPr/>
+                </a:tc>
+                <a:tc>
+                  <a:txBody>
+                    <a:bodyPr/>
+                    <a:lstStyle/>
+                    <a:p>
+                      <a:pPr marL="0" marR="0" lvl="0" indent="0" algn="l" defTabSz="914400" rtl="0" eaLnBrk="1" fontAlgn="auto" latinLnBrk="0" hangingPunct="1">
+                        <a:lnSpc>
+                          <a:spcPct val="100000"/>
+                        </a:lnSpc>
+                        <a:spcBef>
+                          <a:spcPts val="0"/>
+                        </a:spcBef>
+                        <a:spcAft>
+                          <a:spcPts val="0"/>
+                        </a:spcAft>
+                        <a:buClrTx/>
+                        <a:buSzTx/>
+                        <a:buFontTx/>
+                        <a:buNone/>
+                        <a:tabLst/>
+                        <a:defRPr/>
+                      </a:pPr>
+                      <a:r>
+                        <a:rPr lang="en-US" dirty="0"/>
+                        <a:t>decimal (10,2)</a:t>
+                      </a:r>
+                    </a:p>
+                  </a:txBody>
+                  <a:tcPr/>
+                </a:tc>
+                <a:extLst>
+                  <a:ext uri="{0D108BD9-81ED-4DB2-BD59-A6C34878D82A}">
+                    <a16:rowId xmlns:a16="http://schemas.microsoft.com/office/drawing/2014/main" val="4146372605"/>
+                  </a:ext>
+                </a:extLst>
+              </a:tr>
+              <a:tr h="370840">
+                <a:tc>
+                  <a:txBody>
+                    <a:bodyPr/>
+                    <a:lstStyle/>
+                    <a:p>
+                      <a:r>
+                        <a:rPr lang="en-US" dirty="0" err="1"/>
+                        <a:t>roundtrip_sales</a:t>
+                      </a:r>
+                      <a:endParaRPr lang="en-US" dirty="0"/>
+                    </a:p>
+                  </a:txBody>
+                  <a:tcPr/>
+                </a:tc>
+                <a:tc>
+                  <a:txBody>
+                    <a:bodyPr/>
+                    <a:lstStyle/>
+                    <a:p>
+                      <a:pPr marL="0" marR="0" lvl="0" indent="0" algn="l" defTabSz="914400" rtl="0" eaLnBrk="1" fontAlgn="auto" latinLnBrk="0" hangingPunct="1">
+                        <a:lnSpc>
+                          <a:spcPct val="100000"/>
+                        </a:lnSpc>
+                        <a:spcBef>
+                          <a:spcPts val="0"/>
+                        </a:spcBef>
+                        <a:spcAft>
+                          <a:spcPts val="0"/>
+                        </a:spcAft>
+                        <a:buClrTx/>
+                        <a:buSzTx/>
+                        <a:buFontTx/>
+                        <a:buNone/>
+                        <a:tabLst/>
+                        <a:defRPr/>
+                      </a:pPr>
+                      <a:r>
+                        <a:rPr lang="en-US" dirty="0"/>
+                        <a:t>decimal (10,2)</a:t>
+                      </a:r>
+                    </a:p>
+                  </a:txBody>
+                  <a:tcPr/>
+                </a:tc>
+                <a:extLst>
+                  <a:ext uri="{0D108BD9-81ED-4DB2-BD59-A6C34878D82A}">
+                    <a16:rowId xmlns:a16="http://schemas.microsoft.com/office/drawing/2014/main" val="3000073847"/>
+                  </a:ext>
+                </a:extLst>
+              </a:tr>
+              <a:tr h="370840">
+                <a:tc>
+                  <a:txBody>
+                    <a:bodyPr/>
+                    <a:lstStyle/>
+                    <a:p>
+                      <a:r>
+                        <a:rPr lang="en-US" dirty="0" err="1"/>
+                        <a:t>one_way_sales</a:t>
+                      </a:r>
+                      <a:endParaRPr lang="en-US" dirty="0"/>
+                    </a:p>
+                  </a:txBody>
+                  <a:tcPr/>
+                </a:tc>
+                <a:tc>
+                  <a:txBody>
+                    <a:bodyPr/>
+                    <a:lstStyle/>
+                    <a:p>
+                      <a:pPr marL="0" marR="0" lvl="0" indent="0" algn="l" defTabSz="914400" rtl="0" eaLnBrk="1" fontAlgn="auto" latinLnBrk="0" hangingPunct="1">
+                        <a:lnSpc>
+                          <a:spcPct val="100000"/>
+                        </a:lnSpc>
+                        <a:spcBef>
+                          <a:spcPts val="0"/>
+                        </a:spcBef>
+                        <a:spcAft>
+                          <a:spcPts val="0"/>
+                        </a:spcAft>
+                        <a:buClrTx/>
+                        <a:buSzTx/>
+                        <a:buFontTx/>
+                        <a:buNone/>
+                        <a:tabLst/>
+                        <a:defRPr/>
+                      </a:pPr>
+                      <a:r>
+                        <a:rPr lang="en-US" dirty="0"/>
+                        <a:t>decimal (10,2)</a:t>
+                      </a:r>
+                    </a:p>
+                  </a:txBody>
+                  <a:tcPr/>
+                </a:tc>
+                <a:extLst>
+                  <a:ext uri="{0D108BD9-81ED-4DB2-BD59-A6C34878D82A}">
+                    <a16:rowId xmlns:a16="http://schemas.microsoft.com/office/drawing/2014/main" val="3515789017"/>
+                  </a:ext>
+                </a:extLst>
+              </a:tr>
+              <a:tr h="370840">
+                <a:tc>
+                  <a:txBody>
+                    <a:bodyPr/>
+                    <a:lstStyle/>
+                    <a:p>
+                      <a:r>
+                        <a:rPr lang="en-US" dirty="0"/>
+                        <a:t>expenses</a:t>
+                      </a:r>
+                    </a:p>
+                  </a:txBody>
+                  <a:tcPr/>
+                </a:tc>
+                <a:tc>
+                  <a:txBody>
+                    <a:bodyPr/>
+                    <a:lstStyle/>
+                    <a:p>
+                      <a:pPr marL="0" marR="0" lvl="0" indent="0" algn="l" defTabSz="914400" rtl="0" eaLnBrk="1" fontAlgn="auto" latinLnBrk="0" hangingPunct="1">
+                        <a:lnSpc>
+                          <a:spcPct val="100000"/>
+                        </a:lnSpc>
+                        <a:spcBef>
+                          <a:spcPts val="0"/>
+                        </a:spcBef>
+                        <a:spcAft>
+                          <a:spcPts val="0"/>
+                        </a:spcAft>
+                        <a:buClrTx/>
+                        <a:buSzTx/>
+                        <a:buFontTx/>
+                        <a:buNone/>
+                        <a:tabLst/>
+                        <a:defRPr/>
+                      </a:pPr>
+                      <a:r>
+                        <a:rPr lang="en-US" dirty="0"/>
+                        <a:t>decimal (10,2)</a:t>
+                      </a:r>
+                    </a:p>
+                  </a:txBody>
+                  <a:tcPr/>
+                </a:tc>
+                <a:extLst>
+                  <a:ext uri="{0D108BD9-81ED-4DB2-BD59-A6C34878D82A}">
+                    <a16:rowId xmlns:a16="http://schemas.microsoft.com/office/drawing/2014/main" val="4186800188"/>
+                  </a:ext>
+                </a:extLst>
+              </a:tr>
+              <a:tr h="370840">
+                <a:tc>
+                  <a:txBody>
+                    <a:bodyPr/>
+                    <a:lstStyle/>
+                    <a:p>
+                      <a:r>
+                        <a:rPr lang="en-US" dirty="0" err="1"/>
+                        <a:t>profit_loss</a:t>
+                      </a:r>
+                      <a:endParaRPr lang="en-US" dirty="0"/>
+                    </a:p>
+                  </a:txBody>
+                  <a:tcPr/>
+                </a:tc>
+                <a:tc>
+                  <a:txBody>
+                    <a:bodyPr/>
+                    <a:lstStyle/>
+                    <a:p>
+                      <a:pPr marL="0" marR="0" lvl="0" indent="0" algn="l" defTabSz="914400" rtl="0" eaLnBrk="1" fontAlgn="auto" latinLnBrk="0" hangingPunct="1">
+                        <a:lnSpc>
+                          <a:spcPct val="100000"/>
+                        </a:lnSpc>
+                        <a:spcBef>
+                          <a:spcPts val="0"/>
+                        </a:spcBef>
+                        <a:spcAft>
+                          <a:spcPts val="0"/>
+                        </a:spcAft>
+                        <a:buClrTx/>
+                        <a:buSzTx/>
+                        <a:buFontTx/>
+                        <a:buNone/>
+                        <a:tabLst/>
+                        <a:defRPr/>
+                      </a:pPr>
+                      <a:r>
+                        <a:rPr lang="en-US" dirty="0"/>
+                        <a:t>decimal (10,2)</a:t>
+                      </a:r>
+                    </a:p>
+                  </a:txBody>
+                  <a:tcPr/>
+                </a:tc>
+                <a:extLst>
+                  <a:ext uri="{0D108BD9-81ED-4DB2-BD59-A6C34878D82A}">
+                    <a16:rowId xmlns:a16="http://schemas.microsoft.com/office/drawing/2014/main" val="831814562"/>
+                  </a:ext>
+                </a:extLst>
+              </a:tr>
+            </a:tbl>
+          </a:graphicData>
+        </a:graphic>
+      </p:graphicFrame>
+      <p:graphicFrame>
+        <p:nvGraphicFramePr>
+          <p:cNvPr id="19" name="Table 4">
+            <a:extLst>
+              <a:ext uri="{FF2B5EF4-FFF2-40B4-BE49-F238E27FC236}">
+                <a16:creationId xmlns:a16="http://schemas.microsoft.com/office/drawing/2014/main" id="{DBF21E23-0033-8A33-64F8-41AB69E48C15}"/>
+              </a:ext>
+            </a:extLst>
+          </p:cNvPr>
+          <p:cNvGraphicFramePr>
+            <a:graphicFrameLocks noGrp="1"/>
+          </p:cNvGraphicFramePr>
+          <p:nvPr>
+            <p:extLst>
+              <p:ext uri="{D42A27DB-BD31-4B8C-83A1-F6EECF244321}">
+                <p14:modId xmlns:p14="http://schemas.microsoft.com/office/powerpoint/2010/main" val="1945630616"/>
+              </p:ext>
+            </p:extLst>
+          </p:nvPr>
+        </p:nvGraphicFramePr>
+        <p:xfrm>
+          <a:off x="11439401" y="14992605"/>
+          <a:ext cx="3559663" cy="7513320"/>
+        </p:xfrm>
+        <a:graphic>
+          <a:graphicData uri="http://schemas.openxmlformats.org/drawingml/2006/table">
+            <a:tbl>
+              <a:tblPr firstRow="1" bandRow="1">
+                <a:tableStyleId>{5C22544A-7EE6-4342-B048-85BDC9FD1C3A}</a:tableStyleId>
+              </a:tblPr>
+              <a:tblGrid>
+                <a:gridCol w="2145284">
+                  <a:extLst>
+                    <a:ext uri="{9D8B030D-6E8A-4147-A177-3AD203B41FA5}">
+                      <a16:colId xmlns:a16="http://schemas.microsoft.com/office/drawing/2014/main" val="2753936742"/>
+                    </a:ext>
+                  </a:extLst>
+                </a:gridCol>
+                <a:gridCol w="1414379">
+                  <a:extLst>
+                    <a:ext uri="{9D8B030D-6E8A-4147-A177-3AD203B41FA5}">
+                      <a16:colId xmlns:a16="http://schemas.microsoft.com/office/drawing/2014/main" val="2496485342"/>
+                    </a:ext>
+                  </a:extLst>
+                </a:gridCol>
+              </a:tblGrid>
+              <a:tr h="370840">
+                <a:tc>
+                  <a:txBody>
+                    <a:bodyPr/>
+                    <a:lstStyle/>
+                    <a:p>
+                      <a:r>
+                        <a:rPr lang="en-US" dirty="0" err="1"/>
+                        <a:t>monthly_report</a:t>
+                      </a:r>
+                      <a:endParaRPr lang="en-US" dirty="0"/>
+                    </a:p>
+                  </a:txBody>
+                  <a:tcPr/>
+                </a:tc>
+                <a:tc>
+                  <a:txBody>
+                    <a:bodyPr/>
+                    <a:lstStyle/>
+                    <a:p>
+                      <a:r>
+                        <a:rPr lang="en-US" dirty="0"/>
+                        <a:t>Data type</a:t>
+                      </a:r>
+                    </a:p>
+                  </a:txBody>
+                  <a:tcPr/>
+                </a:tc>
+                <a:extLst>
+                  <a:ext uri="{0D108BD9-81ED-4DB2-BD59-A6C34878D82A}">
+                    <a16:rowId xmlns:a16="http://schemas.microsoft.com/office/drawing/2014/main" val="242075065"/>
+                  </a:ext>
+                </a:extLst>
+              </a:tr>
+              <a:tr h="370840">
+                <a:tc>
+                  <a:txBody>
+                    <a:bodyPr/>
+                    <a:lstStyle/>
+                    <a:p>
+                      <a:r>
+                        <a:rPr lang="en-US" dirty="0"/>
+                        <a:t>MRID</a:t>
+                      </a:r>
+                    </a:p>
+                  </a:txBody>
+                  <a:tcPr/>
+                </a:tc>
+                <a:tc>
+                  <a:txBody>
+                    <a:bodyPr/>
+                    <a:lstStyle/>
+                    <a:p>
+                      <a:r>
+                        <a:rPr lang="en-US" dirty="0"/>
+                        <a:t>int (Primary)</a:t>
+                      </a:r>
+                    </a:p>
+                  </a:txBody>
+                  <a:tcPr/>
+                </a:tc>
+                <a:extLst>
+                  <a:ext uri="{0D108BD9-81ED-4DB2-BD59-A6C34878D82A}">
+                    <a16:rowId xmlns:a16="http://schemas.microsoft.com/office/drawing/2014/main" val="1343386187"/>
+                  </a:ext>
+                </a:extLst>
+              </a:tr>
+              <a:tr h="370840">
+                <a:tc>
+                  <a:txBody>
+                    <a:bodyPr/>
+                    <a:lstStyle/>
+                    <a:p>
+                      <a:r>
+                        <a:rPr lang="en-US" dirty="0" err="1"/>
+                        <a:t>in_progress</a:t>
+                      </a:r>
+                      <a:endParaRPr lang="en-US" dirty="0"/>
+                    </a:p>
+                  </a:txBody>
+                  <a:tcPr/>
+                </a:tc>
+                <a:tc>
+                  <a:txBody>
+                    <a:bodyPr/>
+                    <a:lstStyle/>
+                    <a:p>
+                      <a:r>
+                        <a:rPr lang="en-US" dirty="0"/>
+                        <a:t>int (1)</a:t>
+                      </a:r>
+                    </a:p>
+                  </a:txBody>
+                  <a:tcPr/>
+                </a:tc>
+                <a:extLst>
+                  <a:ext uri="{0D108BD9-81ED-4DB2-BD59-A6C34878D82A}">
+                    <a16:rowId xmlns:a16="http://schemas.microsoft.com/office/drawing/2014/main" val="1670886133"/>
+                  </a:ext>
+                </a:extLst>
+              </a:tr>
+              <a:tr h="370840">
+                <a:tc>
+                  <a:txBody>
+                    <a:bodyPr/>
+                    <a:lstStyle/>
+                    <a:p>
+                      <a:r>
+                        <a:rPr lang="en-US" dirty="0" err="1"/>
+                        <a:t>total_sales_pre_tax</a:t>
+                      </a:r>
+                      <a:endParaRPr lang="en-US" dirty="0"/>
+                    </a:p>
+                  </a:txBody>
+                  <a:tcPr/>
+                </a:tc>
+                <a:tc>
+                  <a:txBody>
+                    <a:bodyPr/>
+                    <a:lstStyle/>
+                    <a:p>
+                      <a:r>
+                        <a:rPr lang="en-US" dirty="0"/>
+                        <a:t>decimal (10,2)</a:t>
+                      </a:r>
+                    </a:p>
+                  </a:txBody>
+                  <a:tcPr/>
+                </a:tc>
+                <a:extLst>
+                  <a:ext uri="{0D108BD9-81ED-4DB2-BD59-A6C34878D82A}">
+                    <a16:rowId xmlns:a16="http://schemas.microsoft.com/office/drawing/2014/main" val="3006281120"/>
+                  </a:ext>
+                </a:extLst>
+              </a:tr>
+              <a:tr h="370840">
+                <a:tc>
+                  <a:txBody>
+                    <a:bodyPr/>
+                    <a:lstStyle/>
+                    <a:p>
+                      <a:r>
+                        <a:rPr lang="en-US" dirty="0"/>
+                        <a:t>tax</a:t>
+                      </a:r>
+                    </a:p>
+                  </a:txBody>
+                  <a:tcPr/>
+                </a:tc>
+                <a:tc>
+                  <a:txBody>
+                    <a:bodyPr/>
+                    <a:lstStyle/>
+                    <a:p>
+                      <a:pPr marL="0" marR="0" lvl="0" indent="0" algn="l" defTabSz="914400" rtl="0" eaLnBrk="1" fontAlgn="auto" latinLnBrk="0" hangingPunct="1">
+                        <a:lnSpc>
+                          <a:spcPct val="100000"/>
+                        </a:lnSpc>
+                        <a:spcBef>
+                          <a:spcPts val="0"/>
+                        </a:spcBef>
+                        <a:spcAft>
+                          <a:spcPts val="0"/>
+                        </a:spcAft>
+                        <a:buClrTx/>
+                        <a:buSzTx/>
+                        <a:buFontTx/>
+                        <a:buNone/>
+                        <a:tabLst/>
+                        <a:defRPr/>
+                      </a:pPr>
+                      <a:r>
+                        <a:rPr lang="en-US" dirty="0"/>
+                        <a:t>decimal (10,2)</a:t>
+                      </a:r>
+                    </a:p>
+                  </a:txBody>
+                  <a:tcPr/>
+                </a:tc>
+                <a:extLst>
+                  <a:ext uri="{0D108BD9-81ED-4DB2-BD59-A6C34878D82A}">
+                    <a16:rowId xmlns:a16="http://schemas.microsoft.com/office/drawing/2014/main" val="1120861828"/>
+                  </a:ext>
+                </a:extLst>
+              </a:tr>
+              <a:tr h="370840">
+                <a:tc>
+                  <a:txBody>
+                    <a:bodyPr/>
+                    <a:lstStyle/>
+                    <a:p>
+                      <a:r>
+                        <a:rPr lang="en-US" dirty="0" err="1"/>
+                        <a:t>total_sales_post_tax</a:t>
+                      </a:r>
+                      <a:endParaRPr lang="en-US" dirty="0"/>
+                    </a:p>
+                  </a:txBody>
+                  <a:tcPr/>
+                </a:tc>
+                <a:tc>
+                  <a:txBody>
+                    <a:bodyPr/>
+                    <a:lstStyle/>
+                    <a:p>
+                      <a:pPr marL="0" marR="0" lvl="0" indent="0" algn="l" defTabSz="914400" rtl="0" eaLnBrk="1" fontAlgn="auto" latinLnBrk="0" hangingPunct="1">
+                        <a:lnSpc>
+                          <a:spcPct val="100000"/>
+                        </a:lnSpc>
+                        <a:spcBef>
+                          <a:spcPts val="0"/>
+                        </a:spcBef>
+                        <a:spcAft>
+                          <a:spcPts val="0"/>
+                        </a:spcAft>
+                        <a:buClrTx/>
+                        <a:buSzTx/>
+                        <a:buFontTx/>
+                        <a:buNone/>
+                        <a:tabLst/>
+                        <a:defRPr/>
+                      </a:pPr>
+                      <a:r>
+                        <a:rPr lang="en-US" dirty="0"/>
+                        <a:t>decimal (10,2)</a:t>
+                      </a:r>
+                    </a:p>
+                  </a:txBody>
+                  <a:tcPr/>
+                </a:tc>
+                <a:extLst>
+                  <a:ext uri="{0D108BD9-81ED-4DB2-BD59-A6C34878D82A}">
+                    <a16:rowId xmlns:a16="http://schemas.microsoft.com/office/drawing/2014/main" val="3062051264"/>
+                  </a:ext>
+                </a:extLst>
+              </a:tr>
+              <a:tr h="370840">
+                <a:tc>
+                  <a:txBody>
+                    <a:bodyPr/>
+                    <a:lstStyle/>
+                    <a:p>
+                      <a:r>
+                        <a:rPr lang="en-US" dirty="0" err="1"/>
+                        <a:t>debit_sales</a:t>
+                      </a:r>
+                      <a:endParaRPr lang="en-US" dirty="0"/>
+                    </a:p>
+                  </a:txBody>
+                  <a:tcPr/>
+                </a:tc>
+                <a:tc>
+                  <a:txBody>
+                    <a:bodyPr/>
+                    <a:lstStyle/>
+                    <a:p>
+                      <a:pPr marL="0" marR="0" lvl="0" indent="0" algn="l" defTabSz="914400" rtl="0" eaLnBrk="1" fontAlgn="auto" latinLnBrk="0" hangingPunct="1">
+                        <a:lnSpc>
+                          <a:spcPct val="100000"/>
+                        </a:lnSpc>
+                        <a:spcBef>
+                          <a:spcPts val="0"/>
+                        </a:spcBef>
+                        <a:spcAft>
+                          <a:spcPts val="0"/>
+                        </a:spcAft>
+                        <a:buClrTx/>
+                        <a:buSzTx/>
+                        <a:buFontTx/>
+                        <a:buNone/>
+                        <a:tabLst/>
+                        <a:defRPr/>
+                      </a:pPr>
+                      <a:r>
+                        <a:rPr lang="en-US" dirty="0"/>
+                        <a:t>decimal (10,2)</a:t>
+                      </a:r>
+                    </a:p>
+                  </a:txBody>
+                  <a:tcPr/>
+                </a:tc>
+                <a:extLst>
+                  <a:ext uri="{0D108BD9-81ED-4DB2-BD59-A6C34878D82A}">
+                    <a16:rowId xmlns:a16="http://schemas.microsoft.com/office/drawing/2014/main" val="3001004952"/>
+                  </a:ext>
+                </a:extLst>
+              </a:tr>
+              <a:tr h="370840">
+                <a:tc>
+                  <a:txBody>
+                    <a:bodyPr/>
+                    <a:lstStyle/>
+                    <a:p>
+                      <a:r>
+                        <a:rPr lang="en-US" dirty="0" err="1"/>
+                        <a:t>credit_sales</a:t>
+                      </a:r>
+                      <a:endParaRPr lang="en-US" dirty="0"/>
+                    </a:p>
+                  </a:txBody>
+                  <a:tcPr/>
+                </a:tc>
+                <a:tc>
+                  <a:txBody>
+                    <a:bodyPr/>
+                    <a:lstStyle/>
+                    <a:p>
+                      <a:pPr marL="0" marR="0" lvl="0" indent="0" algn="l" defTabSz="914400" rtl="0" eaLnBrk="1" fontAlgn="auto" latinLnBrk="0" hangingPunct="1">
+                        <a:lnSpc>
+                          <a:spcPct val="100000"/>
+                        </a:lnSpc>
+                        <a:spcBef>
+                          <a:spcPts val="0"/>
+                        </a:spcBef>
+                        <a:spcAft>
+                          <a:spcPts val="0"/>
+                        </a:spcAft>
+                        <a:buClrTx/>
+                        <a:buSzTx/>
+                        <a:buFontTx/>
+                        <a:buNone/>
+                        <a:tabLst/>
+                        <a:defRPr/>
+                      </a:pPr>
+                      <a:r>
+                        <a:rPr lang="en-US" dirty="0"/>
+                        <a:t>decimal (10,2)</a:t>
+                      </a:r>
+                    </a:p>
+                  </a:txBody>
+                  <a:tcPr/>
+                </a:tc>
+                <a:extLst>
+                  <a:ext uri="{0D108BD9-81ED-4DB2-BD59-A6C34878D82A}">
+                    <a16:rowId xmlns:a16="http://schemas.microsoft.com/office/drawing/2014/main" val="2579551743"/>
+                  </a:ext>
+                </a:extLst>
+              </a:tr>
+              <a:tr h="370840">
+                <a:tc>
+                  <a:txBody>
+                    <a:bodyPr/>
+                    <a:lstStyle/>
+                    <a:p>
+                      <a:r>
+                        <a:rPr lang="en-US" dirty="0"/>
+                        <a:t>refunds</a:t>
+                      </a:r>
+                    </a:p>
+                  </a:txBody>
+                  <a:tcPr/>
+                </a:tc>
+                <a:tc>
+                  <a:txBody>
+                    <a:bodyPr/>
+                    <a:lstStyle/>
+                    <a:p>
+                      <a:pPr marL="0" marR="0" lvl="0" indent="0" algn="l" defTabSz="914400" rtl="0" eaLnBrk="1" fontAlgn="auto" latinLnBrk="0" hangingPunct="1">
+                        <a:lnSpc>
+                          <a:spcPct val="100000"/>
+                        </a:lnSpc>
+                        <a:spcBef>
+                          <a:spcPts val="0"/>
+                        </a:spcBef>
+                        <a:spcAft>
+                          <a:spcPts val="0"/>
+                        </a:spcAft>
+                        <a:buClrTx/>
+                        <a:buSzTx/>
+                        <a:buFontTx/>
+                        <a:buNone/>
+                        <a:tabLst/>
+                        <a:defRPr/>
+                      </a:pPr>
+                      <a:r>
+                        <a:rPr lang="en-US" dirty="0"/>
+                        <a:t>decimal (10,2)</a:t>
+                      </a:r>
+                    </a:p>
+                  </a:txBody>
+                  <a:tcPr/>
+                </a:tc>
+                <a:extLst>
+                  <a:ext uri="{0D108BD9-81ED-4DB2-BD59-A6C34878D82A}">
+                    <a16:rowId xmlns:a16="http://schemas.microsoft.com/office/drawing/2014/main" val="4146372605"/>
+                  </a:ext>
+                </a:extLst>
+              </a:tr>
+              <a:tr h="370840">
+                <a:tc>
+                  <a:txBody>
+                    <a:bodyPr/>
+                    <a:lstStyle/>
+                    <a:p>
+                      <a:r>
+                        <a:rPr lang="en-US" dirty="0" err="1"/>
+                        <a:t>roundtrip_sales</a:t>
+                      </a:r>
+                      <a:endParaRPr lang="en-US" dirty="0"/>
+                    </a:p>
+                  </a:txBody>
+                  <a:tcPr/>
+                </a:tc>
+                <a:tc>
+                  <a:txBody>
+                    <a:bodyPr/>
+                    <a:lstStyle/>
+                    <a:p>
+                      <a:pPr marL="0" marR="0" lvl="0" indent="0" algn="l" defTabSz="914400" rtl="0" eaLnBrk="1" fontAlgn="auto" latinLnBrk="0" hangingPunct="1">
+                        <a:lnSpc>
+                          <a:spcPct val="100000"/>
+                        </a:lnSpc>
+                        <a:spcBef>
+                          <a:spcPts val="0"/>
+                        </a:spcBef>
+                        <a:spcAft>
+                          <a:spcPts val="0"/>
+                        </a:spcAft>
+                        <a:buClrTx/>
+                        <a:buSzTx/>
+                        <a:buFontTx/>
+                        <a:buNone/>
+                        <a:tabLst/>
+                        <a:defRPr/>
+                      </a:pPr>
+                      <a:r>
+                        <a:rPr lang="en-US" dirty="0"/>
+                        <a:t>decimal (10,2)</a:t>
+                      </a:r>
+                    </a:p>
+                  </a:txBody>
+                  <a:tcPr/>
+                </a:tc>
+                <a:extLst>
+                  <a:ext uri="{0D108BD9-81ED-4DB2-BD59-A6C34878D82A}">
+                    <a16:rowId xmlns:a16="http://schemas.microsoft.com/office/drawing/2014/main" val="3000073847"/>
+                  </a:ext>
+                </a:extLst>
+              </a:tr>
+              <a:tr h="370840">
+                <a:tc>
+                  <a:txBody>
+                    <a:bodyPr/>
+                    <a:lstStyle/>
+                    <a:p>
+                      <a:r>
+                        <a:rPr lang="en-US" dirty="0" err="1"/>
+                        <a:t>one_way_sales</a:t>
+                      </a:r>
+                      <a:endParaRPr lang="en-US" dirty="0"/>
+                    </a:p>
+                  </a:txBody>
+                  <a:tcPr/>
+                </a:tc>
+                <a:tc>
+                  <a:txBody>
+                    <a:bodyPr/>
+                    <a:lstStyle/>
+                    <a:p>
+                      <a:pPr marL="0" marR="0" lvl="0" indent="0" algn="l" defTabSz="914400" rtl="0" eaLnBrk="1" fontAlgn="auto" latinLnBrk="0" hangingPunct="1">
+                        <a:lnSpc>
+                          <a:spcPct val="100000"/>
+                        </a:lnSpc>
+                        <a:spcBef>
+                          <a:spcPts val="0"/>
+                        </a:spcBef>
+                        <a:spcAft>
+                          <a:spcPts val="0"/>
+                        </a:spcAft>
+                        <a:buClrTx/>
+                        <a:buSzTx/>
+                        <a:buFontTx/>
+                        <a:buNone/>
+                        <a:tabLst/>
+                        <a:defRPr/>
+                      </a:pPr>
+                      <a:r>
+                        <a:rPr lang="en-US" dirty="0"/>
+                        <a:t>decimal (10,2)</a:t>
+                      </a:r>
+                    </a:p>
+                  </a:txBody>
+                  <a:tcPr/>
+                </a:tc>
+                <a:extLst>
+                  <a:ext uri="{0D108BD9-81ED-4DB2-BD59-A6C34878D82A}">
+                    <a16:rowId xmlns:a16="http://schemas.microsoft.com/office/drawing/2014/main" val="3515789017"/>
+                  </a:ext>
+                </a:extLst>
+              </a:tr>
+              <a:tr h="370840">
+                <a:tc>
+                  <a:txBody>
+                    <a:bodyPr/>
+                    <a:lstStyle/>
+                    <a:p>
+                      <a:r>
+                        <a:rPr lang="en-US" dirty="0"/>
+                        <a:t>expenses</a:t>
+                      </a:r>
+                    </a:p>
+                  </a:txBody>
+                  <a:tcPr/>
+                </a:tc>
+                <a:tc>
+                  <a:txBody>
+                    <a:bodyPr/>
+                    <a:lstStyle/>
+                    <a:p>
+                      <a:pPr marL="0" marR="0" lvl="0" indent="0" algn="l" defTabSz="914400" rtl="0" eaLnBrk="1" fontAlgn="auto" latinLnBrk="0" hangingPunct="1">
+                        <a:lnSpc>
+                          <a:spcPct val="100000"/>
+                        </a:lnSpc>
+                        <a:spcBef>
+                          <a:spcPts val="0"/>
+                        </a:spcBef>
+                        <a:spcAft>
+                          <a:spcPts val="0"/>
+                        </a:spcAft>
+                        <a:buClrTx/>
+                        <a:buSzTx/>
+                        <a:buFontTx/>
+                        <a:buNone/>
+                        <a:tabLst/>
+                        <a:defRPr/>
+                      </a:pPr>
+                      <a:r>
+                        <a:rPr lang="en-US" dirty="0"/>
+                        <a:t>decimal (10,2)</a:t>
+                      </a:r>
+                    </a:p>
+                  </a:txBody>
+                  <a:tcPr/>
+                </a:tc>
+                <a:extLst>
+                  <a:ext uri="{0D108BD9-81ED-4DB2-BD59-A6C34878D82A}">
+                    <a16:rowId xmlns:a16="http://schemas.microsoft.com/office/drawing/2014/main" val="4186800188"/>
+                  </a:ext>
+                </a:extLst>
+              </a:tr>
+              <a:tr h="370840">
+                <a:tc>
+                  <a:txBody>
+                    <a:bodyPr/>
+                    <a:lstStyle/>
+                    <a:p>
+                      <a:r>
+                        <a:rPr lang="en-US" dirty="0" err="1"/>
+                        <a:t>profit_loss</a:t>
+                      </a:r>
+                      <a:endParaRPr lang="en-US" dirty="0"/>
+                    </a:p>
+                  </a:txBody>
+                  <a:tcPr/>
+                </a:tc>
+                <a:tc>
+                  <a:txBody>
+                    <a:bodyPr/>
+                    <a:lstStyle/>
+                    <a:p>
+                      <a:pPr marL="0" marR="0" lvl="0" indent="0" algn="l" defTabSz="914400" rtl="0" eaLnBrk="1" fontAlgn="auto" latinLnBrk="0" hangingPunct="1">
+                        <a:lnSpc>
+                          <a:spcPct val="100000"/>
+                        </a:lnSpc>
+                        <a:spcBef>
+                          <a:spcPts val="0"/>
+                        </a:spcBef>
+                        <a:spcAft>
+                          <a:spcPts val="0"/>
+                        </a:spcAft>
+                        <a:buClrTx/>
+                        <a:buSzTx/>
+                        <a:buFontTx/>
+                        <a:buNone/>
+                        <a:tabLst/>
+                        <a:defRPr/>
+                      </a:pPr>
+                      <a:r>
+                        <a:rPr lang="en-US" dirty="0"/>
+                        <a:t>decimal (10,2)</a:t>
+                      </a:r>
+                    </a:p>
+                  </a:txBody>
+                  <a:tcPr/>
+                </a:tc>
+                <a:extLst>
+                  <a:ext uri="{0D108BD9-81ED-4DB2-BD59-A6C34878D82A}">
+                    <a16:rowId xmlns:a16="http://schemas.microsoft.com/office/drawing/2014/main" val="831814562"/>
+                  </a:ext>
+                </a:extLst>
+              </a:tr>
+            </a:tbl>
+          </a:graphicData>
+        </a:graphic>
+      </p:graphicFrame>
+      <p:cxnSp>
+        <p:nvCxnSpPr>
+          <p:cNvPr id="27" name="Straight Arrow Connector 26">
+            <a:extLst>
+              <a:ext uri="{FF2B5EF4-FFF2-40B4-BE49-F238E27FC236}">
+                <a16:creationId xmlns:a16="http://schemas.microsoft.com/office/drawing/2014/main" id="{5ED3EF9C-872E-83AD-E6B1-9A83DCC90CF4}"/>
+              </a:ext>
+            </a:extLst>
+          </p:cNvPr>
+          <p:cNvCxnSpPr/>
+          <p:nvPr/>
+        </p:nvCxnSpPr>
+        <p:spPr>
+          <a:xfrm flipH="1" flipV="1">
+            <a:off x="4221102" y="12106275"/>
+            <a:ext cx="2162693" cy="3457575"/>
+          </a:xfrm>
+          <a:prstGeom prst="straightConnector1">
+            <a:avLst/>
+          </a:prstGeom>
+          <a:ln>
+            <a:tailEnd type="triangle"/>
+          </a:ln>
+        </p:spPr>
+        <p:style>
+          <a:lnRef idx="1">
+            <a:schemeClr val="accent1"/>
+          </a:lnRef>
+          <a:fillRef idx="0">
+            <a:schemeClr val="accent1"/>
+          </a:fillRef>
+          <a:effectRef idx="0">
+            <a:schemeClr val="accent1"/>
+          </a:effectRef>
+          <a:fontRef idx="minor">
+            <a:schemeClr val="tx1"/>
+          </a:fontRef>
+        </p:style>
+      </p:cxnSp>
+      <p:cxnSp>
+        <p:nvCxnSpPr>
+          <p:cNvPr id="31" name="Straight Arrow Connector 30">
+            <a:extLst>
+              <a:ext uri="{FF2B5EF4-FFF2-40B4-BE49-F238E27FC236}">
+                <a16:creationId xmlns:a16="http://schemas.microsoft.com/office/drawing/2014/main" id="{053337D4-C43B-2C26-BE5A-2C6D55132A1F}"/>
+              </a:ext>
+            </a:extLst>
+          </p:cNvPr>
+          <p:cNvCxnSpPr/>
+          <p:nvPr/>
+        </p:nvCxnSpPr>
+        <p:spPr>
+          <a:xfrm flipH="1">
+            <a:off x="9943458" y="15563850"/>
+            <a:ext cx="1495943" cy="333375"/>
+          </a:xfrm>
+          <a:prstGeom prst="straightConnector1">
+            <a:avLst/>
+          </a:prstGeom>
+          <a:ln>
+            <a:tailEnd type="triangle"/>
+          </a:ln>
+        </p:spPr>
+        <p:style>
+          <a:lnRef idx="1">
+            <a:schemeClr val="accent1"/>
+          </a:lnRef>
+          <a:fillRef idx="0">
+            <a:schemeClr val="accent1"/>
+          </a:fillRef>
+          <a:effectRef idx="0">
+            <a:schemeClr val="accent1"/>
+          </a:effectRef>
+          <a:fontRef idx="minor">
+            <a:schemeClr val="tx1"/>
+          </a:fontRef>
+        </p:style>
+      </p:cxnSp>
+      <p:cxnSp>
+        <p:nvCxnSpPr>
+          <p:cNvPr id="35" name="Straight Arrow Connector 34">
+            <a:extLst>
+              <a:ext uri="{FF2B5EF4-FFF2-40B4-BE49-F238E27FC236}">
+                <a16:creationId xmlns:a16="http://schemas.microsoft.com/office/drawing/2014/main" id="{88D19698-55AC-820D-2BB7-A33C6437CFBC}"/>
+              </a:ext>
+            </a:extLst>
+          </p:cNvPr>
+          <p:cNvCxnSpPr/>
+          <p:nvPr/>
+        </p:nvCxnSpPr>
+        <p:spPr>
+          <a:xfrm flipH="1" flipV="1">
+            <a:off x="4221102" y="12468225"/>
+            <a:ext cx="7218299" cy="3095625"/>
           </a:xfrm>
           <a:prstGeom prst="straightConnector1">
             <a:avLst/>
